--- a/Nuovo Presentazione di Microsoft PowerPoint.pptx
+++ b/Nuovo Presentazione di Microsoft PowerPoint.pptx
@@ -9,6 +9,11 @@
     <p:sldId id="257" r:id="rId3"/>
     <p:sldId id="258" r:id="rId4"/>
     <p:sldId id="259" r:id="rId5"/>
+    <p:sldId id="260" r:id="rId6"/>
+    <p:sldId id="261" r:id="rId7"/>
+    <p:sldId id="262" r:id="rId8"/>
+    <p:sldId id="264" r:id="rId9"/>
+    <p:sldId id="263" r:id="rId10"/>
   </p:sldIdLst>
   <p:sldSz cx="12192000" cy="6858000"/>
   <p:notesSz cx="6858000" cy="9144000"/>
@@ -244,7 +249,7 @@
           <a:p>
             <a:fld id="{6BD15808-8B7D-4DE2-9E62-06EEBAEB5E54}" type="datetimeFigureOut">
               <a:rPr lang="it-IT" smtClean="0"/>
-              <a:t>30/03/2017</a:t>
+              <a:t>05/04/2017</a:t>
             </a:fld>
             <a:endParaRPr lang="it-IT"/>
           </a:p>
@@ -412,7 +417,7 @@
           <a:p>
             <a:fld id="{6BD15808-8B7D-4DE2-9E62-06EEBAEB5E54}" type="datetimeFigureOut">
               <a:rPr lang="it-IT" smtClean="0"/>
-              <a:t>30/03/2017</a:t>
+              <a:t>05/04/2017</a:t>
             </a:fld>
             <a:endParaRPr lang="it-IT"/>
           </a:p>
@@ -590,7 +595,7 @@
           <a:p>
             <a:fld id="{6BD15808-8B7D-4DE2-9E62-06EEBAEB5E54}" type="datetimeFigureOut">
               <a:rPr lang="it-IT" smtClean="0"/>
-              <a:t>30/03/2017</a:t>
+              <a:t>05/04/2017</a:t>
             </a:fld>
             <a:endParaRPr lang="it-IT"/>
           </a:p>
@@ -758,7 +763,7 @@
           <a:p>
             <a:fld id="{6BD15808-8B7D-4DE2-9E62-06EEBAEB5E54}" type="datetimeFigureOut">
               <a:rPr lang="it-IT" smtClean="0"/>
-              <a:t>30/03/2017</a:t>
+              <a:t>05/04/2017</a:t>
             </a:fld>
             <a:endParaRPr lang="it-IT"/>
           </a:p>
@@ -1003,7 +1008,7 @@
           <a:p>
             <a:fld id="{6BD15808-8B7D-4DE2-9E62-06EEBAEB5E54}" type="datetimeFigureOut">
               <a:rPr lang="it-IT" smtClean="0"/>
-              <a:t>30/03/2017</a:t>
+              <a:t>05/04/2017</a:t>
             </a:fld>
             <a:endParaRPr lang="it-IT"/>
           </a:p>
@@ -1232,7 +1237,7 @@
           <a:p>
             <a:fld id="{6BD15808-8B7D-4DE2-9E62-06EEBAEB5E54}" type="datetimeFigureOut">
               <a:rPr lang="it-IT" smtClean="0"/>
-              <a:t>30/03/2017</a:t>
+              <a:t>05/04/2017</a:t>
             </a:fld>
             <a:endParaRPr lang="it-IT"/>
           </a:p>
@@ -1596,7 +1601,7 @@
           <a:p>
             <a:fld id="{6BD15808-8B7D-4DE2-9E62-06EEBAEB5E54}" type="datetimeFigureOut">
               <a:rPr lang="it-IT" smtClean="0"/>
-              <a:t>30/03/2017</a:t>
+              <a:t>05/04/2017</a:t>
             </a:fld>
             <a:endParaRPr lang="it-IT"/>
           </a:p>
@@ -1713,7 +1718,7 @@
           <a:p>
             <a:fld id="{6BD15808-8B7D-4DE2-9E62-06EEBAEB5E54}" type="datetimeFigureOut">
               <a:rPr lang="it-IT" smtClean="0"/>
-              <a:t>30/03/2017</a:t>
+              <a:t>05/04/2017</a:t>
             </a:fld>
             <a:endParaRPr lang="it-IT"/>
           </a:p>
@@ -1808,7 +1813,7 @@
           <a:p>
             <a:fld id="{6BD15808-8B7D-4DE2-9E62-06EEBAEB5E54}" type="datetimeFigureOut">
               <a:rPr lang="it-IT" smtClean="0"/>
-              <a:t>30/03/2017</a:t>
+              <a:t>05/04/2017</a:t>
             </a:fld>
             <a:endParaRPr lang="it-IT"/>
           </a:p>
@@ -2083,7 +2088,7 @@
           <a:p>
             <a:fld id="{6BD15808-8B7D-4DE2-9E62-06EEBAEB5E54}" type="datetimeFigureOut">
               <a:rPr lang="it-IT" smtClean="0"/>
-              <a:t>30/03/2017</a:t>
+              <a:t>05/04/2017</a:t>
             </a:fld>
             <a:endParaRPr lang="it-IT"/>
           </a:p>
@@ -2335,7 +2340,7 @@
           <a:p>
             <a:fld id="{6BD15808-8B7D-4DE2-9E62-06EEBAEB5E54}" type="datetimeFigureOut">
               <a:rPr lang="it-IT" smtClean="0"/>
-              <a:t>30/03/2017</a:t>
+              <a:t>05/04/2017</a:t>
             </a:fld>
             <a:endParaRPr lang="it-IT"/>
           </a:p>
@@ -2546,7 +2551,7 @@
           <a:p>
             <a:fld id="{6BD15808-8B7D-4DE2-9E62-06EEBAEB5E54}" type="datetimeFigureOut">
               <a:rPr lang="it-IT" smtClean="0"/>
-              <a:t>30/03/2017</a:t>
+              <a:t>05/04/2017</a:t>
             </a:fld>
             <a:endParaRPr lang="it-IT"/>
           </a:p>
@@ -3286,14 +3291,14 @@
           <p:nvPr>
             <p:extLst>
               <p:ext uri="{D42A27DB-BD31-4B8C-83A1-F6EECF244321}">
-                <p14:modId xmlns:p14="http://schemas.microsoft.com/office/powerpoint/2010/main" val="1252551452"/>
+                <p14:modId xmlns:p14="http://schemas.microsoft.com/office/powerpoint/2010/main" val="2469334870"/>
               </p:ext>
             </p:extLst>
           </p:nvPr>
         </p:nvGraphicFramePr>
         <p:xfrm>
-          <a:off x="2032000" y="719666"/>
-          <a:ext cx="7212458" cy="1854200"/>
+          <a:off x="1850716" y="678491"/>
+          <a:ext cx="5471708" cy="1854200"/>
         </p:xfrm>
         <a:graphic>
           <a:graphicData uri="http://schemas.openxmlformats.org/drawingml/2006/table">
@@ -3302,28 +3307,717 @@
                 <a:tableStyleId>{5C22544A-7EE6-4342-B048-85BDC9FD1C3A}</a:tableStyleId>
               </a:tblPr>
               <a:tblGrid>
-                <a:gridCol w="1441704">
+                <a:gridCol w="1026287">
                   <a:extLst>
                     <a:ext uri="{9D8B030D-6E8A-4147-A177-3AD203B41FA5}">
                       <a16:colId xmlns:a16="http://schemas.microsoft.com/office/drawing/2014/main" val="3566388050"/>
                     </a:ext>
                   </a:extLst>
                 </a:gridCol>
-                <a:gridCol w="1387793">
+                <a:gridCol w="989330">
                   <a:extLst>
                     <a:ext uri="{9D8B030D-6E8A-4147-A177-3AD203B41FA5}">
                       <a16:colId xmlns:a16="http://schemas.microsoft.com/office/drawing/2014/main" val="3103202892"/>
                     </a:ext>
                   </a:extLst>
                 </a:gridCol>
-                <a:gridCol w="1405636">
+                <a:gridCol w="1000697">
                   <a:extLst>
                     <a:ext uri="{9D8B030D-6E8A-4147-A177-3AD203B41FA5}">
                       <a16:colId xmlns:a16="http://schemas.microsoft.com/office/drawing/2014/main" val="1535945896"/>
                     </a:ext>
                   </a:extLst>
                 </a:gridCol>
-                <a:gridCol w="1351725">
+                <a:gridCol w="963740">
+                  <a:extLst>
+                    <a:ext uri="{9D8B030D-6E8A-4147-A177-3AD203B41FA5}">
+                      <a16:colId xmlns:a16="http://schemas.microsoft.com/office/drawing/2014/main" val="809412660"/>
+                    </a:ext>
+                  </a:extLst>
+                </a:gridCol>
+                <a:gridCol w="1491654">
+                  <a:extLst>
+                    <a:ext uri="{9D8B030D-6E8A-4147-A177-3AD203B41FA5}">
+                      <a16:colId xmlns:a16="http://schemas.microsoft.com/office/drawing/2014/main" val="2695761817"/>
+                    </a:ext>
+                  </a:extLst>
+                </a:gridCol>
+              </a:tblGrid>
+              <a:tr h="370840">
+                <a:tc>
+                  <a:txBody>
+                    <a:bodyPr/>
+                    <a:lstStyle/>
+                    <a:p>
+                      <a:r>
+                        <a:rPr lang="it-IT" sz="1200" dirty="0" err="1"/>
+                        <a:t>Sepal</a:t>
+                      </a:r>
+                      <a:r>
+                        <a:rPr lang="it-IT" sz="1200" dirty="0"/>
+                        <a:t> </a:t>
+                      </a:r>
+                      <a:r>
+                        <a:rPr lang="it-IT" sz="1200" dirty="0" err="1"/>
+                        <a:t>Length</a:t>
+                      </a:r>
+                      <a:endParaRPr lang="it-IT" sz="1200" dirty="0"/>
+                    </a:p>
+                  </a:txBody>
+                  <a:tcPr/>
+                </a:tc>
+                <a:tc>
+                  <a:txBody>
+                    <a:bodyPr/>
+                    <a:lstStyle/>
+                    <a:p>
+                      <a:r>
+                        <a:rPr lang="it-IT" sz="1200" dirty="0" err="1"/>
+                        <a:t>Sepal</a:t>
+                      </a:r>
+                      <a:r>
+                        <a:rPr lang="it-IT" sz="1200" dirty="0"/>
+                        <a:t> </a:t>
+                      </a:r>
+                      <a:r>
+                        <a:rPr lang="it-IT" sz="1200" dirty="0" err="1"/>
+                        <a:t>Width</a:t>
+                      </a:r>
+                      <a:endParaRPr lang="it-IT" sz="1200" dirty="0"/>
+                    </a:p>
+                  </a:txBody>
+                  <a:tcPr/>
+                </a:tc>
+                <a:tc>
+                  <a:txBody>
+                    <a:bodyPr/>
+                    <a:lstStyle/>
+                    <a:p>
+                      <a:r>
+                        <a:rPr lang="it-IT" sz="1200" dirty="0" err="1"/>
+                        <a:t>Petal</a:t>
+                      </a:r>
+                      <a:r>
+                        <a:rPr lang="it-IT" sz="1200" dirty="0"/>
+                        <a:t> </a:t>
+                      </a:r>
+                      <a:r>
+                        <a:rPr lang="it-IT" sz="1200" dirty="0" err="1"/>
+                        <a:t>Length</a:t>
+                      </a:r>
+                      <a:endParaRPr lang="it-IT" sz="1200" dirty="0"/>
+                    </a:p>
+                  </a:txBody>
+                  <a:tcPr/>
+                </a:tc>
+                <a:tc>
+                  <a:txBody>
+                    <a:bodyPr/>
+                    <a:lstStyle/>
+                    <a:p>
+                      <a:r>
+                        <a:rPr lang="it-IT" sz="1200" dirty="0" err="1"/>
+                        <a:t>Petal</a:t>
+                      </a:r>
+                      <a:r>
+                        <a:rPr lang="it-IT" sz="1200" dirty="0"/>
+                        <a:t> </a:t>
+                      </a:r>
+                      <a:r>
+                        <a:rPr lang="it-IT" sz="1200" dirty="0" err="1"/>
+                        <a:t>Width</a:t>
+                      </a:r>
+                      <a:endParaRPr lang="it-IT" sz="1200" dirty="0"/>
+                    </a:p>
+                  </a:txBody>
+                  <a:tcPr/>
+                </a:tc>
+                <a:tc>
+                  <a:txBody>
+                    <a:bodyPr/>
+                    <a:lstStyle/>
+                    <a:p>
+                      <a:r>
+                        <a:rPr lang="it-IT" sz="1200" dirty="0"/>
+                        <a:t>Iris </a:t>
+                      </a:r>
+                      <a:r>
+                        <a:rPr lang="it-IT" sz="1200" dirty="0" err="1"/>
+                        <a:t>Species</a:t>
+                      </a:r>
+                      <a:endParaRPr lang="it-IT" sz="1200" dirty="0"/>
+                    </a:p>
+                  </a:txBody>
+                  <a:tcPr/>
+                </a:tc>
+                <a:extLst>
+                  <a:ext uri="{0D108BD9-81ED-4DB2-BD59-A6C34878D82A}">
+                    <a16:rowId xmlns:a16="http://schemas.microsoft.com/office/drawing/2014/main" val="1752039315"/>
+                  </a:ext>
+                </a:extLst>
+              </a:tr>
+              <a:tr h="370840">
+                <a:tc>
+                  <a:txBody>
+                    <a:bodyPr/>
+                    <a:lstStyle/>
+                    <a:p>
+                      <a:pPr algn="r" fontAlgn="t"/>
+                      <a:r>
+                        <a:rPr lang="it-IT" sz="1200" dirty="0">
+                          <a:effectLst/>
+                        </a:rPr>
+                        <a:t>6.8</a:t>
+                      </a:r>
+                    </a:p>
+                  </a:txBody>
+                  <a:tcPr marL="38100" marR="38100" marT="38100" marB="38100"/>
+                </a:tc>
+                <a:tc>
+                  <a:txBody>
+                    <a:bodyPr/>
+                    <a:lstStyle/>
+                    <a:p>
+                      <a:pPr algn="r" fontAlgn="t"/>
+                      <a:r>
+                        <a:rPr lang="it-IT" sz="1200">
+                          <a:effectLst/>
+                        </a:rPr>
+                        <a:t>2.8</a:t>
+                      </a:r>
+                    </a:p>
+                  </a:txBody>
+                  <a:tcPr marL="38100" marR="38100" marT="38100" marB="38100"/>
+                </a:tc>
+                <a:tc>
+                  <a:txBody>
+                    <a:bodyPr/>
+                    <a:lstStyle/>
+                    <a:p>
+                      <a:pPr algn="r" fontAlgn="t"/>
+                      <a:r>
+                        <a:rPr lang="it-IT" sz="1200">
+                          <a:effectLst/>
+                        </a:rPr>
+                        <a:t>4.8</a:t>
+                      </a:r>
+                    </a:p>
+                  </a:txBody>
+                  <a:tcPr marL="38100" marR="38100" marT="38100" marB="38100"/>
+                </a:tc>
+                <a:tc>
+                  <a:txBody>
+                    <a:bodyPr/>
+                    <a:lstStyle/>
+                    <a:p>
+                      <a:pPr algn="r" fontAlgn="t"/>
+                      <a:r>
+                        <a:rPr lang="it-IT" sz="1200">
+                          <a:effectLst/>
+                        </a:rPr>
+                        <a:t>1.4</a:t>
+                      </a:r>
+                    </a:p>
+                  </a:txBody>
+                  <a:tcPr marL="38100" marR="38100" marT="38100" marB="38100"/>
+                </a:tc>
+                <a:tc>
+                  <a:txBody>
+                    <a:bodyPr/>
+                    <a:lstStyle/>
+                    <a:p>
+                      <a:pPr algn="l" fontAlgn="t"/>
+                      <a:r>
+                        <a:rPr lang="it-IT" sz="1200" dirty="0" err="1">
+                          <a:effectLst/>
+                        </a:rPr>
+                        <a:t>versicolor</a:t>
+                      </a:r>
+                      <a:endParaRPr lang="it-IT" sz="1200" dirty="0">
+                        <a:effectLst/>
+                      </a:endParaRPr>
+                    </a:p>
+                  </a:txBody>
+                  <a:tcPr marL="38100" marR="38100" marT="38100" marB="38100"/>
+                </a:tc>
+                <a:extLst>
+                  <a:ext uri="{0D108BD9-81ED-4DB2-BD59-A6C34878D82A}">
+                    <a16:rowId xmlns:a16="http://schemas.microsoft.com/office/drawing/2014/main" val="1681264947"/>
+                  </a:ext>
+                </a:extLst>
+              </a:tr>
+              <a:tr h="370840">
+                <a:tc>
+                  <a:txBody>
+                    <a:bodyPr/>
+                    <a:lstStyle/>
+                    <a:p>
+                      <a:pPr algn="r" fontAlgn="t"/>
+                      <a:r>
+                        <a:rPr lang="it-IT" sz="1200" dirty="0">
+                          <a:effectLst/>
+                        </a:rPr>
+                        <a:t>4.8</a:t>
+                      </a:r>
+                    </a:p>
+                  </a:txBody>
+                  <a:tcPr marL="38100" marR="38100" marT="38100" marB="38100"/>
+                </a:tc>
+                <a:tc>
+                  <a:txBody>
+                    <a:bodyPr/>
+                    <a:lstStyle/>
+                    <a:p>
+                      <a:pPr algn="r" fontAlgn="t"/>
+                      <a:r>
+                        <a:rPr lang="it-IT" sz="1200">
+                          <a:effectLst/>
+                        </a:rPr>
+                        <a:t>3.0</a:t>
+                      </a:r>
+                    </a:p>
+                  </a:txBody>
+                  <a:tcPr marL="38100" marR="38100" marT="38100" marB="38100"/>
+                </a:tc>
+                <a:tc>
+                  <a:txBody>
+                    <a:bodyPr/>
+                    <a:lstStyle/>
+                    <a:p>
+                      <a:pPr algn="r" fontAlgn="t"/>
+                      <a:r>
+                        <a:rPr lang="it-IT" sz="1200">
+                          <a:effectLst/>
+                        </a:rPr>
+                        <a:t>1.4</a:t>
+                      </a:r>
+                    </a:p>
+                  </a:txBody>
+                  <a:tcPr marL="38100" marR="38100" marT="38100" marB="38100"/>
+                </a:tc>
+                <a:tc>
+                  <a:txBody>
+                    <a:bodyPr/>
+                    <a:lstStyle/>
+                    <a:p>
+                      <a:pPr algn="r" fontAlgn="t"/>
+                      <a:r>
+                        <a:rPr lang="it-IT" sz="1200">
+                          <a:effectLst/>
+                        </a:rPr>
+                        <a:t>0.3</a:t>
+                      </a:r>
+                    </a:p>
+                  </a:txBody>
+                  <a:tcPr marL="38100" marR="38100" marT="38100" marB="38100"/>
+                </a:tc>
+                <a:tc>
+                  <a:txBody>
+                    <a:bodyPr/>
+                    <a:lstStyle/>
+                    <a:p>
+                      <a:pPr algn="l" fontAlgn="t"/>
+                      <a:r>
+                        <a:rPr lang="it-IT" sz="1200" dirty="0">
+                          <a:effectLst/>
+                        </a:rPr>
+                        <a:t>setosa</a:t>
+                      </a:r>
+                    </a:p>
+                  </a:txBody>
+                  <a:tcPr marL="38100" marR="38100" marT="38100" marB="38100"/>
+                </a:tc>
+                <a:extLst>
+                  <a:ext uri="{0D108BD9-81ED-4DB2-BD59-A6C34878D82A}">
+                    <a16:rowId xmlns:a16="http://schemas.microsoft.com/office/drawing/2014/main" val="2689141019"/>
+                  </a:ext>
+                </a:extLst>
+              </a:tr>
+              <a:tr h="370840">
+                <a:tc>
+                  <a:txBody>
+                    <a:bodyPr/>
+                    <a:lstStyle/>
+                    <a:p>
+                      <a:pPr algn="r" fontAlgn="t"/>
+                      <a:r>
+                        <a:rPr lang="it-IT" sz="1200" dirty="0">
+                          <a:effectLst/>
+                        </a:rPr>
+                        <a:t>6.1</a:t>
+                      </a:r>
+                    </a:p>
+                  </a:txBody>
+                  <a:tcPr marL="38100" marR="38100" marT="38100" marB="38100"/>
+                </a:tc>
+                <a:tc>
+                  <a:txBody>
+                    <a:bodyPr/>
+                    <a:lstStyle/>
+                    <a:p>
+                      <a:pPr algn="r" fontAlgn="t"/>
+                      <a:r>
+                        <a:rPr lang="it-IT" sz="1200">
+                          <a:effectLst/>
+                        </a:rPr>
+                        <a:t>2.9</a:t>
+                      </a:r>
+                    </a:p>
+                  </a:txBody>
+                  <a:tcPr marL="38100" marR="38100" marT="38100" marB="38100"/>
+                </a:tc>
+                <a:tc>
+                  <a:txBody>
+                    <a:bodyPr/>
+                    <a:lstStyle/>
+                    <a:p>
+                      <a:pPr algn="r" fontAlgn="t"/>
+                      <a:r>
+                        <a:rPr lang="it-IT" sz="1200">
+                          <a:effectLst/>
+                        </a:rPr>
+                        <a:t>4.7</a:t>
+                      </a:r>
+                    </a:p>
+                  </a:txBody>
+                  <a:tcPr marL="38100" marR="38100" marT="38100" marB="38100"/>
+                </a:tc>
+                <a:tc>
+                  <a:txBody>
+                    <a:bodyPr/>
+                    <a:lstStyle/>
+                    <a:p>
+                      <a:pPr algn="r" fontAlgn="t"/>
+                      <a:r>
+                        <a:rPr lang="it-IT" sz="1200">
+                          <a:effectLst/>
+                        </a:rPr>
+                        <a:t>1.4</a:t>
+                      </a:r>
+                    </a:p>
+                  </a:txBody>
+                  <a:tcPr marL="38100" marR="38100" marT="38100" marB="38100"/>
+                </a:tc>
+                <a:tc>
+                  <a:txBody>
+                    <a:bodyPr/>
+                    <a:lstStyle/>
+                    <a:p>
+                      <a:pPr algn="l" fontAlgn="t"/>
+                      <a:r>
+                        <a:rPr lang="it-IT" sz="1200" dirty="0" err="1">
+                          <a:effectLst/>
+                        </a:rPr>
+                        <a:t>versicolor</a:t>
+                      </a:r>
+                      <a:endParaRPr lang="it-IT" sz="1200" dirty="0">
+                        <a:effectLst/>
+                      </a:endParaRPr>
+                    </a:p>
+                  </a:txBody>
+                  <a:tcPr marL="38100" marR="38100" marT="38100" marB="38100"/>
+                </a:tc>
+                <a:extLst>
+                  <a:ext uri="{0D108BD9-81ED-4DB2-BD59-A6C34878D82A}">
+                    <a16:rowId xmlns:a16="http://schemas.microsoft.com/office/drawing/2014/main" val="177430122"/>
+                  </a:ext>
+                </a:extLst>
+              </a:tr>
+              <a:tr h="370840">
+                <a:tc>
+                  <a:txBody>
+                    <a:bodyPr/>
+                    <a:lstStyle/>
+                    <a:p>
+                      <a:pPr algn="r" fontAlgn="t"/>
+                      <a:r>
+                        <a:rPr lang="it-IT" sz="1200" dirty="0">
+                          <a:effectLst/>
+                        </a:rPr>
+                        <a:t>5.8</a:t>
+                      </a:r>
+                    </a:p>
+                  </a:txBody>
+                  <a:tcPr marL="38100" marR="38100" marT="38100" marB="38100"/>
+                </a:tc>
+                <a:tc>
+                  <a:txBody>
+                    <a:bodyPr/>
+                    <a:lstStyle/>
+                    <a:p>
+                      <a:pPr algn="r" fontAlgn="t"/>
+                      <a:r>
+                        <a:rPr lang="it-IT" sz="1200" dirty="0">
+                          <a:effectLst/>
+                        </a:rPr>
+                        <a:t>2.7</a:t>
+                      </a:r>
+                    </a:p>
+                  </a:txBody>
+                  <a:tcPr marL="38100" marR="38100" marT="38100" marB="38100"/>
+                </a:tc>
+                <a:tc>
+                  <a:txBody>
+                    <a:bodyPr/>
+                    <a:lstStyle/>
+                    <a:p>
+                      <a:pPr algn="r" fontAlgn="t"/>
+                      <a:r>
+                        <a:rPr lang="it-IT" sz="1200" dirty="0">
+                          <a:effectLst/>
+                        </a:rPr>
+                        <a:t>5.1</a:t>
+                      </a:r>
+                    </a:p>
+                  </a:txBody>
+                  <a:tcPr marL="38100" marR="38100" marT="38100" marB="38100"/>
+                </a:tc>
+                <a:tc>
+                  <a:txBody>
+                    <a:bodyPr/>
+                    <a:lstStyle/>
+                    <a:p>
+                      <a:pPr algn="r" fontAlgn="t"/>
+                      <a:r>
+                        <a:rPr lang="it-IT" sz="1200" dirty="0">
+                          <a:effectLst/>
+                        </a:rPr>
+                        <a:t>1.9</a:t>
+                      </a:r>
+                    </a:p>
+                  </a:txBody>
+                  <a:tcPr marL="38100" marR="38100" marT="38100" marB="38100"/>
+                </a:tc>
+                <a:tc>
+                  <a:txBody>
+                    <a:bodyPr/>
+                    <a:lstStyle/>
+                    <a:p>
+                      <a:pPr algn="l" fontAlgn="t"/>
+                      <a:r>
+                        <a:rPr lang="it-IT" sz="1200" dirty="0" err="1">
+                          <a:effectLst/>
+                        </a:rPr>
+                        <a:t>virginica</a:t>
+                      </a:r>
+                      <a:endParaRPr lang="it-IT" sz="1200" dirty="0">
+                        <a:effectLst/>
+                      </a:endParaRPr>
+                    </a:p>
+                  </a:txBody>
+                  <a:tcPr marL="38100" marR="38100" marT="38100" marB="38100"/>
+                </a:tc>
+                <a:extLst>
+                  <a:ext uri="{0D108BD9-81ED-4DB2-BD59-A6C34878D82A}">
+                    <a16:rowId xmlns:a16="http://schemas.microsoft.com/office/drawing/2014/main" val="1665285984"/>
+                  </a:ext>
+                </a:extLst>
+              </a:tr>
+            </a:tbl>
+          </a:graphicData>
+        </a:graphic>
+      </p:graphicFrame>
+      <p:sp>
+        <p:nvSpPr>
+          <p:cNvPr id="5" name="CasellaDiTesto 4"/>
+          <p:cNvSpPr txBox="1"/>
+          <p:nvPr/>
+        </p:nvSpPr>
+        <p:spPr>
+          <a:xfrm>
+            <a:off x="1850716" y="323585"/>
+            <a:ext cx="5949246" cy="276999"/>
+          </a:xfrm>
+          <a:prstGeom prst="rect">
+            <a:avLst/>
+          </a:prstGeom>
+          <a:noFill/>
+        </p:spPr>
+        <p:txBody>
+          <a:bodyPr wrap="square" rtlCol="0">
+            <a:spAutoFit/>
+          </a:bodyPr>
+          <a:lstStyle/>
+          <a:p>
+            <a:r>
+              <a:rPr lang="it-IT" sz="1200" dirty="0"/>
+              <a:t>TRAINING PHASE: The </a:t>
+            </a:r>
+            <a:r>
+              <a:rPr lang="it-IT" sz="1200" dirty="0" err="1"/>
+              <a:t>Neural</a:t>
+            </a:r>
+            <a:r>
+              <a:rPr lang="it-IT" sz="1200" dirty="0"/>
+              <a:t> Network </a:t>
+            </a:r>
+            <a:r>
+              <a:rPr lang="it-IT" sz="1200" dirty="0" err="1"/>
+              <a:t>will</a:t>
+            </a:r>
+            <a:r>
+              <a:rPr lang="it-IT" sz="1200" dirty="0"/>
+              <a:t> </a:t>
+            </a:r>
+            <a:r>
+              <a:rPr lang="it-IT" sz="1200" dirty="0" err="1"/>
+              <a:t>learn</a:t>
+            </a:r>
+            <a:r>
+              <a:rPr lang="it-IT" sz="1200" dirty="0"/>
+              <a:t> from 100 </a:t>
+            </a:r>
+            <a:r>
+              <a:rPr lang="it-IT" sz="1200" dirty="0" err="1"/>
+              <a:t>samples</a:t>
+            </a:r>
+            <a:r>
+              <a:rPr lang="it-IT" sz="1200" dirty="0"/>
+              <a:t> </a:t>
+            </a:r>
+            <a:r>
+              <a:rPr lang="it-IT" sz="1200" dirty="0" err="1"/>
+              <a:t>like</a:t>
+            </a:r>
+            <a:r>
+              <a:rPr lang="it-IT" sz="1200" dirty="0"/>
+              <a:t> </a:t>
+            </a:r>
+            <a:r>
+              <a:rPr lang="it-IT" sz="1200" dirty="0" err="1"/>
+              <a:t>this</a:t>
+            </a:r>
+            <a:r>
+              <a:rPr lang="it-IT" sz="1200" dirty="0"/>
+              <a:t>:</a:t>
+            </a:r>
+          </a:p>
+        </p:txBody>
+      </p:sp>
+      <p:sp>
+        <p:nvSpPr>
+          <p:cNvPr id="6" name="CasellaDiTesto 5"/>
+          <p:cNvSpPr txBox="1"/>
+          <p:nvPr/>
+        </p:nvSpPr>
+        <p:spPr>
+          <a:xfrm>
+            <a:off x="1850716" y="2772146"/>
+            <a:ext cx="5296533" cy="276999"/>
+          </a:xfrm>
+          <a:prstGeom prst="rect">
+            <a:avLst/>
+          </a:prstGeom>
+          <a:noFill/>
+        </p:spPr>
+        <p:txBody>
+          <a:bodyPr wrap="square" rtlCol="0">
+            <a:spAutoFit/>
+          </a:bodyPr>
+          <a:lstStyle/>
+          <a:p>
+            <a:r>
+              <a:rPr lang="it-IT" sz="1200" dirty="0"/>
+              <a:t>TESTING PHASE: The </a:t>
+            </a:r>
+            <a:r>
+              <a:rPr lang="it-IT" sz="1200" dirty="0" err="1"/>
+              <a:t>Neural</a:t>
+            </a:r>
+            <a:r>
+              <a:rPr lang="it-IT" sz="1200" dirty="0"/>
+              <a:t> Network </a:t>
+            </a:r>
+            <a:r>
+              <a:rPr lang="it-IT" sz="1200" dirty="0" err="1"/>
+              <a:t>will</a:t>
+            </a:r>
+            <a:r>
+              <a:rPr lang="it-IT" sz="1200" dirty="0"/>
+              <a:t> be </a:t>
+            </a:r>
+            <a:r>
+              <a:rPr lang="it-IT" sz="1200" dirty="0" err="1"/>
+              <a:t>tested</a:t>
+            </a:r>
+            <a:r>
+              <a:rPr lang="it-IT" sz="1200" dirty="0"/>
+              <a:t> with 50 </a:t>
+            </a:r>
+            <a:r>
+              <a:rPr lang="it-IT" sz="1200" dirty="0" err="1"/>
+              <a:t>samples</a:t>
+            </a:r>
+            <a:r>
+              <a:rPr lang="it-IT" sz="1200" dirty="0"/>
+              <a:t> </a:t>
+            </a:r>
+            <a:r>
+              <a:rPr lang="it-IT" sz="1200" dirty="0" err="1"/>
+              <a:t>like</a:t>
+            </a:r>
+            <a:r>
+              <a:rPr lang="it-IT" sz="1200" dirty="0"/>
+              <a:t> </a:t>
+            </a:r>
+            <a:r>
+              <a:rPr lang="it-IT" sz="1200" dirty="0" err="1"/>
+              <a:t>this</a:t>
+            </a:r>
+            <a:r>
+              <a:rPr lang="it-IT" sz="1200" dirty="0"/>
+              <a:t>.</a:t>
+            </a:r>
+          </a:p>
+        </p:txBody>
+      </p:sp>
+      <p:graphicFrame>
+        <p:nvGraphicFramePr>
+          <p:cNvPr id="8" name="Tabella 7"/>
+          <p:cNvGraphicFramePr>
+            <a:graphicFrameLocks noGrp="1"/>
+          </p:cNvGraphicFramePr>
+          <p:nvPr>
+            <p:extLst>
+              <p:ext uri="{D42A27DB-BD31-4B8C-83A1-F6EECF244321}">
+                <p14:modId xmlns:p14="http://schemas.microsoft.com/office/powerpoint/2010/main" val="473113525"/>
+              </p:ext>
+            </p:extLst>
+          </p:nvPr>
+        </p:nvGraphicFramePr>
+        <p:xfrm>
+          <a:off x="1850716" y="3079167"/>
+          <a:ext cx="5735003" cy="1854200"/>
+        </p:xfrm>
+        <a:graphic>
+          <a:graphicData uri="http://schemas.openxmlformats.org/drawingml/2006/table">
+            <a:tbl>
+              <a:tblPr firstRow="1" bandRow="1">
+                <a:tableStyleId>{5C22544A-7EE6-4342-B048-85BDC9FD1C3A}</a:tableStyleId>
+              </a:tblPr>
+              <a:tblGrid>
+                <a:gridCol w="1026287">
+                  <a:extLst>
+                    <a:ext uri="{9D8B030D-6E8A-4147-A177-3AD203B41FA5}">
+                      <a16:colId xmlns:a16="http://schemas.microsoft.com/office/drawing/2014/main" val="3566388050"/>
+                    </a:ext>
+                  </a:extLst>
+                </a:gridCol>
+                <a:gridCol w="989330">
+                  <a:extLst>
+                    <a:ext uri="{9D8B030D-6E8A-4147-A177-3AD203B41FA5}">
+                      <a16:colId xmlns:a16="http://schemas.microsoft.com/office/drawing/2014/main" val="3103202892"/>
+                    </a:ext>
+                  </a:extLst>
+                </a:gridCol>
+                <a:gridCol w="1000697">
+                  <a:extLst>
+                    <a:ext uri="{9D8B030D-6E8A-4147-A177-3AD203B41FA5}">
+                      <a16:colId xmlns:a16="http://schemas.microsoft.com/office/drawing/2014/main" val="1535945896"/>
+                    </a:ext>
+                  </a:extLst>
+                </a:gridCol>
+                <a:gridCol w="1093089">
                   <a:extLst>
                     <a:ext uri="{9D8B030D-6E8A-4147-A177-3AD203B41FA5}">
                       <a16:colId xmlns:a16="http://schemas.microsoft.com/office/drawing/2014/main" val="809412660"/>
@@ -3345,18 +4039,18 @@
                     <a:lstStyle/>
                     <a:p>
                       <a:r>
-                        <a:rPr lang="it-IT" dirty="0" err="1"/>
+                        <a:rPr lang="it-IT" sz="1200" dirty="0" err="1"/>
                         <a:t>Sepal</a:t>
                       </a:r>
                       <a:r>
-                        <a:rPr lang="it-IT" dirty="0"/>
+                        <a:rPr lang="it-IT" sz="1200" dirty="0"/>
                         <a:t> </a:t>
                       </a:r>
                       <a:r>
-                        <a:rPr lang="it-IT" dirty="0" err="1"/>
+                        <a:rPr lang="it-IT" sz="1200" dirty="0" err="1"/>
                         <a:t>Length</a:t>
                       </a:r>
-                      <a:endParaRPr lang="it-IT" dirty="0"/>
+                      <a:endParaRPr lang="it-IT" sz="1200" dirty="0"/>
                     </a:p>
                   </a:txBody>
                   <a:tcPr/>
@@ -3367,18 +4061,18 @@
                     <a:lstStyle/>
                     <a:p>
                       <a:r>
-                        <a:rPr lang="it-IT" dirty="0" err="1"/>
+                        <a:rPr lang="it-IT" sz="1200" dirty="0" err="1"/>
                         <a:t>Sepal</a:t>
                       </a:r>
                       <a:r>
-                        <a:rPr lang="it-IT" dirty="0"/>
+                        <a:rPr lang="it-IT" sz="1200" dirty="0"/>
                         <a:t> </a:t>
                       </a:r>
                       <a:r>
-                        <a:rPr lang="it-IT" dirty="0" err="1"/>
+                        <a:rPr lang="it-IT" sz="1200" dirty="0" err="1"/>
                         <a:t>Width</a:t>
                       </a:r>
-                      <a:endParaRPr lang="it-IT" dirty="0"/>
+                      <a:endParaRPr lang="it-IT" sz="1200" dirty="0"/>
                     </a:p>
                   </a:txBody>
                   <a:tcPr/>
@@ -3389,18 +4083,18 @@
                     <a:lstStyle/>
                     <a:p>
                       <a:r>
-                        <a:rPr lang="it-IT" dirty="0" err="1"/>
+                        <a:rPr lang="it-IT" sz="1200" dirty="0" err="1"/>
                         <a:t>Petal</a:t>
                       </a:r>
                       <a:r>
-                        <a:rPr lang="it-IT" dirty="0"/>
+                        <a:rPr lang="it-IT" sz="1200" dirty="0"/>
                         <a:t> </a:t>
                       </a:r>
                       <a:r>
-                        <a:rPr lang="it-IT" dirty="0" err="1"/>
+                        <a:rPr lang="it-IT" sz="1200" dirty="0" err="1"/>
                         <a:t>Length</a:t>
                       </a:r>
-                      <a:endParaRPr lang="it-IT" dirty="0"/>
+                      <a:endParaRPr lang="it-IT" sz="1200" dirty="0"/>
                     </a:p>
                   </a:txBody>
                   <a:tcPr/>
@@ -3411,18 +4105,18 @@
                     <a:lstStyle/>
                     <a:p>
                       <a:r>
-                        <a:rPr lang="it-IT" dirty="0" err="1"/>
+                        <a:rPr lang="it-IT" sz="1200" dirty="0" err="1"/>
                         <a:t>Petal</a:t>
                       </a:r>
                       <a:r>
-                        <a:rPr lang="it-IT" dirty="0"/>
+                        <a:rPr lang="it-IT" sz="1200" dirty="0"/>
                         <a:t> </a:t>
                       </a:r>
                       <a:r>
-                        <a:rPr lang="it-IT" dirty="0" err="1"/>
+                        <a:rPr lang="it-IT" sz="1200" dirty="0" err="1"/>
                         <a:t>Width</a:t>
                       </a:r>
-                      <a:endParaRPr lang="it-IT" dirty="0"/>
+                      <a:endParaRPr lang="it-IT" sz="1200" dirty="0"/>
                     </a:p>
                   </a:txBody>
                   <a:tcPr/>
@@ -3433,700 +4127,14 @@
                     <a:lstStyle/>
                     <a:p>
                       <a:r>
-                        <a:rPr lang="it-IT" dirty="0"/>
+                        <a:rPr lang="it-IT" sz="1200" dirty="0"/>
                         <a:t>Iris </a:t>
                       </a:r>
                       <a:r>
-                        <a:rPr lang="it-IT" dirty="0" err="1"/>
+                        <a:rPr lang="it-IT" sz="1200" dirty="0" err="1"/>
                         <a:t>Species</a:t>
                       </a:r>
-                      <a:endParaRPr lang="it-IT" dirty="0"/>
-                    </a:p>
-                  </a:txBody>
-                  <a:tcPr/>
-                </a:tc>
-                <a:extLst>
-                  <a:ext uri="{0D108BD9-81ED-4DB2-BD59-A6C34878D82A}">
-                    <a16:rowId xmlns:a16="http://schemas.microsoft.com/office/drawing/2014/main" val="1752039315"/>
-                  </a:ext>
-                </a:extLst>
-              </a:tr>
-              <a:tr h="370840">
-                <a:tc>
-                  <a:txBody>
-                    <a:bodyPr/>
-                    <a:lstStyle/>
-                    <a:p>
-                      <a:pPr algn="r" fontAlgn="t"/>
-                      <a:r>
-                        <a:rPr lang="it-IT" dirty="0">
-                          <a:effectLst/>
-                        </a:rPr>
-                        <a:t>6.8</a:t>
-                      </a:r>
-                    </a:p>
-                  </a:txBody>
-                  <a:tcPr marL="38100" marR="38100" marT="38100" marB="38100"/>
-                </a:tc>
-                <a:tc>
-                  <a:txBody>
-                    <a:bodyPr/>
-                    <a:lstStyle/>
-                    <a:p>
-                      <a:pPr algn="r" fontAlgn="t"/>
-                      <a:r>
-                        <a:rPr lang="it-IT">
-                          <a:effectLst/>
-                        </a:rPr>
-                        <a:t>2.8</a:t>
-                      </a:r>
-                    </a:p>
-                  </a:txBody>
-                  <a:tcPr marL="38100" marR="38100" marT="38100" marB="38100"/>
-                </a:tc>
-                <a:tc>
-                  <a:txBody>
-                    <a:bodyPr/>
-                    <a:lstStyle/>
-                    <a:p>
-                      <a:pPr algn="r" fontAlgn="t"/>
-                      <a:r>
-                        <a:rPr lang="it-IT">
-                          <a:effectLst/>
-                        </a:rPr>
-                        <a:t>4.8</a:t>
-                      </a:r>
-                    </a:p>
-                  </a:txBody>
-                  <a:tcPr marL="38100" marR="38100" marT="38100" marB="38100"/>
-                </a:tc>
-                <a:tc>
-                  <a:txBody>
-                    <a:bodyPr/>
-                    <a:lstStyle/>
-                    <a:p>
-                      <a:pPr algn="r" fontAlgn="t"/>
-                      <a:r>
-                        <a:rPr lang="it-IT">
-                          <a:effectLst/>
-                        </a:rPr>
-                        <a:t>1.4</a:t>
-                      </a:r>
-                    </a:p>
-                  </a:txBody>
-                  <a:tcPr marL="38100" marR="38100" marT="38100" marB="38100"/>
-                </a:tc>
-                <a:tc>
-                  <a:txBody>
-                    <a:bodyPr/>
-                    <a:lstStyle/>
-                    <a:p>
-                      <a:pPr algn="l" fontAlgn="t"/>
-                      <a:r>
-                        <a:rPr lang="it-IT">
-                          <a:effectLst/>
-                        </a:rPr>
-                        <a:t>versicolor</a:t>
-                      </a:r>
-                    </a:p>
-                  </a:txBody>
-                  <a:tcPr marL="38100" marR="38100" marT="38100" marB="38100"/>
-                </a:tc>
-                <a:extLst>
-                  <a:ext uri="{0D108BD9-81ED-4DB2-BD59-A6C34878D82A}">
-                    <a16:rowId xmlns:a16="http://schemas.microsoft.com/office/drawing/2014/main" val="1681264947"/>
-                  </a:ext>
-                </a:extLst>
-              </a:tr>
-              <a:tr h="370840">
-                <a:tc>
-                  <a:txBody>
-                    <a:bodyPr/>
-                    <a:lstStyle/>
-                    <a:p>
-                      <a:pPr algn="r" fontAlgn="t"/>
-                      <a:r>
-                        <a:rPr lang="it-IT" dirty="0">
-                          <a:effectLst/>
-                        </a:rPr>
-                        <a:t>4.8</a:t>
-                      </a:r>
-                    </a:p>
-                  </a:txBody>
-                  <a:tcPr marL="38100" marR="38100" marT="38100" marB="38100"/>
-                </a:tc>
-                <a:tc>
-                  <a:txBody>
-                    <a:bodyPr/>
-                    <a:lstStyle/>
-                    <a:p>
-                      <a:pPr algn="r" fontAlgn="t"/>
-                      <a:r>
-                        <a:rPr lang="it-IT">
-                          <a:effectLst/>
-                        </a:rPr>
-                        <a:t>3.0</a:t>
-                      </a:r>
-                    </a:p>
-                  </a:txBody>
-                  <a:tcPr marL="38100" marR="38100" marT="38100" marB="38100"/>
-                </a:tc>
-                <a:tc>
-                  <a:txBody>
-                    <a:bodyPr/>
-                    <a:lstStyle/>
-                    <a:p>
-                      <a:pPr algn="r" fontAlgn="t"/>
-                      <a:r>
-                        <a:rPr lang="it-IT">
-                          <a:effectLst/>
-                        </a:rPr>
-                        <a:t>1.4</a:t>
-                      </a:r>
-                    </a:p>
-                  </a:txBody>
-                  <a:tcPr marL="38100" marR="38100" marT="38100" marB="38100"/>
-                </a:tc>
-                <a:tc>
-                  <a:txBody>
-                    <a:bodyPr/>
-                    <a:lstStyle/>
-                    <a:p>
-                      <a:pPr algn="r" fontAlgn="t"/>
-                      <a:r>
-                        <a:rPr lang="it-IT">
-                          <a:effectLst/>
-                        </a:rPr>
-                        <a:t>0.3</a:t>
-                      </a:r>
-                    </a:p>
-                  </a:txBody>
-                  <a:tcPr marL="38100" marR="38100" marT="38100" marB="38100"/>
-                </a:tc>
-                <a:tc>
-                  <a:txBody>
-                    <a:bodyPr/>
-                    <a:lstStyle/>
-                    <a:p>
-                      <a:pPr algn="l" fontAlgn="t"/>
-                      <a:r>
-                        <a:rPr lang="it-IT">
-                          <a:effectLst/>
-                        </a:rPr>
-                        <a:t>setosa</a:t>
-                      </a:r>
-                    </a:p>
-                  </a:txBody>
-                  <a:tcPr marL="38100" marR="38100" marT="38100" marB="38100"/>
-                </a:tc>
-                <a:extLst>
-                  <a:ext uri="{0D108BD9-81ED-4DB2-BD59-A6C34878D82A}">
-                    <a16:rowId xmlns:a16="http://schemas.microsoft.com/office/drawing/2014/main" val="2689141019"/>
-                  </a:ext>
-                </a:extLst>
-              </a:tr>
-              <a:tr h="370840">
-                <a:tc>
-                  <a:txBody>
-                    <a:bodyPr/>
-                    <a:lstStyle/>
-                    <a:p>
-                      <a:pPr algn="r" fontAlgn="t"/>
-                      <a:r>
-                        <a:rPr lang="it-IT" dirty="0">
-                          <a:effectLst/>
-                        </a:rPr>
-                        <a:t>6.1</a:t>
-                      </a:r>
-                    </a:p>
-                  </a:txBody>
-                  <a:tcPr marL="38100" marR="38100" marT="38100" marB="38100"/>
-                </a:tc>
-                <a:tc>
-                  <a:txBody>
-                    <a:bodyPr/>
-                    <a:lstStyle/>
-                    <a:p>
-                      <a:pPr algn="r" fontAlgn="t"/>
-                      <a:r>
-                        <a:rPr lang="it-IT">
-                          <a:effectLst/>
-                        </a:rPr>
-                        <a:t>2.9</a:t>
-                      </a:r>
-                    </a:p>
-                  </a:txBody>
-                  <a:tcPr marL="38100" marR="38100" marT="38100" marB="38100"/>
-                </a:tc>
-                <a:tc>
-                  <a:txBody>
-                    <a:bodyPr/>
-                    <a:lstStyle/>
-                    <a:p>
-                      <a:pPr algn="r" fontAlgn="t"/>
-                      <a:r>
-                        <a:rPr lang="it-IT">
-                          <a:effectLst/>
-                        </a:rPr>
-                        <a:t>4.7</a:t>
-                      </a:r>
-                    </a:p>
-                  </a:txBody>
-                  <a:tcPr marL="38100" marR="38100" marT="38100" marB="38100"/>
-                </a:tc>
-                <a:tc>
-                  <a:txBody>
-                    <a:bodyPr/>
-                    <a:lstStyle/>
-                    <a:p>
-                      <a:pPr algn="r" fontAlgn="t"/>
-                      <a:r>
-                        <a:rPr lang="it-IT">
-                          <a:effectLst/>
-                        </a:rPr>
-                        <a:t>1.4</a:t>
-                      </a:r>
-                    </a:p>
-                  </a:txBody>
-                  <a:tcPr marL="38100" marR="38100" marT="38100" marB="38100"/>
-                </a:tc>
-                <a:tc>
-                  <a:txBody>
-                    <a:bodyPr/>
-                    <a:lstStyle/>
-                    <a:p>
-                      <a:pPr algn="l" fontAlgn="t"/>
-                      <a:r>
-                        <a:rPr lang="it-IT" dirty="0" err="1">
-                          <a:effectLst/>
-                        </a:rPr>
-                        <a:t>versicolor</a:t>
-                      </a:r>
-                      <a:endParaRPr lang="it-IT" dirty="0">
-                        <a:effectLst/>
-                      </a:endParaRPr>
-                    </a:p>
-                  </a:txBody>
-                  <a:tcPr marL="38100" marR="38100" marT="38100" marB="38100"/>
-                </a:tc>
-                <a:extLst>
-                  <a:ext uri="{0D108BD9-81ED-4DB2-BD59-A6C34878D82A}">
-                    <a16:rowId xmlns:a16="http://schemas.microsoft.com/office/drawing/2014/main" val="177430122"/>
-                  </a:ext>
-                </a:extLst>
-              </a:tr>
-              <a:tr h="370840">
-                <a:tc>
-                  <a:txBody>
-                    <a:bodyPr/>
-                    <a:lstStyle/>
-                    <a:p>
-                      <a:pPr algn="r" fontAlgn="t"/>
-                      <a:r>
-                        <a:rPr lang="it-IT" dirty="0">
-                          <a:effectLst/>
-                        </a:rPr>
-                        <a:t>5.8</a:t>
-                      </a:r>
-                    </a:p>
-                  </a:txBody>
-                  <a:tcPr marL="38100" marR="38100" marT="38100" marB="38100"/>
-                </a:tc>
-                <a:tc>
-                  <a:txBody>
-                    <a:bodyPr/>
-                    <a:lstStyle/>
-                    <a:p>
-                      <a:pPr algn="r" fontAlgn="t"/>
-                      <a:r>
-                        <a:rPr lang="it-IT" dirty="0">
-                          <a:effectLst/>
-                        </a:rPr>
-                        <a:t>2.7</a:t>
-                      </a:r>
-                    </a:p>
-                  </a:txBody>
-                  <a:tcPr marL="38100" marR="38100" marT="38100" marB="38100"/>
-                </a:tc>
-                <a:tc>
-                  <a:txBody>
-                    <a:bodyPr/>
-                    <a:lstStyle/>
-                    <a:p>
-                      <a:pPr algn="r" fontAlgn="t"/>
-                      <a:r>
-                        <a:rPr lang="it-IT" dirty="0">
-                          <a:effectLst/>
-                        </a:rPr>
-                        <a:t>5.1</a:t>
-                      </a:r>
-                    </a:p>
-                  </a:txBody>
-                  <a:tcPr marL="38100" marR="38100" marT="38100" marB="38100"/>
-                </a:tc>
-                <a:tc>
-                  <a:txBody>
-                    <a:bodyPr/>
-                    <a:lstStyle/>
-                    <a:p>
-                      <a:pPr algn="r" fontAlgn="t"/>
-                      <a:r>
-                        <a:rPr lang="it-IT" dirty="0">
-                          <a:effectLst/>
-                        </a:rPr>
-                        <a:t>1.9</a:t>
-                      </a:r>
-                    </a:p>
-                  </a:txBody>
-                  <a:tcPr marL="38100" marR="38100" marT="38100" marB="38100"/>
-                </a:tc>
-                <a:tc>
-                  <a:txBody>
-                    <a:bodyPr/>
-                    <a:lstStyle/>
-                    <a:p>
-                      <a:pPr algn="l" fontAlgn="t"/>
-                      <a:r>
-                        <a:rPr lang="it-IT" dirty="0" err="1">
-                          <a:effectLst/>
-                        </a:rPr>
-                        <a:t>virginica</a:t>
-                      </a:r>
-                      <a:endParaRPr lang="it-IT" dirty="0">
-                        <a:effectLst/>
-                      </a:endParaRPr>
-                    </a:p>
-                  </a:txBody>
-                  <a:tcPr marL="38100" marR="38100" marT="38100" marB="38100"/>
-                </a:tc>
-                <a:extLst>
-                  <a:ext uri="{0D108BD9-81ED-4DB2-BD59-A6C34878D82A}">
-                    <a16:rowId xmlns:a16="http://schemas.microsoft.com/office/drawing/2014/main" val="1665285984"/>
-                  </a:ext>
-                </a:extLst>
-              </a:tr>
-            </a:tbl>
-          </a:graphicData>
-        </a:graphic>
-      </p:graphicFrame>
-      <p:sp>
-        <p:nvSpPr>
-          <p:cNvPr id="5" name="CasellaDiTesto 4"/>
-          <p:cNvSpPr txBox="1"/>
-          <p:nvPr/>
-        </p:nvSpPr>
-        <p:spPr>
-          <a:xfrm>
-            <a:off x="2032000" y="270588"/>
-            <a:ext cx="7252306" cy="369332"/>
-          </a:xfrm>
-          <a:prstGeom prst="rect">
-            <a:avLst/>
-          </a:prstGeom>
-          <a:noFill/>
-        </p:spPr>
-        <p:txBody>
-          <a:bodyPr wrap="none" rtlCol="0">
-            <a:spAutoFit/>
-          </a:bodyPr>
-          <a:lstStyle/>
-          <a:p>
-            <a:r>
-              <a:rPr lang="it-IT" dirty="0"/>
-              <a:t>TRAINING PHASE: The </a:t>
-            </a:r>
-            <a:r>
-              <a:rPr lang="it-IT" dirty="0" err="1"/>
-              <a:t>Neural</a:t>
-            </a:r>
-            <a:r>
-              <a:rPr lang="it-IT" dirty="0"/>
-              <a:t> Network </a:t>
-            </a:r>
-            <a:r>
-              <a:rPr lang="it-IT" dirty="0" err="1"/>
-              <a:t>will</a:t>
-            </a:r>
-            <a:r>
-              <a:rPr lang="it-IT" dirty="0"/>
-              <a:t> </a:t>
-            </a:r>
-            <a:r>
-              <a:rPr lang="it-IT" dirty="0" err="1"/>
-              <a:t>learn</a:t>
-            </a:r>
-            <a:r>
-              <a:rPr lang="it-IT" dirty="0"/>
-              <a:t> from 100 </a:t>
-            </a:r>
-            <a:r>
-              <a:rPr lang="it-IT" dirty="0" err="1"/>
-              <a:t>samples</a:t>
-            </a:r>
-            <a:r>
-              <a:rPr lang="it-IT" dirty="0"/>
-              <a:t> </a:t>
-            </a:r>
-            <a:r>
-              <a:rPr lang="it-IT" dirty="0" err="1"/>
-              <a:t>like</a:t>
-            </a:r>
-            <a:r>
-              <a:rPr lang="it-IT" dirty="0"/>
-              <a:t> </a:t>
-            </a:r>
-            <a:r>
-              <a:rPr lang="it-IT" dirty="0" err="1"/>
-              <a:t>this</a:t>
-            </a:r>
-            <a:r>
-              <a:rPr lang="it-IT" dirty="0"/>
-              <a:t>:</a:t>
-            </a:r>
-          </a:p>
-        </p:txBody>
-      </p:sp>
-      <p:sp>
-        <p:nvSpPr>
-          <p:cNvPr id="6" name="CasellaDiTesto 5"/>
-          <p:cNvSpPr txBox="1"/>
-          <p:nvPr/>
-        </p:nvSpPr>
-        <p:spPr>
-          <a:xfrm>
-            <a:off x="1981345" y="3054220"/>
-            <a:ext cx="7353616" cy="369332"/>
-          </a:xfrm>
-          <a:prstGeom prst="rect">
-            <a:avLst/>
-          </a:prstGeom>
-          <a:noFill/>
-        </p:spPr>
-        <p:txBody>
-          <a:bodyPr wrap="none" rtlCol="0">
-            <a:spAutoFit/>
-          </a:bodyPr>
-          <a:lstStyle/>
-          <a:p>
-            <a:r>
-              <a:rPr lang="it-IT" dirty="0"/>
-              <a:t>TESTING PHASE: The </a:t>
-            </a:r>
-            <a:r>
-              <a:rPr lang="it-IT" dirty="0" err="1"/>
-              <a:t>Neural</a:t>
-            </a:r>
-            <a:r>
-              <a:rPr lang="it-IT" dirty="0"/>
-              <a:t> Network </a:t>
-            </a:r>
-            <a:r>
-              <a:rPr lang="it-IT" dirty="0" err="1"/>
-              <a:t>will</a:t>
-            </a:r>
-            <a:r>
-              <a:rPr lang="it-IT" dirty="0"/>
-              <a:t> be </a:t>
-            </a:r>
-            <a:r>
-              <a:rPr lang="it-IT" dirty="0" err="1"/>
-              <a:t>tested</a:t>
-            </a:r>
-            <a:r>
-              <a:rPr lang="it-IT" dirty="0"/>
-              <a:t> with 50 </a:t>
-            </a:r>
-            <a:r>
-              <a:rPr lang="it-IT" dirty="0" err="1"/>
-              <a:t>samples</a:t>
-            </a:r>
-            <a:r>
-              <a:rPr lang="it-IT" dirty="0"/>
-              <a:t> </a:t>
-            </a:r>
-            <a:r>
-              <a:rPr lang="it-IT" dirty="0" err="1"/>
-              <a:t>like</a:t>
-            </a:r>
-            <a:r>
-              <a:rPr lang="it-IT" dirty="0"/>
-              <a:t> </a:t>
-            </a:r>
-            <a:r>
-              <a:rPr lang="it-IT" dirty="0" err="1"/>
-              <a:t>this</a:t>
-            </a:r>
-            <a:r>
-              <a:rPr lang="it-IT" dirty="0"/>
-              <a:t>.</a:t>
-            </a:r>
-          </a:p>
-        </p:txBody>
-      </p:sp>
-      <p:graphicFrame>
-        <p:nvGraphicFramePr>
-          <p:cNvPr id="8" name="Tabella 7"/>
-          <p:cNvGraphicFramePr>
-            <a:graphicFrameLocks noGrp="1"/>
-          </p:cNvGraphicFramePr>
-          <p:nvPr>
-            <p:extLst>
-              <p:ext uri="{D42A27DB-BD31-4B8C-83A1-F6EECF244321}">
-                <p14:modId xmlns:p14="http://schemas.microsoft.com/office/powerpoint/2010/main" val="3417003944"/>
-              </p:ext>
-            </p:extLst>
-          </p:nvPr>
-        </p:nvGraphicFramePr>
-        <p:xfrm>
-          <a:off x="2001269" y="3557585"/>
-          <a:ext cx="7212458" cy="1854200"/>
-        </p:xfrm>
-        <a:graphic>
-          <a:graphicData uri="http://schemas.openxmlformats.org/drawingml/2006/table">
-            <a:tbl>
-              <a:tblPr firstRow="1" bandRow="1">
-                <a:tableStyleId>{5C22544A-7EE6-4342-B048-85BDC9FD1C3A}</a:tableStyleId>
-              </a:tblPr>
-              <a:tblGrid>
-                <a:gridCol w="1441704">
-                  <a:extLst>
-                    <a:ext uri="{9D8B030D-6E8A-4147-A177-3AD203B41FA5}">
-                      <a16:colId xmlns:a16="http://schemas.microsoft.com/office/drawing/2014/main" val="3566388050"/>
-                    </a:ext>
-                  </a:extLst>
-                </a:gridCol>
-                <a:gridCol w="1387793">
-                  <a:extLst>
-                    <a:ext uri="{9D8B030D-6E8A-4147-A177-3AD203B41FA5}">
-                      <a16:colId xmlns:a16="http://schemas.microsoft.com/office/drawing/2014/main" val="3103202892"/>
-                    </a:ext>
-                  </a:extLst>
-                </a:gridCol>
-                <a:gridCol w="1405636">
-                  <a:extLst>
-                    <a:ext uri="{9D8B030D-6E8A-4147-A177-3AD203B41FA5}">
-                      <a16:colId xmlns:a16="http://schemas.microsoft.com/office/drawing/2014/main" val="1535945896"/>
-                    </a:ext>
-                  </a:extLst>
-                </a:gridCol>
-                <a:gridCol w="1351725">
-                  <a:extLst>
-                    <a:ext uri="{9D8B030D-6E8A-4147-A177-3AD203B41FA5}">
-                      <a16:colId xmlns:a16="http://schemas.microsoft.com/office/drawing/2014/main" val="809412660"/>
-                    </a:ext>
-                  </a:extLst>
-                </a:gridCol>
-                <a:gridCol w="1625600">
-                  <a:extLst>
-                    <a:ext uri="{9D8B030D-6E8A-4147-A177-3AD203B41FA5}">
-                      <a16:colId xmlns:a16="http://schemas.microsoft.com/office/drawing/2014/main" val="2695761817"/>
-                    </a:ext>
-                  </a:extLst>
-                </a:gridCol>
-              </a:tblGrid>
-              <a:tr h="370840">
-                <a:tc>
-                  <a:txBody>
-                    <a:bodyPr/>
-                    <a:lstStyle/>
-                    <a:p>
-                      <a:r>
-                        <a:rPr lang="it-IT" dirty="0" err="1"/>
-                        <a:t>Sepal</a:t>
-                      </a:r>
-                      <a:r>
-                        <a:rPr lang="it-IT" dirty="0"/>
-                        <a:t> </a:t>
-                      </a:r>
-                      <a:r>
-                        <a:rPr lang="it-IT" dirty="0" err="1"/>
-                        <a:t>Length</a:t>
-                      </a:r>
-                      <a:endParaRPr lang="it-IT" dirty="0"/>
-                    </a:p>
-                  </a:txBody>
-                  <a:tcPr/>
-                </a:tc>
-                <a:tc>
-                  <a:txBody>
-                    <a:bodyPr/>
-                    <a:lstStyle/>
-                    <a:p>
-                      <a:r>
-                        <a:rPr lang="it-IT" dirty="0" err="1"/>
-                        <a:t>Sepal</a:t>
-                      </a:r>
-                      <a:r>
-                        <a:rPr lang="it-IT" dirty="0"/>
-                        <a:t> </a:t>
-                      </a:r>
-                      <a:r>
-                        <a:rPr lang="it-IT" dirty="0" err="1"/>
-                        <a:t>Width</a:t>
-                      </a:r>
-                      <a:endParaRPr lang="it-IT" dirty="0"/>
-                    </a:p>
-                  </a:txBody>
-                  <a:tcPr/>
-                </a:tc>
-                <a:tc>
-                  <a:txBody>
-                    <a:bodyPr/>
-                    <a:lstStyle/>
-                    <a:p>
-                      <a:r>
-                        <a:rPr lang="it-IT" dirty="0" err="1"/>
-                        <a:t>Petal</a:t>
-                      </a:r>
-                      <a:r>
-                        <a:rPr lang="it-IT" dirty="0"/>
-                        <a:t> </a:t>
-                      </a:r>
-                      <a:r>
-                        <a:rPr lang="it-IT" dirty="0" err="1"/>
-                        <a:t>Length</a:t>
-                      </a:r>
-                      <a:endParaRPr lang="it-IT" dirty="0"/>
-                    </a:p>
-                  </a:txBody>
-                  <a:tcPr/>
-                </a:tc>
-                <a:tc>
-                  <a:txBody>
-                    <a:bodyPr/>
-                    <a:lstStyle/>
-                    <a:p>
-                      <a:r>
-                        <a:rPr lang="it-IT" dirty="0" err="1"/>
-                        <a:t>Petal</a:t>
-                      </a:r>
-                      <a:r>
-                        <a:rPr lang="it-IT" dirty="0"/>
-                        <a:t> </a:t>
-                      </a:r>
-                      <a:r>
-                        <a:rPr lang="it-IT" dirty="0" err="1"/>
-                        <a:t>Width</a:t>
-                      </a:r>
-                      <a:endParaRPr lang="it-IT" dirty="0"/>
-                    </a:p>
-                  </a:txBody>
-                  <a:tcPr/>
-                </a:tc>
-                <a:tc>
-                  <a:txBody>
-                    <a:bodyPr/>
-                    <a:lstStyle/>
-                    <a:p>
-                      <a:r>
-                        <a:rPr lang="it-IT" dirty="0"/>
-                        <a:t>Iris </a:t>
-                      </a:r>
-                      <a:r>
-                        <a:rPr lang="it-IT" dirty="0" err="1"/>
-                        <a:t>Species</a:t>
-                      </a:r>
-                      <a:endParaRPr lang="it-IT" dirty="0"/>
+                      <a:endParaRPr lang="it-IT" sz="1200" dirty="0"/>
                     </a:p>
                   </a:txBody>
                   <a:tcPr>
@@ -4149,7 +4157,7 @@
                     <a:p>
                       <a:pPr algn="r" fontAlgn="t"/>
                       <a:r>
-                        <a:rPr lang="it-IT" dirty="0">
+                        <a:rPr lang="it-IT" sz="1200" dirty="0">
                           <a:effectLst/>
                         </a:rPr>
                         <a:t>5.0</a:t>
@@ -4165,7 +4173,7 @@
                     <a:p>
                       <a:pPr algn="r" fontAlgn="t"/>
                       <a:r>
-                        <a:rPr lang="it-IT" dirty="0">
+                        <a:rPr lang="it-IT" sz="1200" dirty="0">
                           <a:effectLst/>
                         </a:rPr>
                         <a:t>3.4</a:t>
@@ -4181,7 +4189,7 @@
                     <a:p>
                       <a:pPr algn="r" fontAlgn="t"/>
                       <a:r>
-                        <a:rPr lang="it-IT" dirty="0">
+                        <a:rPr lang="it-IT" sz="1200" dirty="0">
                           <a:effectLst/>
                         </a:rPr>
                         <a:t>1.5</a:t>
@@ -4197,7 +4205,7 @@
                     <a:p>
                       <a:pPr algn="r" fontAlgn="t"/>
                       <a:r>
-                        <a:rPr lang="it-IT">
+                        <a:rPr lang="it-IT" sz="1200">
                           <a:effectLst/>
                         </a:rPr>
                         <a:t>0.2</a:t>
@@ -4213,7 +4221,7 @@
                     <a:p>
                       <a:pPr algn="l" fontAlgn="t"/>
                       <a:r>
-                        <a:rPr lang="it-IT">
+                        <a:rPr lang="it-IT" sz="1200">
                           <a:effectLst/>
                         </a:rPr>
                         <a:t>?</a:t>
@@ -4240,7 +4248,7 @@
                     <a:p>
                       <a:pPr algn="r" fontAlgn="t"/>
                       <a:r>
-                        <a:rPr lang="it-IT">
+                        <a:rPr lang="it-IT" sz="1200">
                           <a:effectLst/>
                         </a:rPr>
                         <a:t>5.6</a:t>
@@ -4256,7 +4264,7 @@
                     <a:p>
                       <a:pPr algn="r" fontAlgn="t"/>
                       <a:r>
-                        <a:rPr lang="it-IT">
+                        <a:rPr lang="it-IT" sz="1200">
                           <a:effectLst/>
                         </a:rPr>
                         <a:t>3.0</a:t>
@@ -4272,7 +4280,7 @@
                     <a:p>
                       <a:pPr algn="r" fontAlgn="t"/>
                       <a:r>
-                        <a:rPr lang="it-IT" dirty="0">
+                        <a:rPr lang="it-IT" sz="1200" dirty="0">
                           <a:effectLst/>
                         </a:rPr>
                         <a:t>4.5</a:t>
@@ -4288,7 +4296,7 @@
                     <a:p>
                       <a:pPr algn="r" fontAlgn="t"/>
                       <a:r>
-                        <a:rPr lang="it-IT" dirty="0">
+                        <a:rPr lang="it-IT" sz="1200" dirty="0">
                           <a:effectLst/>
                         </a:rPr>
                         <a:t>1.5</a:t>
@@ -4304,7 +4312,7 @@
                     <a:p>
                       <a:pPr algn="l" fontAlgn="t"/>
                       <a:r>
-                        <a:rPr lang="it-IT">
+                        <a:rPr lang="it-IT" sz="1200">
                           <a:effectLst/>
                         </a:rPr>
                         <a:t>?</a:t>
@@ -4331,7 +4339,7 @@
                     <a:p>
                       <a:pPr algn="r" fontAlgn="t"/>
                       <a:r>
-                        <a:rPr lang="it-IT">
+                        <a:rPr lang="it-IT" sz="1200">
                           <a:effectLst/>
                         </a:rPr>
                         <a:t>5.9</a:t>
@@ -4347,7 +4355,7 @@
                     <a:p>
                       <a:pPr algn="r" fontAlgn="t"/>
                       <a:r>
-                        <a:rPr lang="it-IT">
+                        <a:rPr lang="it-IT" sz="1200">
                           <a:effectLst/>
                         </a:rPr>
                         <a:t>3.2</a:t>
@@ -4363,7 +4371,7 @@
                     <a:p>
                       <a:pPr algn="r" fontAlgn="t"/>
                       <a:r>
-                        <a:rPr lang="it-IT">
+                        <a:rPr lang="it-IT" sz="1200">
                           <a:effectLst/>
                         </a:rPr>
                         <a:t>4.8</a:t>
@@ -4379,7 +4387,7 @@
                     <a:p>
                       <a:pPr algn="r" fontAlgn="t"/>
                       <a:r>
-                        <a:rPr lang="it-IT" dirty="0">
+                        <a:rPr lang="it-IT" sz="1200" dirty="0">
                           <a:effectLst/>
                         </a:rPr>
                         <a:t>1.8</a:t>
@@ -4395,7 +4403,7 @@
                     <a:p>
                       <a:pPr algn="l" fontAlgn="t"/>
                       <a:r>
-                        <a:rPr lang="it-IT">
+                        <a:rPr lang="it-IT" sz="1200">
                           <a:effectLst/>
                         </a:rPr>
                         <a:t>?</a:t>
@@ -4422,7 +4430,7 @@
                     <a:p>
                       <a:pPr algn="r" fontAlgn="t"/>
                       <a:r>
-                        <a:rPr lang="it-IT">
+                        <a:rPr lang="it-IT" sz="1200">
                           <a:effectLst/>
                         </a:rPr>
                         <a:t>6.7</a:t>
@@ -4438,7 +4446,7 @@
                     <a:p>
                       <a:pPr algn="r" fontAlgn="t"/>
                       <a:r>
-                        <a:rPr lang="it-IT">
+                        <a:rPr lang="it-IT" sz="1200">
                           <a:effectLst/>
                         </a:rPr>
                         <a:t>3.3</a:t>
@@ -4454,7 +4462,7 @@
                     <a:p>
                       <a:pPr algn="r" fontAlgn="t"/>
                       <a:r>
-                        <a:rPr lang="it-IT">
+                        <a:rPr lang="it-IT" sz="1200" dirty="0">
                           <a:effectLst/>
                         </a:rPr>
                         <a:t>5.7</a:t>
@@ -4470,7 +4478,7 @@
                     <a:p>
                       <a:pPr algn="r" fontAlgn="t"/>
                       <a:r>
-                        <a:rPr lang="it-IT" dirty="0">
+                        <a:rPr lang="it-IT" sz="1200" dirty="0">
                           <a:effectLst/>
                         </a:rPr>
                         <a:t>2.1</a:t>
@@ -4486,7 +4494,7 @@
                     <a:p>
                       <a:pPr algn="l" fontAlgn="t"/>
                       <a:r>
-                        <a:rPr lang="it-IT" dirty="0">
+                        <a:rPr lang="it-IT" sz="1200" dirty="0">
                           <a:effectLst/>
                         </a:rPr>
                         <a:t>?</a:t>
@@ -4517,8 +4525,8 @@
         </p:nvSpPr>
         <p:spPr>
           <a:xfrm>
-            <a:off x="2001269" y="5545818"/>
-            <a:ext cx="7212458" cy="646331"/>
+            <a:off x="1850716" y="5144602"/>
+            <a:ext cx="6164578" cy="461665"/>
           </a:xfrm>
           <a:prstGeom prst="rect">
             <a:avLst/>
@@ -4532,83 +4540,83 @@
           <a:lstStyle/>
           <a:p>
             <a:r>
-              <a:rPr lang="it-IT" dirty="0" err="1"/>
+              <a:rPr lang="it-IT" sz="1200" dirty="0" err="1"/>
               <a:t>As</a:t>
             </a:r>
             <a:r>
-              <a:rPr lang="it-IT" dirty="0"/>
+              <a:rPr lang="it-IT" sz="1200" dirty="0"/>
               <a:t> </a:t>
             </a:r>
             <a:r>
-              <a:rPr lang="it-IT" dirty="0" err="1"/>
+              <a:rPr lang="it-IT" sz="1200" dirty="0" err="1"/>
               <a:t>we</a:t>
             </a:r>
             <a:r>
-              <a:rPr lang="it-IT" dirty="0"/>
+              <a:rPr lang="it-IT" sz="1200" dirty="0"/>
               <a:t> know the </a:t>
             </a:r>
             <a:r>
-              <a:rPr lang="it-IT" dirty="0" err="1"/>
+              <a:rPr lang="it-IT" sz="1200" dirty="0" err="1"/>
               <a:t>correct</a:t>
             </a:r>
             <a:r>
-              <a:rPr lang="it-IT" dirty="0"/>
+              <a:rPr lang="it-IT" sz="1200" dirty="0"/>
               <a:t> Iris </a:t>
             </a:r>
             <a:r>
-              <a:rPr lang="it-IT" dirty="0" err="1"/>
+              <a:rPr lang="it-IT" sz="1200" dirty="0" err="1"/>
               <a:t>Species</a:t>
             </a:r>
             <a:r>
-              <a:rPr lang="it-IT" dirty="0"/>
+              <a:rPr lang="it-IT" sz="1200" dirty="0"/>
               <a:t> for </a:t>
             </a:r>
             <a:r>
-              <a:rPr lang="it-IT" dirty="0" err="1"/>
+              <a:rPr lang="it-IT" sz="1200" dirty="0" err="1"/>
               <a:t>each</a:t>
             </a:r>
             <a:r>
-              <a:rPr lang="it-IT" dirty="0"/>
+              <a:rPr lang="it-IT" sz="1200" dirty="0"/>
               <a:t> sample, </a:t>
             </a:r>
             <a:r>
-              <a:rPr lang="it-IT" dirty="0" err="1"/>
+              <a:rPr lang="it-IT" sz="1200" dirty="0" err="1"/>
               <a:t>we</a:t>
             </a:r>
             <a:r>
-              <a:rPr lang="it-IT" dirty="0"/>
+              <a:rPr lang="it-IT" sz="1200" dirty="0"/>
               <a:t> </a:t>
             </a:r>
             <a:r>
-              <a:rPr lang="it-IT" dirty="0" err="1"/>
+              <a:rPr lang="it-IT" sz="1200" dirty="0" err="1"/>
               <a:t>will</a:t>
             </a:r>
             <a:r>
-              <a:rPr lang="it-IT" dirty="0"/>
+              <a:rPr lang="it-IT" sz="1200" dirty="0"/>
               <a:t> compare the </a:t>
             </a:r>
             <a:r>
-              <a:rPr lang="it-IT" dirty="0" err="1"/>
+              <a:rPr lang="it-IT" sz="1200" dirty="0" err="1"/>
               <a:t>Neural</a:t>
             </a:r>
             <a:r>
-              <a:rPr lang="it-IT" dirty="0"/>
+              <a:rPr lang="it-IT" sz="1200" dirty="0"/>
               <a:t> Network output with the </a:t>
             </a:r>
             <a:r>
-              <a:rPr lang="it-IT" dirty="0" err="1"/>
+              <a:rPr lang="it-IT" sz="1200" dirty="0" err="1"/>
               <a:t>correct</a:t>
             </a:r>
             <a:r>
-              <a:rPr lang="it-IT" dirty="0"/>
+              <a:rPr lang="it-IT" sz="1200" dirty="0"/>
               <a:t> </a:t>
             </a:r>
             <a:r>
-              <a:rPr lang="it-IT" dirty="0" err="1"/>
+              <a:rPr lang="it-IT" sz="1200" dirty="0" err="1"/>
               <a:t>answer</a:t>
             </a:r>
             <a:r>
-              <a:rPr lang="it-IT" dirty="0"/>
+              <a:rPr lang="it-IT" sz="1200" dirty="0"/>
               <a:t>.</a:t>
             </a:r>
           </a:p>
@@ -4646,6 +4654,185 @@
       </p:grpSpPr>
       <p:sp>
         <p:nvSpPr>
+          <p:cNvPr id="3" name="Rettangolo 2"/>
+          <p:cNvSpPr/>
+          <p:nvPr/>
+        </p:nvSpPr>
+        <p:spPr>
+          <a:xfrm>
+            <a:off x="586899" y="564376"/>
+            <a:ext cx="812693" cy="2657475"/>
+          </a:xfrm>
+          <a:prstGeom prst="rect">
+            <a:avLst/>
+          </a:prstGeom>
+          <a:solidFill>
+            <a:schemeClr val="accent1">
+              <a:lumMod val="20000"/>
+              <a:lumOff val="80000"/>
+            </a:schemeClr>
+          </a:solidFill>
+        </p:spPr>
+        <p:style>
+          <a:lnRef idx="2">
+            <a:schemeClr val="accent1">
+              <a:shade val="50000"/>
+            </a:schemeClr>
+          </a:lnRef>
+          <a:fillRef idx="1">
+            <a:schemeClr val="accent1"/>
+          </a:fillRef>
+          <a:effectRef idx="0">
+            <a:schemeClr val="accent1"/>
+          </a:effectRef>
+          <a:fontRef idx="minor">
+            <a:schemeClr val="lt1"/>
+          </a:fontRef>
+        </p:style>
+        <p:txBody>
+          <a:bodyPr rtlCol="0" anchor="ctr"/>
+          <a:lstStyle/>
+          <a:p>
+            <a:pPr algn="ctr"/>
+            <a:endParaRPr lang="it-IT"/>
+          </a:p>
+        </p:txBody>
+      </p:sp>
+      <p:sp>
+        <p:nvSpPr>
+          <p:cNvPr id="22" name="Rettangolo 21"/>
+          <p:cNvSpPr/>
+          <p:nvPr/>
+        </p:nvSpPr>
+        <p:spPr>
+          <a:xfrm>
+            <a:off x="1399592" y="564376"/>
+            <a:ext cx="3421263" cy="2657475"/>
+          </a:xfrm>
+          <a:prstGeom prst="rect">
+            <a:avLst/>
+          </a:prstGeom>
+          <a:solidFill>
+            <a:schemeClr val="accent1">
+              <a:lumMod val="40000"/>
+              <a:lumOff val="60000"/>
+            </a:schemeClr>
+          </a:solidFill>
+        </p:spPr>
+        <p:style>
+          <a:lnRef idx="2">
+            <a:schemeClr val="accent1">
+              <a:shade val="50000"/>
+            </a:schemeClr>
+          </a:lnRef>
+          <a:fillRef idx="1">
+            <a:schemeClr val="accent1"/>
+          </a:fillRef>
+          <a:effectRef idx="0">
+            <a:schemeClr val="accent1"/>
+          </a:effectRef>
+          <a:fontRef idx="minor">
+            <a:schemeClr val="lt1"/>
+          </a:fontRef>
+        </p:style>
+        <p:txBody>
+          <a:bodyPr rtlCol="0" anchor="ctr"/>
+          <a:lstStyle/>
+          <a:p>
+            <a:pPr algn="ctr"/>
+            <a:endParaRPr lang="it-IT"/>
+          </a:p>
+        </p:txBody>
+      </p:sp>
+      <p:sp>
+        <p:nvSpPr>
+          <p:cNvPr id="24" name="Rettangolo 23"/>
+          <p:cNvSpPr/>
+          <p:nvPr/>
+        </p:nvSpPr>
+        <p:spPr>
+          <a:xfrm>
+            <a:off x="4815159" y="574766"/>
+            <a:ext cx="1195499" cy="2657475"/>
+          </a:xfrm>
+          <a:prstGeom prst="rect">
+            <a:avLst/>
+          </a:prstGeom>
+          <a:solidFill>
+            <a:schemeClr val="accent1">
+              <a:lumMod val="60000"/>
+              <a:lumOff val="40000"/>
+            </a:schemeClr>
+          </a:solidFill>
+        </p:spPr>
+        <p:style>
+          <a:lnRef idx="2">
+            <a:schemeClr val="accent1">
+              <a:shade val="50000"/>
+            </a:schemeClr>
+          </a:lnRef>
+          <a:fillRef idx="1">
+            <a:schemeClr val="accent1"/>
+          </a:fillRef>
+          <a:effectRef idx="0">
+            <a:schemeClr val="accent1"/>
+          </a:effectRef>
+          <a:fontRef idx="minor">
+            <a:schemeClr val="lt1"/>
+          </a:fontRef>
+        </p:style>
+        <p:txBody>
+          <a:bodyPr rtlCol="0" anchor="ctr"/>
+          <a:lstStyle/>
+          <a:p>
+            <a:pPr algn="ctr"/>
+            <a:endParaRPr lang="it-IT"/>
+          </a:p>
+        </p:txBody>
+      </p:sp>
+      <p:pic>
+        <p:nvPicPr>
+          <p:cNvPr id="1026" name="Picture 2" descr="enter image description here"/>
+          <p:cNvPicPr>
+            <a:picLocks noChangeAspect="1" noChangeArrowheads="1"/>
+          </p:cNvPicPr>
+          <p:nvPr/>
+        </p:nvPicPr>
+        <p:blipFill>
+          <a:blip r:embed="rId2">
+            <a:extLst>
+              <a:ext uri="{28A0092B-C50C-407E-A947-70E740481C1C}">
+                <a14:useLocalDpi xmlns:a14="http://schemas.microsoft.com/office/drawing/2010/main" val="0"/>
+              </a:ext>
+            </a:extLst>
+          </a:blip>
+          <a:srcRect/>
+          <a:stretch>
+            <a:fillRect/>
+          </a:stretch>
+        </p:blipFill>
+        <p:spPr bwMode="auto">
+          <a:xfrm>
+            <a:off x="586899" y="564376"/>
+            <a:ext cx="5334000" cy="2657475"/>
+          </a:xfrm>
+          <a:prstGeom prst="rect">
+            <a:avLst/>
+          </a:prstGeom>
+          <a:noFill/>
+          <a:extLst>
+            <a:ext uri="{909E8E84-426E-40DD-AFC4-6F175D3DCCD1}">
+              <a14:hiddenFill xmlns:a14="http://schemas.microsoft.com/office/drawing/2010/main">
+                <a:solidFill>
+                  <a:srgbClr val="FFFFFF"/>
+                </a:solidFill>
+              </a14:hiddenFill>
+            </a:ext>
+          </a:extLst>
+        </p:spPr>
+      </p:pic>
+      <p:sp>
+        <p:nvSpPr>
           <p:cNvPr id="6" name="CasellaDiTesto 5"/>
           <p:cNvSpPr txBox="1"/>
           <p:nvPr/>
@@ -4708,7 +4895,7 @@
             <p:nvPr/>
           </p:nvPicPr>
           <p:blipFill>
-            <a:blip r:embed="rId2">
+            <a:blip r:embed="rId3">
               <a:extLst>
                 <a:ext uri="{28A0092B-C50C-407E-A947-70E740481C1C}">
                   <a14:useLocalDpi xmlns:a14="http://schemas.microsoft.com/office/drawing/2010/main" val="0"/>
@@ -4738,7 +4925,7 @@
             <p:nvPr/>
           </p:nvPicPr>
           <p:blipFill>
-            <a:blip r:embed="rId3">
+            <a:blip r:embed="rId4">
               <a:extLst>
                 <a:ext uri="{28A0092B-C50C-407E-A947-70E740481C1C}">
                   <a14:useLocalDpi xmlns:a14="http://schemas.microsoft.com/office/drawing/2010/main" val="0"/>
@@ -4809,47 +4996,6 @@
           </a:p>
         </p:txBody>
       </p:sp>
-      <p:pic>
-        <p:nvPicPr>
-          <p:cNvPr id="1026" name="Picture 2" descr="enter image description here"/>
-          <p:cNvPicPr>
-            <a:picLocks noChangeAspect="1" noChangeArrowheads="1"/>
-          </p:cNvPicPr>
-          <p:nvPr/>
-        </p:nvPicPr>
-        <p:blipFill>
-          <a:blip r:embed="rId4">
-            <a:extLst>
-              <a:ext uri="{28A0092B-C50C-407E-A947-70E740481C1C}">
-                <a14:useLocalDpi xmlns:a14="http://schemas.microsoft.com/office/drawing/2010/main" val="0"/>
-              </a:ext>
-            </a:extLst>
-          </a:blip>
-          <a:srcRect/>
-          <a:stretch>
-            <a:fillRect/>
-          </a:stretch>
-        </p:blipFill>
-        <p:spPr bwMode="auto">
-          <a:xfrm>
-            <a:off x="586899" y="564376"/>
-            <a:ext cx="5334000" cy="2657475"/>
-          </a:xfrm>
-          <a:prstGeom prst="rect">
-            <a:avLst/>
-          </a:prstGeom>
-          <a:noFill/>
-          <a:extLst>
-            <a:ext uri="{909E8E84-426E-40DD-AFC4-6F175D3DCCD1}">
-              <a14:hiddenFill xmlns:a14="http://schemas.microsoft.com/office/drawing/2010/main">
-                <a:solidFill>
-                  <a:srgbClr val="FFFFFF"/>
-                </a:solidFill>
-              </a14:hiddenFill>
-            </a:ext>
-          </a:extLst>
-        </p:spPr>
-      </p:pic>
       <p:sp>
         <p:nvSpPr>
           <p:cNvPr id="7" name="CasellaDiTesto 6"/>
@@ -4912,8 +5058,8 @@
         </p:nvGrpSpPr>
         <p:grpSpPr>
           <a:xfrm>
-            <a:off x="5804168" y="642688"/>
-            <a:ext cx="6005657" cy="1643418"/>
+            <a:off x="6132034" y="642687"/>
+            <a:ext cx="5677791" cy="1682223"/>
             <a:chOff x="5833351" y="1356150"/>
             <a:chExt cx="6005657" cy="1643418"/>
           </a:xfrm>
@@ -5073,8 +5219,8 @@
               </p:txBody>
             </p:sp>
           </p:grpSp>
-          <mc:AlternateContent xmlns:mc="http://schemas.openxmlformats.org/markup-compatibility/2006">
-            <mc:Choice xmlns:a14="http://schemas.microsoft.com/office/drawing/2010/main" Requires="a14">
+          <mc:AlternateContent xmlns:mc="http://schemas.openxmlformats.org/markup-compatibility/2006" xmlns:a14="http://schemas.microsoft.com/office/drawing/2010/main">
+            <mc:Choice Requires="a14">
               <p:sp>
                 <p:nvSpPr>
                   <p:cNvPr id="2" name="CasellaDiTesto 1"/>
@@ -5097,6 +5243,7 @@
                   </a:bodyPr>
                   <a:lstStyle/>
                   <a:p>
+                    <a:pPr/>
                     <a14:m>
                       <m:oMathPara xmlns:m="http://schemas.openxmlformats.org/officeDocument/2006/math">
                         <m:oMathParaPr>
@@ -5234,7 +5381,7 @@
                 </p:txBody>
               </p:sp>
             </mc:Choice>
-            <mc:Fallback>
+            <mc:Fallback xmlns="">
               <p:sp>
                 <p:nvSpPr>
                   <p:cNvPr id="2" name="CasellaDiTesto 1"/>
@@ -5595,6 +5742,5568 @@
     <p:extLst>
       <p:ext uri="{BB962C8B-B14F-4D97-AF65-F5344CB8AC3E}">
         <p14:creationId xmlns:p14="http://schemas.microsoft.com/office/powerpoint/2010/main" val="3765700478"/>
+      </p:ext>
+    </p:extLst>
+  </p:cSld>
+  <p:clrMapOvr>
+    <a:masterClrMapping/>
+  </p:clrMapOvr>
+</p:sld>
+</file>
+
+<file path=ppt/slides/slide5.xml><?xml version="1.0" encoding="utf-8"?>
+<p:sld xmlns:a="http://schemas.openxmlformats.org/drawingml/2006/main" xmlns:r="http://schemas.openxmlformats.org/officeDocument/2006/relationships" xmlns:p="http://schemas.openxmlformats.org/presentationml/2006/main">
+  <p:cSld>
+    <p:spTree>
+      <p:nvGrpSpPr>
+        <p:cNvPr id="1" name=""/>
+        <p:cNvGrpSpPr/>
+        <p:nvPr/>
+      </p:nvGrpSpPr>
+      <p:grpSpPr>
+        <a:xfrm>
+          <a:off x="0" y="0"/>
+          <a:ext cx="0" cy="0"/>
+          <a:chOff x="0" y="0"/>
+          <a:chExt cx="0" cy="0"/>
+        </a:xfrm>
+      </p:grpSpPr>
+      <p:pic>
+        <p:nvPicPr>
+          <p:cNvPr id="2" name="Immagine 1"/>
+          <p:cNvPicPr>
+            <a:picLocks noChangeAspect="1"/>
+          </p:cNvPicPr>
+          <p:nvPr/>
+        </p:nvPicPr>
+        <p:blipFill>
+          <a:blip r:embed="rId2"/>
+          <a:stretch>
+            <a:fillRect/>
+          </a:stretch>
+        </p:blipFill>
+        <p:spPr>
+          <a:xfrm>
+            <a:off x="1790484" y="1770435"/>
+            <a:ext cx="7110920" cy="3196549"/>
+          </a:xfrm>
+          <a:prstGeom prst="rect">
+            <a:avLst/>
+          </a:prstGeom>
+        </p:spPr>
+      </p:pic>
+      <p:sp>
+        <p:nvSpPr>
+          <p:cNvPr id="3" name="CasellaDiTesto 2"/>
+          <p:cNvSpPr txBox="1"/>
+          <p:nvPr/>
+        </p:nvSpPr>
+        <p:spPr>
+          <a:xfrm>
+            <a:off x="4747693" y="2363821"/>
+            <a:ext cx="412292" cy="307777"/>
+          </a:xfrm>
+          <a:prstGeom prst="rect">
+            <a:avLst/>
+          </a:prstGeom>
+          <a:noFill/>
+        </p:spPr>
+        <p:txBody>
+          <a:bodyPr wrap="none" rtlCol="0">
+            <a:spAutoFit/>
+          </a:bodyPr>
+          <a:lstStyle/>
+          <a:p>
+            <a:r>
+              <a:rPr lang="it-IT" sz="1400" dirty="0"/>
+              <a:t>0.4</a:t>
+            </a:r>
+          </a:p>
+        </p:txBody>
+      </p:sp>
+      <p:sp>
+        <p:nvSpPr>
+          <p:cNvPr id="4" name="CasellaDiTesto 3"/>
+          <p:cNvSpPr txBox="1"/>
+          <p:nvPr/>
+        </p:nvSpPr>
+        <p:spPr>
+          <a:xfrm>
+            <a:off x="3839778" y="2517709"/>
+            <a:ext cx="412292" cy="307777"/>
+          </a:xfrm>
+          <a:prstGeom prst="rect">
+            <a:avLst/>
+          </a:prstGeom>
+          <a:noFill/>
+        </p:spPr>
+        <p:txBody>
+          <a:bodyPr wrap="none" rtlCol="0">
+            <a:spAutoFit/>
+          </a:bodyPr>
+          <a:lstStyle/>
+          <a:p>
+            <a:r>
+              <a:rPr lang="it-IT" sz="1400" dirty="0"/>
+              <a:t>0.3</a:t>
+            </a:r>
+          </a:p>
+        </p:txBody>
+      </p:sp>
+      <p:sp>
+        <p:nvSpPr>
+          <p:cNvPr id="5" name="CasellaDiTesto 4"/>
+          <p:cNvSpPr txBox="1"/>
+          <p:nvPr/>
+        </p:nvSpPr>
+        <p:spPr>
+          <a:xfrm>
+            <a:off x="3719804" y="2971667"/>
+            <a:ext cx="412292" cy="307777"/>
+          </a:xfrm>
+          <a:prstGeom prst="rect">
+            <a:avLst/>
+          </a:prstGeom>
+          <a:noFill/>
+        </p:spPr>
+        <p:txBody>
+          <a:bodyPr wrap="none" rtlCol="0">
+            <a:spAutoFit/>
+          </a:bodyPr>
+          <a:lstStyle/>
+          <a:p>
+            <a:r>
+              <a:rPr lang="it-IT" sz="1400" dirty="0"/>
+              <a:t>0.6</a:t>
+            </a:r>
+          </a:p>
+        </p:txBody>
+      </p:sp>
+      <p:sp>
+        <p:nvSpPr>
+          <p:cNvPr id="6" name="CasellaDiTesto 5"/>
+          <p:cNvSpPr txBox="1"/>
+          <p:nvPr/>
+        </p:nvSpPr>
+        <p:spPr>
+          <a:xfrm>
+            <a:off x="3633632" y="3497402"/>
+            <a:ext cx="466794" cy="307777"/>
+          </a:xfrm>
+          <a:prstGeom prst="rect">
+            <a:avLst/>
+          </a:prstGeom>
+          <a:noFill/>
+        </p:spPr>
+        <p:txBody>
+          <a:bodyPr wrap="none" rtlCol="0">
+            <a:spAutoFit/>
+          </a:bodyPr>
+          <a:lstStyle/>
+          <a:p>
+            <a:r>
+              <a:rPr lang="it-IT" sz="1400" dirty="0"/>
+              <a:t>-0.6</a:t>
+            </a:r>
+          </a:p>
+        </p:txBody>
+      </p:sp>
+      <p:sp>
+        <p:nvSpPr>
+          <p:cNvPr id="7" name="CasellaDiTesto 6"/>
+          <p:cNvSpPr txBox="1"/>
+          <p:nvPr/>
+        </p:nvSpPr>
+        <p:spPr>
+          <a:xfrm>
+            <a:off x="3665302" y="3969325"/>
+            <a:ext cx="466794" cy="307777"/>
+          </a:xfrm>
+          <a:prstGeom prst="rect">
+            <a:avLst/>
+          </a:prstGeom>
+          <a:noFill/>
+        </p:spPr>
+        <p:txBody>
+          <a:bodyPr wrap="none" rtlCol="0">
+            <a:spAutoFit/>
+          </a:bodyPr>
+          <a:lstStyle/>
+          <a:p>
+            <a:r>
+              <a:rPr lang="it-IT" sz="1400" dirty="0"/>
+              <a:t>-0.6</a:t>
+            </a:r>
+          </a:p>
+        </p:txBody>
+      </p:sp>
+      <p:sp>
+        <p:nvSpPr>
+          <p:cNvPr id="8" name="CasellaDiTesto 7"/>
+          <p:cNvSpPr txBox="1"/>
+          <p:nvPr/>
+        </p:nvSpPr>
+        <p:spPr>
+          <a:xfrm>
+            <a:off x="7003133" y="2209932"/>
+            <a:ext cx="412292" cy="307777"/>
+          </a:xfrm>
+          <a:prstGeom prst="rect">
+            <a:avLst/>
+          </a:prstGeom>
+          <a:noFill/>
+        </p:spPr>
+        <p:txBody>
+          <a:bodyPr wrap="none" rtlCol="0">
+            <a:spAutoFit/>
+          </a:bodyPr>
+          <a:lstStyle/>
+          <a:p>
+            <a:r>
+              <a:rPr lang="it-IT" sz="1400" dirty="0"/>
+              <a:t>0.1</a:t>
+            </a:r>
+          </a:p>
+        </p:txBody>
+      </p:sp>
+      <p:sp>
+        <p:nvSpPr>
+          <p:cNvPr id="9" name="CasellaDiTesto 8"/>
+          <p:cNvSpPr txBox="1"/>
+          <p:nvPr/>
+        </p:nvSpPr>
+        <p:spPr>
+          <a:xfrm>
+            <a:off x="6948631" y="2527439"/>
+            <a:ext cx="466794" cy="307777"/>
+          </a:xfrm>
+          <a:prstGeom prst="rect">
+            <a:avLst/>
+          </a:prstGeom>
+          <a:noFill/>
+        </p:spPr>
+        <p:txBody>
+          <a:bodyPr wrap="none" rtlCol="0">
+            <a:spAutoFit/>
+          </a:bodyPr>
+          <a:lstStyle/>
+          <a:p>
+            <a:r>
+              <a:rPr lang="it-IT" sz="1400" dirty="0"/>
+              <a:t>-0.1</a:t>
+            </a:r>
+          </a:p>
+        </p:txBody>
+      </p:sp>
+      <p:sp>
+        <p:nvSpPr>
+          <p:cNvPr id="10" name="CasellaDiTesto 9"/>
+          <p:cNvSpPr txBox="1"/>
+          <p:nvPr/>
+        </p:nvSpPr>
+        <p:spPr>
+          <a:xfrm>
+            <a:off x="6672593" y="2660382"/>
+            <a:ext cx="276038" cy="307777"/>
+          </a:xfrm>
+          <a:prstGeom prst="rect">
+            <a:avLst/>
+          </a:prstGeom>
+          <a:noFill/>
+        </p:spPr>
+        <p:txBody>
+          <a:bodyPr wrap="none" rtlCol="0">
+            <a:spAutoFit/>
+          </a:bodyPr>
+          <a:lstStyle/>
+          <a:p>
+            <a:r>
+              <a:rPr lang="it-IT" sz="1400" dirty="0"/>
+              <a:t>0</a:t>
+            </a:r>
+          </a:p>
+        </p:txBody>
+      </p:sp>
+      <p:sp>
+        <p:nvSpPr>
+          <p:cNvPr id="11" name="CasellaDiTesto 10"/>
+          <p:cNvSpPr txBox="1"/>
+          <p:nvPr/>
+        </p:nvSpPr>
+        <p:spPr>
+          <a:xfrm>
+            <a:off x="6061416" y="2971667"/>
+            <a:ext cx="466794" cy="307777"/>
+          </a:xfrm>
+          <a:prstGeom prst="rect">
+            <a:avLst/>
+          </a:prstGeom>
+          <a:noFill/>
+        </p:spPr>
+        <p:txBody>
+          <a:bodyPr wrap="none" rtlCol="0">
+            <a:spAutoFit/>
+          </a:bodyPr>
+          <a:lstStyle/>
+          <a:p>
+            <a:r>
+              <a:rPr lang="it-IT" sz="1400" dirty="0"/>
+              <a:t>-0.2</a:t>
+            </a:r>
+          </a:p>
+        </p:txBody>
+      </p:sp>
+      <p:sp>
+        <p:nvSpPr>
+          <p:cNvPr id="12" name="CasellaDiTesto 11"/>
+          <p:cNvSpPr txBox="1"/>
+          <p:nvPr/>
+        </p:nvSpPr>
+        <p:spPr>
+          <a:xfrm>
+            <a:off x="6367005" y="3279444"/>
+            <a:ext cx="466794" cy="307777"/>
+          </a:xfrm>
+          <a:prstGeom prst="rect">
+            <a:avLst/>
+          </a:prstGeom>
+          <a:noFill/>
+        </p:spPr>
+        <p:txBody>
+          <a:bodyPr wrap="none" rtlCol="0">
+            <a:spAutoFit/>
+          </a:bodyPr>
+          <a:lstStyle/>
+          <a:p>
+            <a:r>
+              <a:rPr lang="it-IT" sz="1400" dirty="0"/>
+              <a:t>-0.4</a:t>
+            </a:r>
+          </a:p>
+        </p:txBody>
+      </p:sp>
+      <p:sp>
+        <p:nvSpPr>
+          <p:cNvPr id="13" name="CasellaDiTesto 12"/>
+          <p:cNvSpPr txBox="1"/>
+          <p:nvPr/>
+        </p:nvSpPr>
+        <p:spPr>
+          <a:xfrm>
+            <a:off x="6104458" y="3893309"/>
+            <a:ext cx="412292" cy="307777"/>
+          </a:xfrm>
+          <a:prstGeom prst="rect">
+            <a:avLst/>
+          </a:prstGeom>
+          <a:noFill/>
+        </p:spPr>
+        <p:txBody>
+          <a:bodyPr wrap="none" rtlCol="0">
+            <a:spAutoFit/>
+          </a:bodyPr>
+          <a:lstStyle/>
+          <a:p>
+            <a:r>
+              <a:rPr lang="it-IT" sz="1400" dirty="0"/>
+              <a:t>0.2</a:t>
+            </a:r>
+          </a:p>
+        </p:txBody>
+      </p:sp>
+      <p:sp>
+        <p:nvSpPr>
+          <p:cNvPr id="14" name="CasellaDiTesto 13"/>
+          <p:cNvSpPr txBox="1"/>
+          <p:nvPr/>
+        </p:nvSpPr>
+        <p:spPr>
+          <a:xfrm>
+            <a:off x="4009455" y="1372825"/>
+            <a:ext cx="3039615" cy="369332"/>
+          </a:xfrm>
+          <a:prstGeom prst="rect">
+            <a:avLst/>
+          </a:prstGeom>
+          <a:noFill/>
+        </p:spPr>
+        <p:txBody>
+          <a:bodyPr wrap="none" rtlCol="0">
+            <a:spAutoFit/>
+          </a:bodyPr>
+          <a:lstStyle/>
+          <a:p>
+            <a:r>
+              <a:rPr lang="it-IT" dirty="0" err="1"/>
+              <a:t>Initial</a:t>
+            </a:r>
+            <a:r>
+              <a:rPr lang="it-IT" dirty="0"/>
+              <a:t> random </a:t>
+            </a:r>
+            <a:r>
+              <a:rPr lang="it-IT" dirty="0" err="1"/>
+              <a:t>Neural</a:t>
+            </a:r>
+            <a:r>
+              <a:rPr lang="it-IT" dirty="0"/>
+              <a:t> Network</a:t>
+            </a:r>
+          </a:p>
+        </p:txBody>
+      </p:sp>
+      <p:sp>
+        <p:nvSpPr>
+          <p:cNvPr id="15" name="CasellaDiTesto 14"/>
+          <p:cNvSpPr txBox="1"/>
+          <p:nvPr/>
+        </p:nvSpPr>
+        <p:spPr>
+          <a:xfrm>
+            <a:off x="240265" y="3368710"/>
+            <a:ext cx="1328441" cy="646331"/>
+          </a:xfrm>
+          <a:prstGeom prst="rect">
+            <a:avLst/>
+          </a:prstGeom>
+          <a:noFill/>
+        </p:spPr>
+        <p:txBody>
+          <a:bodyPr wrap="none" rtlCol="0">
+            <a:spAutoFit/>
+          </a:bodyPr>
+          <a:lstStyle/>
+          <a:p>
+            <a:r>
+              <a:rPr lang="it-IT" dirty="0" err="1"/>
+              <a:t>Testing</a:t>
+            </a:r>
+            <a:r>
+              <a:rPr lang="it-IT" dirty="0"/>
+              <a:t> Data</a:t>
+            </a:r>
+          </a:p>
+          <a:p>
+            <a:r>
+              <a:rPr lang="it-IT" dirty="0"/>
+              <a:t>50 </a:t>
+            </a:r>
+            <a:r>
+              <a:rPr lang="it-IT" dirty="0" err="1"/>
+              <a:t>cases</a:t>
+            </a:r>
+            <a:endParaRPr lang="it-IT" dirty="0"/>
+          </a:p>
+        </p:txBody>
+      </p:sp>
+      <p:cxnSp>
+        <p:nvCxnSpPr>
+          <p:cNvPr id="17" name="Connettore 2 16"/>
+          <p:cNvCxnSpPr/>
+          <p:nvPr/>
+        </p:nvCxnSpPr>
+        <p:spPr>
+          <a:xfrm>
+            <a:off x="1660055" y="3587222"/>
+            <a:ext cx="377720" cy="0"/>
+          </a:xfrm>
+          <a:prstGeom prst="straightConnector1">
+            <a:avLst/>
+          </a:prstGeom>
+          <a:ln w="28575">
+            <a:solidFill>
+              <a:schemeClr val="tx1"/>
+            </a:solidFill>
+            <a:tailEnd type="triangle"/>
+          </a:ln>
+        </p:spPr>
+        <p:style>
+          <a:lnRef idx="1">
+            <a:schemeClr val="accent1"/>
+          </a:lnRef>
+          <a:fillRef idx="0">
+            <a:schemeClr val="accent1"/>
+          </a:fillRef>
+          <a:effectRef idx="0">
+            <a:schemeClr val="accent1"/>
+          </a:effectRef>
+          <a:fontRef idx="minor">
+            <a:schemeClr val="tx1"/>
+          </a:fontRef>
+        </p:style>
+      </p:cxnSp>
+      <p:graphicFrame>
+        <p:nvGraphicFramePr>
+          <p:cNvPr id="18" name="Tabella 17"/>
+          <p:cNvGraphicFramePr>
+            <a:graphicFrameLocks noGrp="1"/>
+          </p:cNvGraphicFramePr>
+          <p:nvPr>
+            <p:extLst>
+              <p:ext uri="{D42A27DB-BD31-4B8C-83A1-F6EECF244321}">
+                <p14:modId xmlns:p14="http://schemas.microsoft.com/office/powerpoint/2010/main" val="2621846486"/>
+              </p:ext>
+            </p:extLst>
+          </p:nvPr>
+        </p:nvGraphicFramePr>
+        <p:xfrm>
+          <a:off x="7946142" y="2114190"/>
+          <a:ext cx="4100308" cy="2330508"/>
+        </p:xfrm>
+        <a:graphic>
+          <a:graphicData uri="http://schemas.openxmlformats.org/drawingml/2006/table">
+            <a:tbl>
+              <a:tblPr firstRow="1" bandRow="1">
+                <a:tableStyleId>{5C22544A-7EE6-4342-B048-85BDC9FD1C3A}</a:tableStyleId>
+              </a:tblPr>
+              <a:tblGrid>
+                <a:gridCol w="1025077">
+                  <a:extLst>
+                    <a:ext uri="{9D8B030D-6E8A-4147-A177-3AD203B41FA5}">
+                      <a16:colId xmlns:a16="http://schemas.microsoft.com/office/drawing/2014/main" val="858362875"/>
+                    </a:ext>
+                  </a:extLst>
+                </a:gridCol>
+                <a:gridCol w="1025077">
+                  <a:extLst>
+                    <a:ext uri="{9D8B030D-6E8A-4147-A177-3AD203B41FA5}">
+                      <a16:colId xmlns:a16="http://schemas.microsoft.com/office/drawing/2014/main" val="2291237890"/>
+                    </a:ext>
+                  </a:extLst>
+                </a:gridCol>
+                <a:gridCol w="1025077">
+                  <a:extLst>
+                    <a:ext uri="{9D8B030D-6E8A-4147-A177-3AD203B41FA5}">
+                      <a16:colId xmlns:a16="http://schemas.microsoft.com/office/drawing/2014/main" val="2455533364"/>
+                    </a:ext>
+                  </a:extLst>
+                </a:gridCol>
+                <a:gridCol w="1025077">
+                  <a:extLst>
+                    <a:ext uri="{9D8B030D-6E8A-4147-A177-3AD203B41FA5}">
+                      <a16:colId xmlns:a16="http://schemas.microsoft.com/office/drawing/2014/main" val="922235418"/>
+                    </a:ext>
+                  </a:extLst>
+                </a:gridCol>
+              </a:tblGrid>
+              <a:tr h="582627">
+                <a:tc>
+                  <a:txBody>
+                    <a:bodyPr/>
+                    <a:lstStyle/>
+                    <a:p>
+                      <a:pPr algn="ctr"/>
+                      <a:endParaRPr lang="it-IT" sz="1600" dirty="0"/>
+                    </a:p>
+                  </a:txBody>
+                  <a:tcPr anchor="ctr"/>
+                </a:tc>
+                <a:tc>
+                  <a:txBody>
+                    <a:bodyPr/>
+                    <a:lstStyle/>
+                    <a:p>
+                      <a:pPr algn="ctr"/>
+                      <a:r>
+                        <a:rPr lang="it-IT" sz="1600" dirty="0"/>
+                        <a:t>Setosa</a:t>
+                      </a:r>
+                    </a:p>
+                  </a:txBody>
+                  <a:tcPr anchor="ctr"/>
+                </a:tc>
+                <a:tc>
+                  <a:txBody>
+                    <a:bodyPr/>
+                    <a:lstStyle/>
+                    <a:p>
+                      <a:pPr algn="ctr"/>
+                      <a:r>
+                        <a:rPr lang="it-IT" sz="1600" dirty="0" err="1"/>
+                        <a:t>Versicolor</a:t>
+                      </a:r>
+                      <a:endParaRPr lang="it-IT" sz="1600" dirty="0"/>
+                    </a:p>
+                  </a:txBody>
+                  <a:tcPr anchor="ctr"/>
+                </a:tc>
+                <a:tc>
+                  <a:txBody>
+                    <a:bodyPr/>
+                    <a:lstStyle/>
+                    <a:p>
+                      <a:pPr algn="ctr"/>
+                      <a:r>
+                        <a:rPr lang="it-IT" sz="1600" dirty="0" err="1"/>
+                        <a:t>Virginica</a:t>
+                      </a:r>
+                      <a:endParaRPr lang="it-IT" sz="1600" dirty="0"/>
+                    </a:p>
+                  </a:txBody>
+                  <a:tcPr anchor="ctr"/>
+                </a:tc>
+                <a:extLst>
+                  <a:ext uri="{0D108BD9-81ED-4DB2-BD59-A6C34878D82A}">
+                    <a16:rowId xmlns:a16="http://schemas.microsoft.com/office/drawing/2014/main" val="381119424"/>
+                  </a:ext>
+                </a:extLst>
+              </a:tr>
+              <a:tr h="582627">
+                <a:tc>
+                  <a:txBody>
+                    <a:bodyPr/>
+                    <a:lstStyle/>
+                    <a:p>
+                      <a:pPr algn="ctr"/>
+                      <a:r>
+                        <a:rPr lang="it-IT" sz="1400" dirty="0"/>
+                        <a:t>O1</a:t>
+                      </a:r>
+                    </a:p>
+                    <a:p>
+                      <a:pPr algn="ctr"/>
+                      <a:r>
+                        <a:rPr lang="it-IT" sz="1400" dirty="0"/>
+                        <a:t>Setosa</a:t>
+                      </a:r>
+                    </a:p>
+                  </a:txBody>
+                  <a:tcPr anchor="ctr"/>
+                </a:tc>
+                <a:tc>
+                  <a:txBody>
+                    <a:bodyPr/>
+                    <a:lstStyle/>
+                    <a:p>
+                      <a:pPr algn="ctr"/>
+                      <a:r>
+                        <a:rPr lang="it-IT" sz="1400" dirty="0"/>
+                        <a:t>14</a:t>
+                      </a:r>
+                    </a:p>
+                    <a:p>
+                      <a:pPr algn="ctr"/>
+                      <a:r>
+                        <a:rPr lang="it-IT" sz="1400" dirty="0" err="1">
+                          <a:highlight>
+                            <a:srgbClr val="00FF00"/>
+                          </a:highlight>
+                        </a:rPr>
+                        <a:t>Correct</a:t>
+                      </a:r>
+                      <a:endParaRPr lang="it-IT" sz="1400" dirty="0">
+                        <a:highlight>
+                          <a:srgbClr val="00FF00"/>
+                        </a:highlight>
+                      </a:endParaRPr>
+                    </a:p>
+                  </a:txBody>
+                  <a:tcPr anchor="ctr"/>
+                </a:tc>
+                <a:tc>
+                  <a:txBody>
+                    <a:bodyPr/>
+                    <a:lstStyle/>
+                    <a:p>
+                      <a:pPr algn="ctr"/>
+                      <a:r>
+                        <a:rPr lang="it-IT" sz="1400" dirty="0"/>
+                        <a:t>13</a:t>
+                      </a:r>
+                    </a:p>
+                    <a:p>
+                      <a:pPr algn="ctr"/>
+                      <a:r>
+                        <a:rPr lang="it-IT" sz="1400" dirty="0" err="1">
+                          <a:highlight>
+                            <a:srgbClr val="FF0000"/>
+                          </a:highlight>
+                        </a:rPr>
+                        <a:t>Wrong</a:t>
+                      </a:r>
+                      <a:endParaRPr lang="it-IT" sz="1400" dirty="0">
+                        <a:highlight>
+                          <a:srgbClr val="FF0000"/>
+                        </a:highlight>
+                      </a:endParaRPr>
+                    </a:p>
+                  </a:txBody>
+                  <a:tcPr anchor="ctr"/>
+                </a:tc>
+                <a:tc>
+                  <a:txBody>
+                    <a:bodyPr/>
+                    <a:lstStyle/>
+                    <a:p>
+                      <a:pPr algn="ctr"/>
+                      <a:r>
+                        <a:rPr lang="it-IT" sz="1400" dirty="0"/>
+                        <a:t>23</a:t>
+                      </a:r>
+                    </a:p>
+                    <a:p>
+                      <a:pPr algn="ctr"/>
+                      <a:r>
+                        <a:rPr lang="it-IT" sz="1400" dirty="0" err="1">
+                          <a:highlight>
+                            <a:srgbClr val="FF0000"/>
+                          </a:highlight>
+                        </a:rPr>
+                        <a:t>Wrong</a:t>
+                      </a:r>
+                      <a:endParaRPr lang="it-IT" sz="1400" dirty="0">
+                        <a:highlight>
+                          <a:srgbClr val="FF0000"/>
+                        </a:highlight>
+                      </a:endParaRPr>
+                    </a:p>
+                  </a:txBody>
+                  <a:tcPr anchor="ctr"/>
+                </a:tc>
+                <a:extLst>
+                  <a:ext uri="{0D108BD9-81ED-4DB2-BD59-A6C34878D82A}">
+                    <a16:rowId xmlns:a16="http://schemas.microsoft.com/office/drawing/2014/main" val="4043144427"/>
+                  </a:ext>
+                </a:extLst>
+              </a:tr>
+              <a:tr h="582627">
+                <a:tc>
+                  <a:txBody>
+                    <a:bodyPr/>
+                    <a:lstStyle/>
+                    <a:p>
+                      <a:pPr algn="ctr"/>
+                      <a:r>
+                        <a:rPr lang="it-IT" sz="1400" dirty="0"/>
+                        <a:t>O2 </a:t>
+                      </a:r>
+                      <a:r>
+                        <a:rPr lang="it-IT" sz="1400" dirty="0" err="1"/>
+                        <a:t>Versicolor</a:t>
+                      </a:r>
+                      <a:endParaRPr lang="it-IT" sz="1400" dirty="0"/>
+                    </a:p>
+                  </a:txBody>
+                  <a:tcPr anchor="ctr"/>
+                </a:tc>
+                <a:tc>
+                  <a:txBody>
+                    <a:bodyPr/>
+                    <a:lstStyle/>
+                    <a:p>
+                      <a:pPr algn="ctr"/>
+                      <a:endParaRPr lang="it-IT" sz="1400" dirty="0"/>
+                    </a:p>
+                  </a:txBody>
+                  <a:tcPr anchor="ctr"/>
+                </a:tc>
+                <a:tc>
+                  <a:txBody>
+                    <a:bodyPr/>
+                    <a:lstStyle/>
+                    <a:p>
+                      <a:pPr algn="ctr"/>
+                      <a:endParaRPr lang="it-IT" sz="1400" dirty="0"/>
+                    </a:p>
+                  </a:txBody>
+                  <a:tcPr anchor="ctr"/>
+                </a:tc>
+                <a:tc>
+                  <a:txBody>
+                    <a:bodyPr/>
+                    <a:lstStyle/>
+                    <a:p>
+                      <a:pPr algn="ctr"/>
+                      <a:endParaRPr lang="it-IT" sz="1400"/>
+                    </a:p>
+                  </a:txBody>
+                  <a:tcPr anchor="ctr"/>
+                </a:tc>
+                <a:extLst>
+                  <a:ext uri="{0D108BD9-81ED-4DB2-BD59-A6C34878D82A}">
+                    <a16:rowId xmlns:a16="http://schemas.microsoft.com/office/drawing/2014/main" val="4201442042"/>
+                  </a:ext>
+                </a:extLst>
+              </a:tr>
+              <a:tr h="582627">
+                <a:tc>
+                  <a:txBody>
+                    <a:bodyPr/>
+                    <a:lstStyle/>
+                    <a:p>
+                      <a:pPr algn="ctr"/>
+                      <a:r>
+                        <a:rPr lang="it-IT" sz="1400" dirty="0"/>
+                        <a:t>O3  </a:t>
+                      </a:r>
+                      <a:r>
+                        <a:rPr lang="it-IT" sz="1400" dirty="0" err="1"/>
+                        <a:t>Virginica</a:t>
+                      </a:r>
+                      <a:endParaRPr lang="it-IT" sz="1400" dirty="0"/>
+                    </a:p>
+                  </a:txBody>
+                  <a:tcPr anchor="ctr"/>
+                </a:tc>
+                <a:tc>
+                  <a:txBody>
+                    <a:bodyPr/>
+                    <a:lstStyle/>
+                    <a:p>
+                      <a:pPr algn="ctr"/>
+                      <a:endParaRPr lang="it-IT" sz="1400" dirty="0"/>
+                    </a:p>
+                  </a:txBody>
+                  <a:tcPr anchor="ctr"/>
+                </a:tc>
+                <a:tc>
+                  <a:txBody>
+                    <a:bodyPr/>
+                    <a:lstStyle/>
+                    <a:p>
+                      <a:pPr algn="ctr"/>
+                      <a:endParaRPr lang="it-IT" sz="1400" dirty="0"/>
+                    </a:p>
+                  </a:txBody>
+                  <a:tcPr anchor="ctr"/>
+                </a:tc>
+                <a:tc>
+                  <a:txBody>
+                    <a:bodyPr/>
+                    <a:lstStyle/>
+                    <a:p>
+                      <a:pPr algn="ctr"/>
+                      <a:endParaRPr lang="it-IT" sz="1400" dirty="0"/>
+                    </a:p>
+                  </a:txBody>
+                  <a:tcPr anchor="ctr"/>
+                </a:tc>
+                <a:extLst>
+                  <a:ext uri="{0D108BD9-81ED-4DB2-BD59-A6C34878D82A}">
+                    <a16:rowId xmlns:a16="http://schemas.microsoft.com/office/drawing/2014/main" val="3403647268"/>
+                  </a:ext>
+                </a:extLst>
+              </a:tr>
+            </a:tbl>
+          </a:graphicData>
+        </a:graphic>
+      </p:graphicFrame>
+      <p:sp>
+        <p:nvSpPr>
+          <p:cNvPr id="19" name="CasellaDiTesto 18"/>
+          <p:cNvSpPr txBox="1"/>
+          <p:nvPr/>
+        </p:nvSpPr>
+        <p:spPr>
+          <a:xfrm>
+            <a:off x="8901404" y="1388315"/>
+            <a:ext cx="2568267" cy="369332"/>
+          </a:xfrm>
+          <a:prstGeom prst="rect">
+            <a:avLst/>
+          </a:prstGeom>
+          <a:noFill/>
+        </p:spPr>
+        <p:txBody>
+          <a:bodyPr wrap="none" rtlCol="0">
+            <a:spAutoFit/>
+          </a:bodyPr>
+          <a:lstStyle/>
+          <a:p>
+            <a:r>
+              <a:rPr lang="it-IT" dirty="0"/>
+              <a:t>Output vs </a:t>
+            </a:r>
+            <a:r>
+              <a:rPr lang="it-IT" dirty="0" err="1"/>
+              <a:t>Correct</a:t>
+            </a:r>
+            <a:r>
+              <a:rPr lang="it-IT" dirty="0"/>
+              <a:t> </a:t>
+            </a:r>
+            <a:r>
+              <a:rPr lang="it-IT" dirty="0" err="1"/>
+              <a:t>Results</a:t>
+            </a:r>
+            <a:endParaRPr lang="it-IT" dirty="0"/>
+          </a:p>
+        </p:txBody>
+      </p:sp>
+      <p:sp>
+        <p:nvSpPr>
+          <p:cNvPr id="20" name="CasellaDiTesto 19"/>
+          <p:cNvSpPr txBox="1"/>
+          <p:nvPr/>
+        </p:nvSpPr>
+        <p:spPr>
+          <a:xfrm>
+            <a:off x="7867834" y="4518208"/>
+            <a:ext cx="4256923" cy="1015663"/>
+          </a:xfrm>
+          <a:prstGeom prst="rect">
+            <a:avLst/>
+          </a:prstGeom>
+          <a:noFill/>
+        </p:spPr>
+        <p:txBody>
+          <a:bodyPr wrap="square" rtlCol="0">
+            <a:spAutoFit/>
+          </a:bodyPr>
+          <a:lstStyle/>
+          <a:p>
+            <a:pPr algn="just"/>
+            <a:r>
+              <a:rPr lang="it-IT" sz="1400" dirty="0"/>
+              <a:t>The </a:t>
+            </a:r>
+            <a:r>
+              <a:rPr lang="it-IT" sz="1400" dirty="0" err="1"/>
+              <a:t>untrained</a:t>
+            </a:r>
+            <a:r>
+              <a:rPr lang="it-IT" sz="1400" dirty="0"/>
+              <a:t> network </a:t>
+            </a:r>
+            <a:r>
+              <a:rPr lang="it-IT" sz="1400" dirty="0" err="1"/>
+              <a:t>is</a:t>
+            </a:r>
+            <a:r>
+              <a:rPr lang="it-IT" sz="1400" dirty="0"/>
+              <a:t> </a:t>
+            </a:r>
+            <a:r>
+              <a:rPr lang="it-IT" sz="1400" dirty="0" err="1"/>
+              <a:t>providing</a:t>
+            </a:r>
+            <a:r>
+              <a:rPr lang="it-IT" sz="1400" dirty="0"/>
+              <a:t> </a:t>
+            </a:r>
+            <a:r>
+              <a:rPr lang="it-IT" sz="1400" dirty="0" err="1"/>
+              <a:t>alway</a:t>
+            </a:r>
+            <a:r>
+              <a:rPr lang="it-IT" sz="1400" dirty="0"/>
+              <a:t> Setosa </a:t>
+            </a:r>
+            <a:r>
+              <a:rPr lang="it-IT" sz="1400" dirty="0" err="1"/>
+              <a:t>as</a:t>
+            </a:r>
+            <a:r>
+              <a:rPr lang="it-IT" sz="1400" dirty="0"/>
+              <a:t> </a:t>
+            </a:r>
+            <a:r>
+              <a:rPr lang="it-IT" sz="1400" dirty="0" err="1"/>
+              <a:t>results</a:t>
+            </a:r>
+            <a:r>
+              <a:rPr lang="it-IT" sz="1400" dirty="0"/>
+              <a:t>. The </a:t>
+            </a:r>
+            <a:r>
+              <a:rPr lang="it-IT" sz="1400" dirty="0" err="1"/>
+              <a:t>Correct</a:t>
+            </a:r>
+            <a:r>
+              <a:rPr lang="it-IT" sz="1400" dirty="0"/>
+              <a:t> </a:t>
+            </a:r>
+            <a:r>
+              <a:rPr lang="it-IT" sz="1400" dirty="0" err="1"/>
+              <a:t>Result</a:t>
+            </a:r>
+            <a:r>
+              <a:rPr lang="it-IT" sz="1400" dirty="0"/>
+              <a:t> </a:t>
+            </a:r>
+            <a:r>
+              <a:rPr lang="it-IT" sz="1400" dirty="0" err="1"/>
+              <a:t>was</a:t>
+            </a:r>
+            <a:r>
+              <a:rPr lang="it-IT" sz="1400" dirty="0"/>
+              <a:t> Setosa In 14 </a:t>
+            </a:r>
+            <a:r>
+              <a:rPr lang="it-IT" sz="1400" dirty="0" err="1"/>
+              <a:t>cases</a:t>
+            </a:r>
+            <a:r>
+              <a:rPr lang="it-IT" sz="1400" dirty="0"/>
+              <a:t>, </a:t>
+            </a:r>
+            <a:r>
+              <a:rPr lang="it-IT" sz="1400" dirty="0" err="1"/>
+              <a:t>Versicolor</a:t>
+            </a:r>
+            <a:r>
+              <a:rPr lang="it-IT" sz="1400" dirty="0"/>
+              <a:t> 13 </a:t>
+            </a:r>
+            <a:r>
+              <a:rPr lang="it-IT" sz="1400" dirty="0" err="1"/>
+              <a:t>cases</a:t>
+            </a:r>
+            <a:r>
+              <a:rPr lang="it-IT" sz="1400" dirty="0"/>
+              <a:t> and </a:t>
+            </a:r>
+            <a:r>
+              <a:rPr lang="it-IT" sz="1400" dirty="0" err="1"/>
+              <a:t>Virginica</a:t>
+            </a:r>
+            <a:r>
+              <a:rPr lang="it-IT" sz="1400" dirty="0"/>
+              <a:t> 23 </a:t>
+            </a:r>
+            <a:r>
+              <a:rPr lang="it-IT" sz="1400" dirty="0" err="1"/>
+              <a:t>cases</a:t>
+            </a:r>
+            <a:r>
+              <a:rPr lang="it-IT" sz="1400" dirty="0"/>
+              <a:t>. </a:t>
+            </a:r>
+          </a:p>
+          <a:p>
+            <a:pPr algn="just"/>
+            <a:r>
+              <a:rPr lang="it-IT" b="1" dirty="0"/>
+              <a:t>The </a:t>
+            </a:r>
+            <a:r>
+              <a:rPr lang="it-IT" b="1" dirty="0" err="1"/>
+              <a:t>resulting</a:t>
+            </a:r>
+            <a:r>
+              <a:rPr lang="it-IT" b="1" dirty="0"/>
+              <a:t> </a:t>
+            </a:r>
+            <a:r>
+              <a:rPr lang="it-IT" b="1" dirty="0" err="1"/>
+              <a:t>accuracy</a:t>
+            </a:r>
+            <a:r>
+              <a:rPr lang="it-IT" b="1" dirty="0"/>
+              <a:t> </a:t>
+            </a:r>
+            <a:r>
+              <a:rPr lang="it-IT" b="1" dirty="0" err="1"/>
+              <a:t>is</a:t>
+            </a:r>
+            <a:r>
+              <a:rPr lang="it-IT" b="1" dirty="0"/>
+              <a:t> 28%</a:t>
+            </a:r>
+          </a:p>
+        </p:txBody>
+      </p:sp>
+    </p:spTree>
+    <p:extLst>
+      <p:ext uri="{BB962C8B-B14F-4D97-AF65-F5344CB8AC3E}">
+        <p14:creationId xmlns:p14="http://schemas.microsoft.com/office/powerpoint/2010/main" val="657306362"/>
+      </p:ext>
+    </p:extLst>
+  </p:cSld>
+  <p:clrMapOvr>
+    <a:masterClrMapping/>
+  </p:clrMapOvr>
+</p:sld>
+</file>
+
+<file path=ppt/slides/slide6.xml><?xml version="1.0" encoding="utf-8"?>
+<p:sld xmlns:a="http://schemas.openxmlformats.org/drawingml/2006/main" xmlns:r="http://schemas.openxmlformats.org/officeDocument/2006/relationships" xmlns:p="http://schemas.openxmlformats.org/presentationml/2006/main">
+  <p:cSld>
+    <p:spTree>
+      <p:nvGrpSpPr>
+        <p:cNvPr id="1" name=""/>
+        <p:cNvGrpSpPr/>
+        <p:nvPr/>
+      </p:nvGrpSpPr>
+      <p:grpSpPr>
+        <a:xfrm>
+          <a:off x="0" y="0"/>
+          <a:ext cx="0" cy="0"/>
+          <a:chOff x="0" y="0"/>
+          <a:chExt cx="0" cy="0"/>
+        </a:xfrm>
+      </p:grpSpPr>
+      <p:pic>
+        <p:nvPicPr>
+          <p:cNvPr id="21" name="Immagine 20"/>
+          <p:cNvPicPr>
+            <a:picLocks noChangeAspect="1"/>
+          </p:cNvPicPr>
+          <p:nvPr/>
+        </p:nvPicPr>
+        <p:blipFill>
+          <a:blip r:embed="rId2"/>
+          <a:stretch>
+            <a:fillRect/>
+          </a:stretch>
+        </p:blipFill>
+        <p:spPr>
+          <a:xfrm>
+            <a:off x="2099423" y="1746089"/>
+            <a:ext cx="6600825" cy="3276600"/>
+          </a:xfrm>
+          <a:prstGeom prst="rect">
+            <a:avLst/>
+          </a:prstGeom>
+        </p:spPr>
+      </p:pic>
+      <p:sp>
+        <p:nvSpPr>
+          <p:cNvPr id="3" name="CasellaDiTesto 2"/>
+          <p:cNvSpPr txBox="1"/>
+          <p:nvPr/>
+        </p:nvSpPr>
+        <p:spPr>
+          <a:xfrm>
+            <a:off x="4816637" y="2352605"/>
+            <a:ext cx="412292" cy="307777"/>
+          </a:xfrm>
+          <a:prstGeom prst="rect">
+            <a:avLst/>
+          </a:prstGeom>
+          <a:noFill/>
+        </p:spPr>
+        <p:txBody>
+          <a:bodyPr wrap="none" rtlCol="0">
+            <a:spAutoFit/>
+          </a:bodyPr>
+          <a:lstStyle/>
+          <a:p>
+            <a:r>
+              <a:rPr lang="it-IT" sz="1400" dirty="0"/>
+              <a:t>0.4</a:t>
+            </a:r>
+          </a:p>
+        </p:txBody>
+      </p:sp>
+      <p:sp>
+        <p:nvSpPr>
+          <p:cNvPr id="4" name="CasellaDiTesto 3"/>
+          <p:cNvSpPr txBox="1"/>
+          <p:nvPr/>
+        </p:nvSpPr>
+        <p:spPr>
+          <a:xfrm>
+            <a:off x="3919214" y="2517709"/>
+            <a:ext cx="466794" cy="307777"/>
+          </a:xfrm>
+          <a:prstGeom prst="rect">
+            <a:avLst/>
+          </a:prstGeom>
+          <a:noFill/>
+        </p:spPr>
+        <p:txBody>
+          <a:bodyPr wrap="none" rtlCol="0">
+            <a:spAutoFit/>
+          </a:bodyPr>
+          <a:lstStyle/>
+          <a:p>
+            <a:r>
+              <a:rPr lang="it-IT" sz="1400" dirty="0"/>
+              <a:t>-0.5</a:t>
+            </a:r>
+          </a:p>
+        </p:txBody>
+      </p:sp>
+      <p:sp>
+        <p:nvSpPr>
+          <p:cNvPr id="5" name="CasellaDiTesto 4"/>
+          <p:cNvSpPr txBox="1"/>
+          <p:nvPr/>
+        </p:nvSpPr>
+        <p:spPr>
+          <a:xfrm>
+            <a:off x="3815798" y="3013435"/>
+            <a:ext cx="466794" cy="307777"/>
+          </a:xfrm>
+          <a:prstGeom prst="rect">
+            <a:avLst/>
+          </a:prstGeom>
+          <a:noFill/>
+        </p:spPr>
+        <p:txBody>
+          <a:bodyPr wrap="none" rtlCol="0">
+            <a:spAutoFit/>
+          </a:bodyPr>
+          <a:lstStyle/>
+          <a:p>
+            <a:r>
+              <a:rPr lang="it-IT" sz="1400" dirty="0"/>
+              <a:t>-0.3</a:t>
+            </a:r>
+          </a:p>
+        </p:txBody>
+      </p:sp>
+      <p:sp>
+        <p:nvSpPr>
+          <p:cNvPr id="6" name="CasellaDiTesto 5"/>
+          <p:cNvSpPr txBox="1"/>
+          <p:nvPr/>
+        </p:nvSpPr>
+        <p:spPr>
+          <a:xfrm>
+            <a:off x="3719804" y="3519703"/>
+            <a:ext cx="412292" cy="307777"/>
+          </a:xfrm>
+          <a:prstGeom prst="rect">
+            <a:avLst/>
+          </a:prstGeom>
+          <a:noFill/>
+        </p:spPr>
+        <p:txBody>
+          <a:bodyPr wrap="none" rtlCol="0">
+            <a:spAutoFit/>
+          </a:bodyPr>
+          <a:lstStyle/>
+          <a:p>
+            <a:r>
+              <a:rPr lang="it-IT" sz="1400" dirty="0"/>
+              <a:t>0.8</a:t>
+            </a:r>
+          </a:p>
+        </p:txBody>
+      </p:sp>
+      <p:sp>
+        <p:nvSpPr>
+          <p:cNvPr id="7" name="CasellaDiTesto 6"/>
+          <p:cNvSpPr txBox="1"/>
+          <p:nvPr/>
+        </p:nvSpPr>
+        <p:spPr>
+          <a:xfrm>
+            <a:off x="3665302" y="4117307"/>
+            <a:ext cx="466794" cy="307777"/>
+          </a:xfrm>
+          <a:prstGeom prst="rect">
+            <a:avLst/>
+          </a:prstGeom>
+          <a:noFill/>
+        </p:spPr>
+        <p:txBody>
+          <a:bodyPr wrap="none" rtlCol="0">
+            <a:spAutoFit/>
+          </a:bodyPr>
+          <a:lstStyle/>
+          <a:p>
+            <a:r>
+              <a:rPr lang="it-IT" sz="1400" dirty="0"/>
+              <a:t>-0.5</a:t>
+            </a:r>
+          </a:p>
+        </p:txBody>
+      </p:sp>
+      <p:sp>
+        <p:nvSpPr>
+          <p:cNvPr id="8" name="CasellaDiTesto 7"/>
+          <p:cNvSpPr txBox="1"/>
+          <p:nvPr/>
+        </p:nvSpPr>
+        <p:spPr>
+          <a:xfrm>
+            <a:off x="7079165" y="2198716"/>
+            <a:ext cx="412292" cy="307777"/>
+          </a:xfrm>
+          <a:prstGeom prst="rect">
+            <a:avLst/>
+          </a:prstGeom>
+          <a:noFill/>
+        </p:spPr>
+        <p:txBody>
+          <a:bodyPr wrap="none" rtlCol="0">
+            <a:spAutoFit/>
+          </a:bodyPr>
+          <a:lstStyle/>
+          <a:p>
+            <a:r>
+              <a:rPr lang="it-IT" sz="1400" dirty="0"/>
+              <a:t>0.3</a:t>
+            </a:r>
+          </a:p>
+        </p:txBody>
+      </p:sp>
+      <p:sp>
+        <p:nvSpPr>
+          <p:cNvPr id="9" name="CasellaDiTesto 8"/>
+          <p:cNvSpPr txBox="1"/>
+          <p:nvPr/>
+        </p:nvSpPr>
+        <p:spPr>
+          <a:xfrm>
+            <a:off x="6948631" y="2527439"/>
+            <a:ext cx="466794" cy="307777"/>
+          </a:xfrm>
+          <a:prstGeom prst="rect">
+            <a:avLst/>
+          </a:prstGeom>
+          <a:noFill/>
+        </p:spPr>
+        <p:txBody>
+          <a:bodyPr wrap="none" rtlCol="0">
+            <a:spAutoFit/>
+          </a:bodyPr>
+          <a:lstStyle/>
+          <a:p>
+            <a:r>
+              <a:rPr lang="it-IT" sz="1400" dirty="0"/>
+              <a:t>-0.7</a:t>
+            </a:r>
+          </a:p>
+        </p:txBody>
+      </p:sp>
+      <p:sp>
+        <p:nvSpPr>
+          <p:cNvPr id="10" name="CasellaDiTesto 9"/>
+          <p:cNvSpPr txBox="1"/>
+          <p:nvPr/>
+        </p:nvSpPr>
+        <p:spPr>
+          <a:xfrm>
+            <a:off x="6760733" y="2680483"/>
+            <a:ext cx="276038" cy="307777"/>
+          </a:xfrm>
+          <a:prstGeom prst="rect">
+            <a:avLst/>
+          </a:prstGeom>
+          <a:noFill/>
+        </p:spPr>
+        <p:txBody>
+          <a:bodyPr wrap="none" rtlCol="0">
+            <a:spAutoFit/>
+          </a:bodyPr>
+          <a:lstStyle/>
+          <a:p>
+            <a:r>
+              <a:rPr lang="it-IT" sz="1400" dirty="0"/>
+              <a:t>0</a:t>
+            </a:r>
+          </a:p>
+        </p:txBody>
+      </p:sp>
+      <p:sp>
+        <p:nvSpPr>
+          <p:cNvPr id="11" name="CasellaDiTesto 10"/>
+          <p:cNvSpPr txBox="1"/>
+          <p:nvPr/>
+        </p:nvSpPr>
+        <p:spPr>
+          <a:xfrm>
+            <a:off x="6171802" y="2970690"/>
+            <a:ext cx="466794" cy="307777"/>
+          </a:xfrm>
+          <a:prstGeom prst="rect">
+            <a:avLst/>
+          </a:prstGeom>
+          <a:noFill/>
+        </p:spPr>
+        <p:txBody>
+          <a:bodyPr wrap="none" rtlCol="0">
+            <a:spAutoFit/>
+          </a:bodyPr>
+          <a:lstStyle/>
+          <a:p>
+            <a:r>
+              <a:rPr lang="it-IT" sz="1400" dirty="0"/>
+              <a:t>-0.6</a:t>
+            </a:r>
+          </a:p>
+        </p:txBody>
+      </p:sp>
+      <p:sp>
+        <p:nvSpPr>
+          <p:cNvPr id="12" name="CasellaDiTesto 11"/>
+          <p:cNvSpPr txBox="1"/>
+          <p:nvPr/>
+        </p:nvSpPr>
+        <p:spPr>
+          <a:xfrm>
+            <a:off x="6527336" y="3519703"/>
+            <a:ext cx="466794" cy="307777"/>
+          </a:xfrm>
+          <a:prstGeom prst="rect">
+            <a:avLst/>
+          </a:prstGeom>
+          <a:noFill/>
+        </p:spPr>
+        <p:txBody>
+          <a:bodyPr wrap="none" rtlCol="0">
+            <a:spAutoFit/>
+          </a:bodyPr>
+          <a:lstStyle/>
+          <a:p>
+            <a:r>
+              <a:rPr lang="it-IT" sz="1400" dirty="0"/>
+              <a:t>-0.2</a:t>
+            </a:r>
+          </a:p>
+        </p:txBody>
+      </p:sp>
+      <p:sp>
+        <p:nvSpPr>
+          <p:cNvPr id="13" name="CasellaDiTesto 12"/>
+          <p:cNvSpPr txBox="1"/>
+          <p:nvPr/>
+        </p:nvSpPr>
+        <p:spPr>
+          <a:xfrm>
+            <a:off x="6230703" y="3918068"/>
+            <a:ext cx="466794" cy="307777"/>
+          </a:xfrm>
+          <a:prstGeom prst="rect">
+            <a:avLst/>
+          </a:prstGeom>
+          <a:noFill/>
+        </p:spPr>
+        <p:txBody>
+          <a:bodyPr wrap="none" rtlCol="0">
+            <a:spAutoFit/>
+          </a:bodyPr>
+          <a:lstStyle/>
+          <a:p>
+            <a:r>
+              <a:rPr lang="it-IT" sz="1400" dirty="0"/>
+              <a:t>-0.4</a:t>
+            </a:r>
+          </a:p>
+        </p:txBody>
+      </p:sp>
+      <p:sp>
+        <p:nvSpPr>
+          <p:cNvPr id="14" name="CasellaDiTesto 13"/>
+          <p:cNvSpPr txBox="1"/>
+          <p:nvPr/>
+        </p:nvSpPr>
+        <p:spPr>
+          <a:xfrm>
+            <a:off x="3719804" y="1393709"/>
+            <a:ext cx="3879203" cy="369332"/>
+          </a:xfrm>
+          <a:prstGeom prst="rect">
+            <a:avLst/>
+          </a:prstGeom>
+          <a:noFill/>
+        </p:spPr>
+        <p:txBody>
+          <a:bodyPr wrap="none" rtlCol="0">
+            <a:spAutoFit/>
+          </a:bodyPr>
+          <a:lstStyle/>
+          <a:p>
+            <a:r>
+              <a:rPr lang="it-IT" dirty="0" err="1"/>
+              <a:t>Neural</a:t>
+            </a:r>
+            <a:r>
+              <a:rPr lang="it-IT" dirty="0"/>
+              <a:t> Network </a:t>
+            </a:r>
+            <a:r>
+              <a:rPr lang="it-IT" dirty="0" err="1"/>
+              <a:t>after</a:t>
+            </a:r>
+            <a:r>
+              <a:rPr lang="it-IT" dirty="0"/>
+              <a:t> one training </a:t>
+            </a:r>
+            <a:r>
+              <a:rPr lang="it-IT" dirty="0" err="1"/>
+              <a:t>cycle</a:t>
+            </a:r>
+            <a:endParaRPr lang="it-IT" dirty="0"/>
+          </a:p>
+        </p:txBody>
+      </p:sp>
+      <p:sp>
+        <p:nvSpPr>
+          <p:cNvPr id="15" name="CasellaDiTesto 14"/>
+          <p:cNvSpPr txBox="1"/>
+          <p:nvPr/>
+        </p:nvSpPr>
+        <p:spPr>
+          <a:xfrm>
+            <a:off x="240265" y="3368710"/>
+            <a:ext cx="1328441" cy="646331"/>
+          </a:xfrm>
+          <a:prstGeom prst="rect">
+            <a:avLst/>
+          </a:prstGeom>
+          <a:noFill/>
+        </p:spPr>
+        <p:txBody>
+          <a:bodyPr wrap="none" rtlCol="0">
+            <a:spAutoFit/>
+          </a:bodyPr>
+          <a:lstStyle/>
+          <a:p>
+            <a:r>
+              <a:rPr lang="it-IT" dirty="0" err="1"/>
+              <a:t>Testing</a:t>
+            </a:r>
+            <a:r>
+              <a:rPr lang="it-IT" dirty="0"/>
+              <a:t> Data</a:t>
+            </a:r>
+          </a:p>
+          <a:p>
+            <a:r>
+              <a:rPr lang="it-IT" dirty="0"/>
+              <a:t>50 </a:t>
+            </a:r>
+            <a:r>
+              <a:rPr lang="it-IT" dirty="0" err="1"/>
+              <a:t>cases</a:t>
+            </a:r>
+            <a:endParaRPr lang="it-IT" dirty="0"/>
+          </a:p>
+        </p:txBody>
+      </p:sp>
+      <p:cxnSp>
+        <p:nvCxnSpPr>
+          <p:cNvPr id="17" name="Connettore 2 16"/>
+          <p:cNvCxnSpPr/>
+          <p:nvPr/>
+        </p:nvCxnSpPr>
+        <p:spPr>
+          <a:xfrm>
+            <a:off x="1660055" y="3587222"/>
+            <a:ext cx="377720" cy="0"/>
+          </a:xfrm>
+          <a:prstGeom prst="straightConnector1">
+            <a:avLst/>
+          </a:prstGeom>
+          <a:ln w="28575">
+            <a:solidFill>
+              <a:schemeClr val="tx1"/>
+            </a:solidFill>
+            <a:tailEnd type="triangle"/>
+          </a:ln>
+        </p:spPr>
+        <p:style>
+          <a:lnRef idx="1">
+            <a:schemeClr val="accent1"/>
+          </a:lnRef>
+          <a:fillRef idx="0">
+            <a:schemeClr val="accent1"/>
+          </a:fillRef>
+          <a:effectRef idx="0">
+            <a:schemeClr val="accent1"/>
+          </a:effectRef>
+          <a:fontRef idx="minor">
+            <a:schemeClr val="tx1"/>
+          </a:fontRef>
+        </p:style>
+      </p:cxnSp>
+      <p:graphicFrame>
+        <p:nvGraphicFramePr>
+          <p:cNvPr id="18" name="Tabella 17"/>
+          <p:cNvGraphicFramePr>
+            <a:graphicFrameLocks noGrp="1"/>
+          </p:cNvGraphicFramePr>
+          <p:nvPr>
+            <p:extLst>
+              <p:ext uri="{D42A27DB-BD31-4B8C-83A1-F6EECF244321}">
+                <p14:modId xmlns:p14="http://schemas.microsoft.com/office/powerpoint/2010/main" val="3223869459"/>
+              </p:ext>
+            </p:extLst>
+          </p:nvPr>
+        </p:nvGraphicFramePr>
+        <p:xfrm>
+          <a:off x="7946142" y="2114190"/>
+          <a:ext cx="4100308" cy="2330508"/>
+        </p:xfrm>
+        <a:graphic>
+          <a:graphicData uri="http://schemas.openxmlformats.org/drawingml/2006/table">
+            <a:tbl>
+              <a:tblPr firstRow="1" bandRow="1">
+                <a:tableStyleId>{5C22544A-7EE6-4342-B048-85BDC9FD1C3A}</a:tableStyleId>
+              </a:tblPr>
+              <a:tblGrid>
+                <a:gridCol w="1025077">
+                  <a:extLst>
+                    <a:ext uri="{9D8B030D-6E8A-4147-A177-3AD203B41FA5}">
+                      <a16:colId xmlns:a16="http://schemas.microsoft.com/office/drawing/2014/main" val="858362875"/>
+                    </a:ext>
+                  </a:extLst>
+                </a:gridCol>
+                <a:gridCol w="1025077">
+                  <a:extLst>
+                    <a:ext uri="{9D8B030D-6E8A-4147-A177-3AD203B41FA5}">
+                      <a16:colId xmlns:a16="http://schemas.microsoft.com/office/drawing/2014/main" val="2291237890"/>
+                    </a:ext>
+                  </a:extLst>
+                </a:gridCol>
+                <a:gridCol w="1025077">
+                  <a:extLst>
+                    <a:ext uri="{9D8B030D-6E8A-4147-A177-3AD203B41FA5}">
+                      <a16:colId xmlns:a16="http://schemas.microsoft.com/office/drawing/2014/main" val="2455533364"/>
+                    </a:ext>
+                  </a:extLst>
+                </a:gridCol>
+                <a:gridCol w="1025077">
+                  <a:extLst>
+                    <a:ext uri="{9D8B030D-6E8A-4147-A177-3AD203B41FA5}">
+                      <a16:colId xmlns:a16="http://schemas.microsoft.com/office/drawing/2014/main" val="922235418"/>
+                    </a:ext>
+                  </a:extLst>
+                </a:gridCol>
+              </a:tblGrid>
+              <a:tr h="582627">
+                <a:tc>
+                  <a:txBody>
+                    <a:bodyPr/>
+                    <a:lstStyle/>
+                    <a:p>
+                      <a:pPr algn="ctr"/>
+                      <a:endParaRPr lang="it-IT" sz="1600" dirty="0"/>
+                    </a:p>
+                  </a:txBody>
+                  <a:tcPr anchor="ctr"/>
+                </a:tc>
+                <a:tc>
+                  <a:txBody>
+                    <a:bodyPr/>
+                    <a:lstStyle/>
+                    <a:p>
+                      <a:pPr algn="ctr"/>
+                      <a:r>
+                        <a:rPr lang="it-IT" sz="1600" dirty="0"/>
+                        <a:t>Setosa</a:t>
+                      </a:r>
+                    </a:p>
+                  </a:txBody>
+                  <a:tcPr anchor="ctr"/>
+                </a:tc>
+                <a:tc>
+                  <a:txBody>
+                    <a:bodyPr/>
+                    <a:lstStyle/>
+                    <a:p>
+                      <a:pPr algn="ctr"/>
+                      <a:r>
+                        <a:rPr lang="it-IT" sz="1600" dirty="0" err="1"/>
+                        <a:t>Versicolor</a:t>
+                      </a:r>
+                      <a:endParaRPr lang="it-IT" sz="1600" dirty="0"/>
+                    </a:p>
+                  </a:txBody>
+                  <a:tcPr anchor="ctr"/>
+                </a:tc>
+                <a:tc>
+                  <a:txBody>
+                    <a:bodyPr/>
+                    <a:lstStyle/>
+                    <a:p>
+                      <a:pPr algn="ctr"/>
+                      <a:r>
+                        <a:rPr lang="it-IT" sz="1600" dirty="0" err="1"/>
+                        <a:t>Virginica</a:t>
+                      </a:r>
+                      <a:endParaRPr lang="it-IT" sz="1600" dirty="0"/>
+                    </a:p>
+                  </a:txBody>
+                  <a:tcPr anchor="ctr"/>
+                </a:tc>
+                <a:extLst>
+                  <a:ext uri="{0D108BD9-81ED-4DB2-BD59-A6C34878D82A}">
+                    <a16:rowId xmlns:a16="http://schemas.microsoft.com/office/drawing/2014/main" val="381119424"/>
+                  </a:ext>
+                </a:extLst>
+              </a:tr>
+              <a:tr h="582627">
+                <a:tc>
+                  <a:txBody>
+                    <a:bodyPr/>
+                    <a:lstStyle/>
+                    <a:p>
+                      <a:pPr algn="ctr"/>
+                      <a:r>
+                        <a:rPr lang="it-IT" sz="1400" dirty="0"/>
+                        <a:t>O1</a:t>
+                      </a:r>
+                    </a:p>
+                    <a:p>
+                      <a:pPr algn="ctr"/>
+                      <a:r>
+                        <a:rPr lang="it-IT" sz="1400" dirty="0"/>
+                        <a:t>Setosa</a:t>
+                      </a:r>
+                    </a:p>
+                  </a:txBody>
+                  <a:tcPr anchor="ctr"/>
+                </a:tc>
+                <a:tc>
+                  <a:txBody>
+                    <a:bodyPr/>
+                    <a:lstStyle/>
+                    <a:p>
+                      <a:pPr algn="ctr"/>
+                      <a:r>
+                        <a:rPr lang="it-IT" sz="1400" dirty="0"/>
+                        <a:t>14</a:t>
+                      </a:r>
+                    </a:p>
+                    <a:p>
+                      <a:pPr algn="ctr"/>
+                      <a:r>
+                        <a:rPr lang="it-IT" sz="1400" dirty="0" err="1">
+                          <a:highlight>
+                            <a:srgbClr val="00FF00"/>
+                          </a:highlight>
+                        </a:rPr>
+                        <a:t>Correct</a:t>
+                      </a:r>
+                      <a:endParaRPr lang="it-IT" sz="1400" dirty="0">
+                        <a:highlight>
+                          <a:srgbClr val="00FF00"/>
+                        </a:highlight>
+                      </a:endParaRPr>
+                    </a:p>
+                  </a:txBody>
+                  <a:tcPr anchor="ctr"/>
+                </a:tc>
+                <a:tc>
+                  <a:txBody>
+                    <a:bodyPr/>
+                    <a:lstStyle/>
+                    <a:p>
+                      <a:pPr algn="ctr"/>
+                      <a:r>
+                        <a:rPr lang="it-IT" sz="1400" dirty="0"/>
+                        <a:t>13</a:t>
+                      </a:r>
+                    </a:p>
+                    <a:p>
+                      <a:pPr algn="ctr"/>
+                      <a:r>
+                        <a:rPr lang="it-IT" sz="1400" dirty="0" err="1">
+                          <a:highlight>
+                            <a:srgbClr val="FF0000"/>
+                          </a:highlight>
+                        </a:rPr>
+                        <a:t>Wrong</a:t>
+                      </a:r>
+                      <a:endParaRPr lang="it-IT" sz="1400" dirty="0">
+                        <a:highlight>
+                          <a:srgbClr val="FF0000"/>
+                        </a:highlight>
+                      </a:endParaRPr>
+                    </a:p>
+                  </a:txBody>
+                  <a:tcPr anchor="ctr"/>
+                </a:tc>
+                <a:tc>
+                  <a:txBody>
+                    <a:bodyPr/>
+                    <a:lstStyle/>
+                    <a:p>
+                      <a:pPr algn="ctr"/>
+                      <a:r>
+                        <a:rPr lang="it-IT" sz="1400" dirty="0"/>
+                        <a:t>23</a:t>
+                      </a:r>
+                    </a:p>
+                    <a:p>
+                      <a:pPr algn="ctr"/>
+                      <a:r>
+                        <a:rPr lang="it-IT" sz="1400" dirty="0" err="1">
+                          <a:highlight>
+                            <a:srgbClr val="FF0000"/>
+                          </a:highlight>
+                        </a:rPr>
+                        <a:t>Wrong</a:t>
+                      </a:r>
+                      <a:endParaRPr lang="it-IT" sz="1400" dirty="0">
+                        <a:highlight>
+                          <a:srgbClr val="FF0000"/>
+                        </a:highlight>
+                      </a:endParaRPr>
+                    </a:p>
+                  </a:txBody>
+                  <a:tcPr anchor="ctr"/>
+                </a:tc>
+                <a:extLst>
+                  <a:ext uri="{0D108BD9-81ED-4DB2-BD59-A6C34878D82A}">
+                    <a16:rowId xmlns:a16="http://schemas.microsoft.com/office/drawing/2014/main" val="4043144427"/>
+                  </a:ext>
+                </a:extLst>
+              </a:tr>
+              <a:tr h="582627">
+                <a:tc>
+                  <a:txBody>
+                    <a:bodyPr/>
+                    <a:lstStyle/>
+                    <a:p>
+                      <a:pPr algn="ctr"/>
+                      <a:r>
+                        <a:rPr lang="it-IT" sz="1400" dirty="0"/>
+                        <a:t>O2 </a:t>
+                      </a:r>
+                      <a:r>
+                        <a:rPr lang="it-IT" sz="1400" dirty="0" err="1"/>
+                        <a:t>Versicolor</a:t>
+                      </a:r>
+                      <a:endParaRPr lang="it-IT" sz="1400" dirty="0"/>
+                    </a:p>
+                  </a:txBody>
+                  <a:tcPr anchor="ctr"/>
+                </a:tc>
+                <a:tc>
+                  <a:txBody>
+                    <a:bodyPr/>
+                    <a:lstStyle/>
+                    <a:p>
+                      <a:pPr algn="ctr"/>
+                      <a:endParaRPr lang="it-IT" sz="1400" dirty="0"/>
+                    </a:p>
+                  </a:txBody>
+                  <a:tcPr anchor="ctr"/>
+                </a:tc>
+                <a:tc>
+                  <a:txBody>
+                    <a:bodyPr/>
+                    <a:lstStyle/>
+                    <a:p>
+                      <a:pPr algn="ctr"/>
+                      <a:endParaRPr lang="it-IT" sz="1400" dirty="0"/>
+                    </a:p>
+                  </a:txBody>
+                  <a:tcPr anchor="ctr"/>
+                </a:tc>
+                <a:tc>
+                  <a:txBody>
+                    <a:bodyPr/>
+                    <a:lstStyle/>
+                    <a:p>
+                      <a:pPr algn="ctr"/>
+                      <a:endParaRPr lang="it-IT" sz="1400"/>
+                    </a:p>
+                  </a:txBody>
+                  <a:tcPr anchor="ctr"/>
+                </a:tc>
+                <a:extLst>
+                  <a:ext uri="{0D108BD9-81ED-4DB2-BD59-A6C34878D82A}">
+                    <a16:rowId xmlns:a16="http://schemas.microsoft.com/office/drawing/2014/main" val="4201442042"/>
+                  </a:ext>
+                </a:extLst>
+              </a:tr>
+              <a:tr h="582627">
+                <a:tc>
+                  <a:txBody>
+                    <a:bodyPr/>
+                    <a:lstStyle/>
+                    <a:p>
+                      <a:pPr algn="ctr"/>
+                      <a:r>
+                        <a:rPr lang="it-IT" sz="1400" dirty="0"/>
+                        <a:t>O3  </a:t>
+                      </a:r>
+                      <a:r>
+                        <a:rPr lang="it-IT" sz="1400" dirty="0" err="1"/>
+                        <a:t>Virginica</a:t>
+                      </a:r>
+                      <a:endParaRPr lang="it-IT" sz="1400" dirty="0"/>
+                    </a:p>
+                  </a:txBody>
+                  <a:tcPr anchor="ctr"/>
+                </a:tc>
+                <a:tc>
+                  <a:txBody>
+                    <a:bodyPr/>
+                    <a:lstStyle/>
+                    <a:p>
+                      <a:pPr algn="ctr"/>
+                      <a:endParaRPr lang="it-IT" sz="1400" dirty="0"/>
+                    </a:p>
+                  </a:txBody>
+                  <a:tcPr anchor="ctr"/>
+                </a:tc>
+                <a:tc>
+                  <a:txBody>
+                    <a:bodyPr/>
+                    <a:lstStyle/>
+                    <a:p>
+                      <a:pPr algn="ctr"/>
+                      <a:endParaRPr lang="it-IT" sz="1400" dirty="0"/>
+                    </a:p>
+                  </a:txBody>
+                  <a:tcPr anchor="ctr"/>
+                </a:tc>
+                <a:tc>
+                  <a:txBody>
+                    <a:bodyPr/>
+                    <a:lstStyle/>
+                    <a:p>
+                      <a:pPr algn="ctr"/>
+                      <a:endParaRPr lang="it-IT" sz="1400" dirty="0"/>
+                    </a:p>
+                  </a:txBody>
+                  <a:tcPr anchor="ctr"/>
+                </a:tc>
+                <a:extLst>
+                  <a:ext uri="{0D108BD9-81ED-4DB2-BD59-A6C34878D82A}">
+                    <a16:rowId xmlns:a16="http://schemas.microsoft.com/office/drawing/2014/main" val="3403647268"/>
+                  </a:ext>
+                </a:extLst>
+              </a:tr>
+            </a:tbl>
+          </a:graphicData>
+        </a:graphic>
+      </p:graphicFrame>
+      <p:sp>
+        <p:nvSpPr>
+          <p:cNvPr id="19" name="CasellaDiTesto 18"/>
+          <p:cNvSpPr txBox="1"/>
+          <p:nvPr/>
+        </p:nvSpPr>
+        <p:spPr>
+          <a:xfrm>
+            <a:off x="8901404" y="1388315"/>
+            <a:ext cx="2568267" cy="369332"/>
+          </a:xfrm>
+          <a:prstGeom prst="rect">
+            <a:avLst/>
+          </a:prstGeom>
+          <a:noFill/>
+        </p:spPr>
+        <p:txBody>
+          <a:bodyPr wrap="none" rtlCol="0">
+            <a:spAutoFit/>
+          </a:bodyPr>
+          <a:lstStyle/>
+          <a:p>
+            <a:r>
+              <a:rPr lang="it-IT" dirty="0"/>
+              <a:t>Output vs </a:t>
+            </a:r>
+            <a:r>
+              <a:rPr lang="it-IT" dirty="0" err="1"/>
+              <a:t>Correct</a:t>
+            </a:r>
+            <a:r>
+              <a:rPr lang="it-IT" dirty="0"/>
+              <a:t> </a:t>
+            </a:r>
+            <a:r>
+              <a:rPr lang="it-IT" dirty="0" err="1"/>
+              <a:t>Results</a:t>
+            </a:r>
+            <a:endParaRPr lang="it-IT" dirty="0"/>
+          </a:p>
+        </p:txBody>
+      </p:sp>
+      <p:sp>
+        <p:nvSpPr>
+          <p:cNvPr id="20" name="CasellaDiTesto 19"/>
+          <p:cNvSpPr txBox="1"/>
+          <p:nvPr/>
+        </p:nvSpPr>
+        <p:spPr>
+          <a:xfrm>
+            <a:off x="7867834" y="4518208"/>
+            <a:ext cx="4256923" cy="1015663"/>
+          </a:xfrm>
+          <a:prstGeom prst="rect">
+            <a:avLst/>
+          </a:prstGeom>
+          <a:noFill/>
+        </p:spPr>
+        <p:txBody>
+          <a:bodyPr wrap="square" rtlCol="0">
+            <a:spAutoFit/>
+          </a:bodyPr>
+          <a:lstStyle/>
+          <a:p>
+            <a:pPr algn="just"/>
+            <a:r>
+              <a:rPr lang="it-IT" sz="1400" dirty="0" err="1"/>
+              <a:t>After</a:t>
+            </a:r>
+            <a:r>
+              <a:rPr lang="it-IT" sz="1400" dirty="0"/>
+              <a:t> one </a:t>
+            </a:r>
+            <a:r>
+              <a:rPr lang="it-IT" sz="1400" dirty="0" err="1"/>
+              <a:t>cycle</a:t>
+            </a:r>
+            <a:r>
+              <a:rPr lang="it-IT" sz="1400" dirty="0"/>
+              <a:t> training the network </a:t>
+            </a:r>
+            <a:r>
+              <a:rPr lang="it-IT" sz="1400" dirty="0" err="1"/>
+              <a:t>is</a:t>
+            </a:r>
+            <a:r>
+              <a:rPr lang="it-IT" sz="1400" dirty="0"/>
+              <a:t> </a:t>
+            </a:r>
+            <a:r>
+              <a:rPr lang="it-IT" sz="1400" dirty="0" err="1"/>
+              <a:t>providing</a:t>
+            </a:r>
+            <a:r>
+              <a:rPr lang="it-IT" sz="1400" dirty="0"/>
+              <a:t> </a:t>
+            </a:r>
+            <a:r>
+              <a:rPr lang="it-IT" sz="1400" dirty="0" err="1"/>
+              <a:t>alway</a:t>
+            </a:r>
+            <a:r>
+              <a:rPr lang="it-IT" sz="1400" dirty="0"/>
+              <a:t> Setosa </a:t>
+            </a:r>
+            <a:r>
+              <a:rPr lang="it-IT" sz="1400" dirty="0" err="1"/>
+              <a:t>as</a:t>
+            </a:r>
+            <a:r>
+              <a:rPr lang="it-IT" sz="1400" dirty="0"/>
+              <a:t> </a:t>
+            </a:r>
+            <a:r>
+              <a:rPr lang="it-IT" sz="1400" dirty="0" err="1"/>
+              <a:t>results</a:t>
+            </a:r>
+            <a:r>
+              <a:rPr lang="it-IT" sz="1400" dirty="0"/>
+              <a:t>. The </a:t>
+            </a:r>
+            <a:r>
+              <a:rPr lang="it-IT" sz="1400" dirty="0" err="1"/>
+              <a:t>Correct</a:t>
+            </a:r>
+            <a:r>
+              <a:rPr lang="it-IT" sz="1400" dirty="0"/>
+              <a:t> </a:t>
+            </a:r>
+            <a:r>
+              <a:rPr lang="it-IT" sz="1400" dirty="0" err="1"/>
+              <a:t>Result</a:t>
+            </a:r>
+            <a:r>
+              <a:rPr lang="it-IT" sz="1400" dirty="0"/>
+              <a:t> </a:t>
+            </a:r>
+            <a:r>
+              <a:rPr lang="it-IT" sz="1400" dirty="0" err="1"/>
+              <a:t>was</a:t>
+            </a:r>
+            <a:r>
+              <a:rPr lang="it-IT" sz="1400" dirty="0"/>
+              <a:t> Setosa In 14 </a:t>
+            </a:r>
+            <a:r>
+              <a:rPr lang="it-IT" sz="1400" dirty="0" err="1"/>
+              <a:t>cases</a:t>
+            </a:r>
+            <a:r>
+              <a:rPr lang="it-IT" sz="1400" dirty="0"/>
+              <a:t>, </a:t>
+            </a:r>
+            <a:r>
+              <a:rPr lang="it-IT" sz="1400" dirty="0" err="1"/>
+              <a:t>Versicolor</a:t>
+            </a:r>
+            <a:r>
+              <a:rPr lang="it-IT" sz="1400" dirty="0"/>
+              <a:t> 13 </a:t>
+            </a:r>
+            <a:r>
+              <a:rPr lang="it-IT" sz="1400" dirty="0" err="1"/>
+              <a:t>cases</a:t>
+            </a:r>
+            <a:r>
+              <a:rPr lang="it-IT" sz="1400" dirty="0"/>
+              <a:t> and </a:t>
+            </a:r>
+            <a:r>
+              <a:rPr lang="it-IT" sz="1400" dirty="0" err="1"/>
+              <a:t>Virginica</a:t>
+            </a:r>
+            <a:r>
+              <a:rPr lang="it-IT" sz="1400" dirty="0"/>
+              <a:t> 23 </a:t>
+            </a:r>
+            <a:r>
+              <a:rPr lang="it-IT" sz="1400" dirty="0" err="1"/>
+              <a:t>cases</a:t>
+            </a:r>
+            <a:r>
+              <a:rPr lang="it-IT" sz="1400" dirty="0"/>
+              <a:t>. </a:t>
+            </a:r>
+          </a:p>
+          <a:p>
+            <a:pPr algn="just"/>
+            <a:r>
+              <a:rPr lang="it-IT" b="1" dirty="0"/>
+              <a:t>The </a:t>
+            </a:r>
+            <a:r>
+              <a:rPr lang="it-IT" b="1" dirty="0" err="1"/>
+              <a:t>resulting</a:t>
+            </a:r>
+            <a:r>
+              <a:rPr lang="it-IT" b="1" dirty="0"/>
+              <a:t> </a:t>
+            </a:r>
+            <a:r>
+              <a:rPr lang="it-IT" b="1" dirty="0" err="1"/>
+              <a:t>accuracy</a:t>
+            </a:r>
+            <a:r>
+              <a:rPr lang="it-IT" b="1" dirty="0"/>
+              <a:t> </a:t>
+            </a:r>
+            <a:r>
+              <a:rPr lang="it-IT" b="1" dirty="0" err="1"/>
+              <a:t>is</a:t>
+            </a:r>
+            <a:r>
+              <a:rPr lang="it-IT" b="1" dirty="0"/>
+              <a:t> 28%</a:t>
+            </a:r>
+          </a:p>
+        </p:txBody>
+      </p:sp>
+    </p:spTree>
+    <p:extLst>
+      <p:ext uri="{BB962C8B-B14F-4D97-AF65-F5344CB8AC3E}">
+        <p14:creationId xmlns:p14="http://schemas.microsoft.com/office/powerpoint/2010/main" val="1088821571"/>
+      </p:ext>
+    </p:extLst>
+  </p:cSld>
+  <p:clrMapOvr>
+    <a:masterClrMapping/>
+  </p:clrMapOvr>
+</p:sld>
+</file>
+
+<file path=ppt/slides/slide7.xml><?xml version="1.0" encoding="utf-8"?>
+<p:sld xmlns:a="http://schemas.openxmlformats.org/drawingml/2006/main" xmlns:r="http://schemas.openxmlformats.org/officeDocument/2006/relationships" xmlns:p="http://schemas.openxmlformats.org/presentationml/2006/main">
+  <p:cSld>
+    <p:spTree>
+      <p:nvGrpSpPr>
+        <p:cNvPr id="1" name=""/>
+        <p:cNvGrpSpPr/>
+        <p:nvPr/>
+      </p:nvGrpSpPr>
+      <p:grpSpPr>
+        <a:xfrm>
+          <a:off x="0" y="0"/>
+          <a:ext cx="0" cy="0"/>
+          <a:chOff x="0" y="0"/>
+          <a:chExt cx="0" cy="0"/>
+        </a:xfrm>
+      </p:grpSpPr>
+      <p:pic>
+        <p:nvPicPr>
+          <p:cNvPr id="16" name="Immagine 15"/>
+          <p:cNvPicPr>
+            <a:picLocks noChangeAspect="1"/>
+          </p:cNvPicPr>
+          <p:nvPr/>
+        </p:nvPicPr>
+        <p:blipFill>
+          <a:blip r:embed="rId2"/>
+          <a:stretch>
+            <a:fillRect/>
+          </a:stretch>
+        </p:blipFill>
+        <p:spPr>
+          <a:xfrm>
+            <a:off x="1848915" y="1676842"/>
+            <a:ext cx="7321712" cy="3203249"/>
+          </a:xfrm>
+          <a:prstGeom prst="rect">
+            <a:avLst/>
+          </a:prstGeom>
+        </p:spPr>
+      </p:pic>
+      <p:sp>
+        <p:nvSpPr>
+          <p:cNvPr id="3" name="CasellaDiTesto 2"/>
+          <p:cNvSpPr txBox="1"/>
+          <p:nvPr/>
+        </p:nvSpPr>
+        <p:spPr>
+          <a:xfrm>
+            <a:off x="4916725" y="2333266"/>
+            <a:ext cx="466794" cy="307777"/>
+          </a:xfrm>
+          <a:prstGeom prst="rect">
+            <a:avLst/>
+          </a:prstGeom>
+          <a:noFill/>
+        </p:spPr>
+        <p:txBody>
+          <a:bodyPr wrap="none" rtlCol="0">
+            <a:spAutoFit/>
+          </a:bodyPr>
+          <a:lstStyle/>
+          <a:p>
+            <a:r>
+              <a:rPr lang="it-IT" sz="1400" dirty="0"/>
+              <a:t>-5.5</a:t>
+            </a:r>
+          </a:p>
+        </p:txBody>
+      </p:sp>
+      <p:sp>
+        <p:nvSpPr>
+          <p:cNvPr id="4" name="CasellaDiTesto 3"/>
+          <p:cNvSpPr txBox="1"/>
+          <p:nvPr/>
+        </p:nvSpPr>
+        <p:spPr>
+          <a:xfrm>
+            <a:off x="3995246" y="2507167"/>
+            <a:ext cx="466794" cy="307777"/>
+          </a:xfrm>
+          <a:prstGeom prst="rect">
+            <a:avLst/>
+          </a:prstGeom>
+          <a:noFill/>
+        </p:spPr>
+        <p:txBody>
+          <a:bodyPr wrap="none" rtlCol="0">
+            <a:spAutoFit/>
+          </a:bodyPr>
+          <a:lstStyle/>
+          <a:p>
+            <a:r>
+              <a:rPr lang="it-IT" sz="1400" dirty="0"/>
+              <a:t>-5.2</a:t>
+            </a:r>
+          </a:p>
+        </p:txBody>
+      </p:sp>
+      <p:sp>
+        <p:nvSpPr>
+          <p:cNvPr id="5" name="CasellaDiTesto 4"/>
+          <p:cNvSpPr txBox="1"/>
+          <p:nvPr/>
+        </p:nvSpPr>
+        <p:spPr>
+          <a:xfrm>
+            <a:off x="3993087" y="3013435"/>
+            <a:ext cx="421910" cy="307777"/>
+          </a:xfrm>
+          <a:prstGeom prst="rect">
+            <a:avLst/>
+          </a:prstGeom>
+          <a:noFill/>
+        </p:spPr>
+        <p:txBody>
+          <a:bodyPr wrap="none" rtlCol="0">
+            <a:spAutoFit/>
+          </a:bodyPr>
+          <a:lstStyle/>
+          <a:p>
+            <a:r>
+              <a:rPr lang="it-IT" sz="1400" dirty="0"/>
+              <a:t>-21</a:t>
+            </a:r>
+          </a:p>
+        </p:txBody>
+      </p:sp>
+      <p:sp>
+        <p:nvSpPr>
+          <p:cNvPr id="6" name="CasellaDiTesto 5"/>
+          <p:cNvSpPr txBox="1"/>
+          <p:nvPr/>
+        </p:nvSpPr>
+        <p:spPr>
+          <a:xfrm>
+            <a:off x="3898699" y="3471453"/>
+            <a:ext cx="367408" cy="307777"/>
+          </a:xfrm>
+          <a:prstGeom prst="rect">
+            <a:avLst/>
+          </a:prstGeom>
+          <a:noFill/>
+        </p:spPr>
+        <p:txBody>
+          <a:bodyPr wrap="none" rtlCol="0">
+            <a:spAutoFit/>
+          </a:bodyPr>
+          <a:lstStyle/>
+          <a:p>
+            <a:r>
+              <a:rPr lang="it-IT" sz="1400" dirty="0"/>
+              <a:t>45</a:t>
+            </a:r>
+          </a:p>
+        </p:txBody>
+      </p:sp>
+      <p:sp>
+        <p:nvSpPr>
+          <p:cNvPr id="7" name="CasellaDiTesto 6"/>
+          <p:cNvSpPr txBox="1"/>
+          <p:nvPr/>
+        </p:nvSpPr>
+        <p:spPr>
+          <a:xfrm>
+            <a:off x="3747955" y="4071956"/>
+            <a:ext cx="367408" cy="307777"/>
+          </a:xfrm>
+          <a:prstGeom prst="rect">
+            <a:avLst/>
+          </a:prstGeom>
+          <a:noFill/>
+        </p:spPr>
+        <p:txBody>
+          <a:bodyPr wrap="none" rtlCol="0">
+            <a:spAutoFit/>
+          </a:bodyPr>
+          <a:lstStyle/>
+          <a:p>
+            <a:r>
+              <a:rPr lang="it-IT" sz="1400" dirty="0"/>
+              <a:t>20</a:t>
+            </a:r>
+          </a:p>
+        </p:txBody>
+      </p:sp>
+      <p:sp>
+        <p:nvSpPr>
+          <p:cNvPr id="8" name="CasellaDiTesto 7"/>
+          <p:cNvSpPr txBox="1"/>
+          <p:nvPr/>
+        </p:nvSpPr>
+        <p:spPr>
+          <a:xfrm>
+            <a:off x="7079165" y="2198716"/>
+            <a:ext cx="276038" cy="307777"/>
+          </a:xfrm>
+          <a:prstGeom prst="rect">
+            <a:avLst/>
+          </a:prstGeom>
+          <a:noFill/>
+        </p:spPr>
+        <p:txBody>
+          <a:bodyPr wrap="none" rtlCol="0">
+            <a:spAutoFit/>
+          </a:bodyPr>
+          <a:lstStyle/>
+          <a:p>
+            <a:r>
+              <a:rPr lang="it-IT" sz="1400" dirty="0"/>
+              <a:t>9</a:t>
+            </a:r>
+          </a:p>
+        </p:txBody>
+      </p:sp>
+      <p:sp>
+        <p:nvSpPr>
+          <p:cNvPr id="9" name="CasellaDiTesto 8"/>
+          <p:cNvSpPr txBox="1"/>
+          <p:nvPr/>
+        </p:nvSpPr>
+        <p:spPr>
+          <a:xfrm>
+            <a:off x="6948631" y="2527439"/>
+            <a:ext cx="421910" cy="307777"/>
+          </a:xfrm>
+          <a:prstGeom prst="rect">
+            <a:avLst/>
+          </a:prstGeom>
+          <a:noFill/>
+        </p:spPr>
+        <p:txBody>
+          <a:bodyPr wrap="none" rtlCol="0">
+            <a:spAutoFit/>
+          </a:bodyPr>
+          <a:lstStyle/>
+          <a:p>
+            <a:r>
+              <a:rPr lang="it-IT" sz="1400" dirty="0"/>
+              <a:t>-19</a:t>
+            </a:r>
+          </a:p>
+        </p:txBody>
+      </p:sp>
+      <p:sp>
+        <p:nvSpPr>
+          <p:cNvPr id="10" name="CasellaDiTesto 9"/>
+          <p:cNvSpPr txBox="1"/>
+          <p:nvPr/>
+        </p:nvSpPr>
+        <p:spPr>
+          <a:xfrm>
+            <a:off x="6760733" y="2680483"/>
+            <a:ext cx="330540" cy="307777"/>
+          </a:xfrm>
+          <a:prstGeom prst="rect">
+            <a:avLst/>
+          </a:prstGeom>
+          <a:noFill/>
+        </p:spPr>
+        <p:txBody>
+          <a:bodyPr wrap="none" rtlCol="0">
+            <a:spAutoFit/>
+          </a:bodyPr>
+          <a:lstStyle/>
+          <a:p>
+            <a:r>
+              <a:rPr lang="it-IT" sz="1400" dirty="0"/>
+              <a:t>-5</a:t>
+            </a:r>
+          </a:p>
+        </p:txBody>
+      </p:sp>
+      <p:sp>
+        <p:nvSpPr>
+          <p:cNvPr id="11" name="CasellaDiTesto 10"/>
+          <p:cNvSpPr txBox="1"/>
+          <p:nvPr/>
+        </p:nvSpPr>
+        <p:spPr>
+          <a:xfrm>
+            <a:off x="6171802" y="2970690"/>
+            <a:ext cx="412292" cy="307777"/>
+          </a:xfrm>
+          <a:prstGeom prst="rect">
+            <a:avLst/>
+          </a:prstGeom>
+          <a:noFill/>
+        </p:spPr>
+        <p:txBody>
+          <a:bodyPr wrap="none" rtlCol="0">
+            <a:spAutoFit/>
+          </a:bodyPr>
+          <a:lstStyle/>
+          <a:p>
+            <a:r>
+              <a:rPr lang="it-IT" sz="1400" dirty="0"/>
+              <a:t>9.6</a:t>
+            </a:r>
+          </a:p>
+        </p:txBody>
+      </p:sp>
+      <p:sp>
+        <p:nvSpPr>
+          <p:cNvPr id="12" name="CasellaDiTesto 11"/>
+          <p:cNvSpPr txBox="1"/>
+          <p:nvPr/>
+        </p:nvSpPr>
+        <p:spPr>
+          <a:xfrm>
+            <a:off x="6527336" y="3519703"/>
+            <a:ext cx="466794" cy="307777"/>
+          </a:xfrm>
+          <a:prstGeom prst="rect">
+            <a:avLst/>
+          </a:prstGeom>
+          <a:noFill/>
+        </p:spPr>
+        <p:txBody>
+          <a:bodyPr wrap="none" rtlCol="0">
+            <a:spAutoFit/>
+          </a:bodyPr>
+          <a:lstStyle/>
+          <a:p>
+            <a:r>
+              <a:rPr lang="it-IT" sz="1400" dirty="0"/>
+              <a:t>-3.4</a:t>
+            </a:r>
+          </a:p>
+        </p:txBody>
+      </p:sp>
+      <p:sp>
+        <p:nvSpPr>
+          <p:cNvPr id="13" name="CasellaDiTesto 12"/>
+          <p:cNvSpPr txBox="1"/>
+          <p:nvPr/>
+        </p:nvSpPr>
+        <p:spPr>
+          <a:xfrm>
+            <a:off x="6171802" y="3906991"/>
+            <a:ext cx="412292" cy="307777"/>
+          </a:xfrm>
+          <a:prstGeom prst="rect">
+            <a:avLst/>
+          </a:prstGeom>
+          <a:noFill/>
+        </p:spPr>
+        <p:txBody>
+          <a:bodyPr wrap="none" rtlCol="0">
+            <a:spAutoFit/>
+          </a:bodyPr>
+          <a:lstStyle/>
+          <a:p>
+            <a:r>
+              <a:rPr lang="it-IT" sz="1400" dirty="0"/>
+              <a:t>7.7</a:t>
+            </a:r>
+          </a:p>
+        </p:txBody>
+      </p:sp>
+      <p:sp>
+        <p:nvSpPr>
+          <p:cNvPr id="14" name="CasellaDiTesto 13"/>
+          <p:cNvSpPr txBox="1"/>
+          <p:nvPr/>
+        </p:nvSpPr>
+        <p:spPr>
+          <a:xfrm>
+            <a:off x="3205356" y="1393052"/>
+            <a:ext cx="4388958" cy="369332"/>
+          </a:xfrm>
+          <a:prstGeom prst="rect">
+            <a:avLst/>
+          </a:prstGeom>
+          <a:noFill/>
+        </p:spPr>
+        <p:txBody>
+          <a:bodyPr wrap="none" rtlCol="0">
+            <a:spAutoFit/>
+          </a:bodyPr>
+          <a:lstStyle/>
+          <a:p>
+            <a:r>
+              <a:rPr lang="it-IT" dirty="0" err="1"/>
+              <a:t>Neural</a:t>
+            </a:r>
+            <a:r>
+              <a:rPr lang="it-IT" dirty="0"/>
+              <a:t> Network </a:t>
+            </a:r>
+            <a:r>
+              <a:rPr lang="it-IT" dirty="0" err="1"/>
+              <a:t>after</a:t>
+            </a:r>
+            <a:r>
+              <a:rPr lang="it-IT" dirty="0"/>
+              <a:t> multiple training </a:t>
+            </a:r>
+            <a:r>
+              <a:rPr lang="it-IT" dirty="0" err="1"/>
+              <a:t>cycles</a:t>
+            </a:r>
+            <a:endParaRPr lang="it-IT" dirty="0"/>
+          </a:p>
+        </p:txBody>
+      </p:sp>
+      <p:sp>
+        <p:nvSpPr>
+          <p:cNvPr id="15" name="CasellaDiTesto 14"/>
+          <p:cNvSpPr txBox="1"/>
+          <p:nvPr/>
+        </p:nvSpPr>
+        <p:spPr>
+          <a:xfrm>
+            <a:off x="240265" y="3368710"/>
+            <a:ext cx="1328441" cy="646331"/>
+          </a:xfrm>
+          <a:prstGeom prst="rect">
+            <a:avLst/>
+          </a:prstGeom>
+          <a:noFill/>
+        </p:spPr>
+        <p:txBody>
+          <a:bodyPr wrap="none" rtlCol="0">
+            <a:spAutoFit/>
+          </a:bodyPr>
+          <a:lstStyle/>
+          <a:p>
+            <a:r>
+              <a:rPr lang="it-IT" dirty="0" err="1"/>
+              <a:t>Testing</a:t>
+            </a:r>
+            <a:r>
+              <a:rPr lang="it-IT" dirty="0"/>
+              <a:t> Data</a:t>
+            </a:r>
+          </a:p>
+          <a:p>
+            <a:r>
+              <a:rPr lang="it-IT" dirty="0"/>
+              <a:t>50 </a:t>
+            </a:r>
+            <a:r>
+              <a:rPr lang="it-IT" dirty="0" err="1"/>
+              <a:t>cases</a:t>
+            </a:r>
+            <a:endParaRPr lang="it-IT" dirty="0"/>
+          </a:p>
+        </p:txBody>
+      </p:sp>
+      <p:cxnSp>
+        <p:nvCxnSpPr>
+          <p:cNvPr id="17" name="Connettore 2 16"/>
+          <p:cNvCxnSpPr/>
+          <p:nvPr/>
+        </p:nvCxnSpPr>
+        <p:spPr>
+          <a:xfrm>
+            <a:off x="1660055" y="3587222"/>
+            <a:ext cx="377720" cy="0"/>
+          </a:xfrm>
+          <a:prstGeom prst="straightConnector1">
+            <a:avLst/>
+          </a:prstGeom>
+          <a:ln w="28575">
+            <a:solidFill>
+              <a:schemeClr val="tx1"/>
+            </a:solidFill>
+            <a:tailEnd type="triangle"/>
+          </a:ln>
+        </p:spPr>
+        <p:style>
+          <a:lnRef idx="1">
+            <a:schemeClr val="accent1"/>
+          </a:lnRef>
+          <a:fillRef idx="0">
+            <a:schemeClr val="accent1"/>
+          </a:fillRef>
+          <a:effectRef idx="0">
+            <a:schemeClr val="accent1"/>
+          </a:effectRef>
+          <a:fontRef idx="minor">
+            <a:schemeClr val="tx1"/>
+          </a:fontRef>
+        </p:style>
+      </p:cxnSp>
+      <p:graphicFrame>
+        <p:nvGraphicFramePr>
+          <p:cNvPr id="18" name="Tabella 17"/>
+          <p:cNvGraphicFramePr>
+            <a:graphicFrameLocks noGrp="1"/>
+          </p:cNvGraphicFramePr>
+          <p:nvPr>
+            <p:extLst>
+              <p:ext uri="{D42A27DB-BD31-4B8C-83A1-F6EECF244321}">
+                <p14:modId xmlns:p14="http://schemas.microsoft.com/office/powerpoint/2010/main" val="2978611633"/>
+              </p:ext>
+            </p:extLst>
+          </p:nvPr>
+        </p:nvGraphicFramePr>
+        <p:xfrm>
+          <a:off x="7946142" y="2114190"/>
+          <a:ext cx="4100308" cy="2330508"/>
+        </p:xfrm>
+        <a:graphic>
+          <a:graphicData uri="http://schemas.openxmlformats.org/drawingml/2006/table">
+            <a:tbl>
+              <a:tblPr firstRow="1" bandRow="1">
+                <a:tableStyleId>{5C22544A-7EE6-4342-B048-85BDC9FD1C3A}</a:tableStyleId>
+              </a:tblPr>
+              <a:tblGrid>
+                <a:gridCol w="1025077">
+                  <a:extLst>
+                    <a:ext uri="{9D8B030D-6E8A-4147-A177-3AD203B41FA5}">
+                      <a16:colId xmlns:a16="http://schemas.microsoft.com/office/drawing/2014/main" val="858362875"/>
+                    </a:ext>
+                  </a:extLst>
+                </a:gridCol>
+                <a:gridCol w="1025077">
+                  <a:extLst>
+                    <a:ext uri="{9D8B030D-6E8A-4147-A177-3AD203B41FA5}">
+                      <a16:colId xmlns:a16="http://schemas.microsoft.com/office/drawing/2014/main" val="2291237890"/>
+                    </a:ext>
+                  </a:extLst>
+                </a:gridCol>
+                <a:gridCol w="1025077">
+                  <a:extLst>
+                    <a:ext uri="{9D8B030D-6E8A-4147-A177-3AD203B41FA5}">
+                      <a16:colId xmlns:a16="http://schemas.microsoft.com/office/drawing/2014/main" val="2455533364"/>
+                    </a:ext>
+                  </a:extLst>
+                </a:gridCol>
+                <a:gridCol w="1025077">
+                  <a:extLst>
+                    <a:ext uri="{9D8B030D-6E8A-4147-A177-3AD203B41FA5}">
+                      <a16:colId xmlns:a16="http://schemas.microsoft.com/office/drawing/2014/main" val="922235418"/>
+                    </a:ext>
+                  </a:extLst>
+                </a:gridCol>
+              </a:tblGrid>
+              <a:tr h="582627">
+                <a:tc>
+                  <a:txBody>
+                    <a:bodyPr/>
+                    <a:lstStyle/>
+                    <a:p>
+                      <a:pPr algn="ctr"/>
+                      <a:endParaRPr lang="it-IT" sz="1600" dirty="0"/>
+                    </a:p>
+                  </a:txBody>
+                  <a:tcPr anchor="ctr"/>
+                </a:tc>
+                <a:tc>
+                  <a:txBody>
+                    <a:bodyPr/>
+                    <a:lstStyle/>
+                    <a:p>
+                      <a:pPr algn="ctr"/>
+                      <a:r>
+                        <a:rPr lang="it-IT" sz="1600" dirty="0"/>
+                        <a:t>Setosa</a:t>
+                      </a:r>
+                    </a:p>
+                  </a:txBody>
+                  <a:tcPr anchor="ctr"/>
+                </a:tc>
+                <a:tc>
+                  <a:txBody>
+                    <a:bodyPr/>
+                    <a:lstStyle/>
+                    <a:p>
+                      <a:pPr algn="ctr"/>
+                      <a:r>
+                        <a:rPr lang="it-IT" sz="1600" dirty="0" err="1"/>
+                        <a:t>Versicolor</a:t>
+                      </a:r>
+                      <a:endParaRPr lang="it-IT" sz="1600" dirty="0"/>
+                    </a:p>
+                  </a:txBody>
+                  <a:tcPr anchor="ctr"/>
+                </a:tc>
+                <a:tc>
+                  <a:txBody>
+                    <a:bodyPr/>
+                    <a:lstStyle/>
+                    <a:p>
+                      <a:pPr algn="ctr"/>
+                      <a:r>
+                        <a:rPr lang="it-IT" sz="1600" dirty="0" err="1"/>
+                        <a:t>Virginica</a:t>
+                      </a:r>
+                      <a:endParaRPr lang="it-IT" sz="1600" dirty="0"/>
+                    </a:p>
+                  </a:txBody>
+                  <a:tcPr anchor="ctr"/>
+                </a:tc>
+                <a:extLst>
+                  <a:ext uri="{0D108BD9-81ED-4DB2-BD59-A6C34878D82A}">
+                    <a16:rowId xmlns:a16="http://schemas.microsoft.com/office/drawing/2014/main" val="381119424"/>
+                  </a:ext>
+                </a:extLst>
+              </a:tr>
+              <a:tr h="582627">
+                <a:tc>
+                  <a:txBody>
+                    <a:bodyPr/>
+                    <a:lstStyle/>
+                    <a:p>
+                      <a:pPr algn="ctr"/>
+                      <a:r>
+                        <a:rPr lang="it-IT" sz="1400" dirty="0"/>
+                        <a:t>O1</a:t>
+                      </a:r>
+                    </a:p>
+                    <a:p>
+                      <a:pPr algn="ctr"/>
+                      <a:r>
+                        <a:rPr lang="it-IT" sz="1400" dirty="0"/>
+                        <a:t>Setosa</a:t>
+                      </a:r>
+                    </a:p>
+                  </a:txBody>
+                  <a:tcPr anchor="ctr"/>
+                </a:tc>
+                <a:tc>
+                  <a:txBody>
+                    <a:bodyPr/>
+                    <a:lstStyle/>
+                    <a:p>
+                      <a:pPr algn="ctr"/>
+                      <a:r>
+                        <a:rPr lang="it-IT" sz="1400" dirty="0"/>
+                        <a:t>14</a:t>
+                      </a:r>
+                    </a:p>
+                    <a:p>
+                      <a:pPr algn="ctr"/>
+                      <a:r>
+                        <a:rPr lang="it-IT" sz="1400" dirty="0" err="1">
+                          <a:highlight>
+                            <a:srgbClr val="00FF00"/>
+                          </a:highlight>
+                        </a:rPr>
+                        <a:t>Correct</a:t>
+                      </a:r>
+                      <a:endParaRPr lang="it-IT" sz="1400" dirty="0">
+                        <a:highlight>
+                          <a:srgbClr val="00FF00"/>
+                        </a:highlight>
+                      </a:endParaRPr>
+                    </a:p>
+                  </a:txBody>
+                  <a:tcPr anchor="ctr"/>
+                </a:tc>
+                <a:tc>
+                  <a:txBody>
+                    <a:bodyPr/>
+                    <a:lstStyle/>
+                    <a:p>
+                      <a:pPr algn="ctr"/>
+                      <a:endParaRPr lang="it-IT" sz="1400" dirty="0"/>
+                    </a:p>
+                  </a:txBody>
+                  <a:tcPr anchor="ctr"/>
+                </a:tc>
+                <a:tc>
+                  <a:txBody>
+                    <a:bodyPr/>
+                    <a:lstStyle/>
+                    <a:p>
+                      <a:pPr algn="ctr"/>
+                      <a:endParaRPr lang="it-IT" sz="1400" dirty="0"/>
+                    </a:p>
+                  </a:txBody>
+                  <a:tcPr anchor="ctr"/>
+                </a:tc>
+                <a:extLst>
+                  <a:ext uri="{0D108BD9-81ED-4DB2-BD59-A6C34878D82A}">
+                    <a16:rowId xmlns:a16="http://schemas.microsoft.com/office/drawing/2014/main" val="4043144427"/>
+                  </a:ext>
+                </a:extLst>
+              </a:tr>
+              <a:tr h="582627">
+                <a:tc>
+                  <a:txBody>
+                    <a:bodyPr/>
+                    <a:lstStyle/>
+                    <a:p>
+                      <a:pPr algn="ctr"/>
+                      <a:r>
+                        <a:rPr lang="it-IT" sz="1400" dirty="0"/>
+                        <a:t>O2 </a:t>
+                      </a:r>
+                      <a:r>
+                        <a:rPr lang="it-IT" sz="1400" dirty="0" err="1"/>
+                        <a:t>Versicolor</a:t>
+                      </a:r>
+                      <a:endParaRPr lang="it-IT" sz="1400" dirty="0"/>
+                    </a:p>
+                  </a:txBody>
+                  <a:tcPr anchor="ctr"/>
+                </a:tc>
+                <a:tc>
+                  <a:txBody>
+                    <a:bodyPr/>
+                    <a:lstStyle/>
+                    <a:p>
+                      <a:pPr algn="ctr"/>
+                      <a:endParaRPr lang="it-IT" sz="1400" dirty="0"/>
+                    </a:p>
+                  </a:txBody>
+                  <a:tcPr anchor="ctr"/>
+                </a:tc>
+                <a:tc>
+                  <a:txBody>
+                    <a:bodyPr/>
+                    <a:lstStyle/>
+                    <a:p>
+                      <a:pPr algn="ctr"/>
+                      <a:r>
+                        <a:rPr lang="it-IT" sz="1400" dirty="0"/>
+                        <a:t>13</a:t>
+                      </a:r>
+                    </a:p>
+                    <a:p>
+                      <a:pPr algn="ctr"/>
+                      <a:r>
+                        <a:rPr lang="it-IT" sz="1400" dirty="0" err="1">
+                          <a:highlight>
+                            <a:srgbClr val="00FF00"/>
+                          </a:highlight>
+                        </a:rPr>
+                        <a:t>Correct</a:t>
+                      </a:r>
+                      <a:endParaRPr lang="it-IT" sz="1400" dirty="0">
+                        <a:highlight>
+                          <a:srgbClr val="00FF00"/>
+                        </a:highlight>
+                      </a:endParaRPr>
+                    </a:p>
+                  </a:txBody>
+                  <a:tcPr anchor="ctr"/>
+                </a:tc>
+                <a:tc>
+                  <a:txBody>
+                    <a:bodyPr/>
+                    <a:lstStyle/>
+                    <a:p>
+                      <a:pPr algn="ctr"/>
+                      <a:r>
+                        <a:rPr lang="it-IT" sz="1400" dirty="0"/>
+                        <a:t>23</a:t>
+                      </a:r>
+                    </a:p>
+                    <a:p>
+                      <a:pPr algn="ctr"/>
+                      <a:r>
+                        <a:rPr lang="it-IT" sz="1400" dirty="0" err="1">
+                          <a:highlight>
+                            <a:srgbClr val="FF0000"/>
+                          </a:highlight>
+                        </a:rPr>
+                        <a:t>Wrong</a:t>
+                      </a:r>
+                      <a:endParaRPr lang="it-IT" sz="1400" dirty="0">
+                        <a:highlight>
+                          <a:srgbClr val="FF0000"/>
+                        </a:highlight>
+                      </a:endParaRPr>
+                    </a:p>
+                  </a:txBody>
+                  <a:tcPr anchor="ctr"/>
+                </a:tc>
+                <a:extLst>
+                  <a:ext uri="{0D108BD9-81ED-4DB2-BD59-A6C34878D82A}">
+                    <a16:rowId xmlns:a16="http://schemas.microsoft.com/office/drawing/2014/main" val="4201442042"/>
+                  </a:ext>
+                </a:extLst>
+              </a:tr>
+              <a:tr h="582627">
+                <a:tc>
+                  <a:txBody>
+                    <a:bodyPr/>
+                    <a:lstStyle/>
+                    <a:p>
+                      <a:pPr algn="ctr"/>
+                      <a:r>
+                        <a:rPr lang="it-IT" sz="1400" dirty="0"/>
+                        <a:t>O3  </a:t>
+                      </a:r>
+                      <a:r>
+                        <a:rPr lang="it-IT" sz="1400" dirty="0" err="1"/>
+                        <a:t>Virginica</a:t>
+                      </a:r>
+                      <a:endParaRPr lang="it-IT" sz="1400" dirty="0"/>
+                    </a:p>
+                  </a:txBody>
+                  <a:tcPr anchor="ctr"/>
+                </a:tc>
+                <a:tc>
+                  <a:txBody>
+                    <a:bodyPr/>
+                    <a:lstStyle/>
+                    <a:p>
+                      <a:pPr algn="ctr"/>
+                      <a:endParaRPr lang="it-IT" sz="1400" dirty="0"/>
+                    </a:p>
+                  </a:txBody>
+                  <a:tcPr anchor="ctr"/>
+                </a:tc>
+                <a:tc>
+                  <a:txBody>
+                    <a:bodyPr/>
+                    <a:lstStyle/>
+                    <a:p>
+                      <a:pPr algn="ctr"/>
+                      <a:endParaRPr lang="it-IT" sz="1400" dirty="0"/>
+                    </a:p>
+                  </a:txBody>
+                  <a:tcPr anchor="ctr"/>
+                </a:tc>
+                <a:tc>
+                  <a:txBody>
+                    <a:bodyPr/>
+                    <a:lstStyle/>
+                    <a:p>
+                      <a:pPr algn="ctr"/>
+                      <a:endParaRPr lang="it-IT" sz="1400" dirty="0"/>
+                    </a:p>
+                  </a:txBody>
+                  <a:tcPr anchor="ctr"/>
+                </a:tc>
+                <a:extLst>
+                  <a:ext uri="{0D108BD9-81ED-4DB2-BD59-A6C34878D82A}">
+                    <a16:rowId xmlns:a16="http://schemas.microsoft.com/office/drawing/2014/main" val="3403647268"/>
+                  </a:ext>
+                </a:extLst>
+              </a:tr>
+            </a:tbl>
+          </a:graphicData>
+        </a:graphic>
+      </p:graphicFrame>
+      <p:sp>
+        <p:nvSpPr>
+          <p:cNvPr id="19" name="CasellaDiTesto 18"/>
+          <p:cNvSpPr txBox="1"/>
+          <p:nvPr/>
+        </p:nvSpPr>
+        <p:spPr>
+          <a:xfrm>
+            <a:off x="8901404" y="1388315"/>
+            <a:ext cx="2568267" cy="369332"/>
+          </a:xfrm>
+          <a:prstGeom prst="rect">
+            <a:avLst/>
+          </a:prstGeom>
+          <a:noFill/>
+        </p:spPr>
+        <p:txBody>
+          <a:bodyPr wrap="none" rtlCol="0">
+            <a:spAutoFit/>
+          </a:bodyPr>
+          <a:lstStyle/>
+          <a:p>
+            <a:r>
+              <a:rPr lang="it-IT" dirty="0"/>
+              <a:t>Output vs </a:t>
+            </a:r>
+            <a:r>
+              <a:rPr lang="it-IT" dirty="0" err="1"/>
+              <a:t>Correct</a:t>
+            </a:r>
+            <a:r>
+              <a:rPr lang="it-IT" dirty="0"/>
+              <a:t> </a:t>
+            </a:r>
+            <a:r>
+              <a:rPr lang="it-IT" dirty="0" err="1"/>
+              <a:t>Results</a:t>
+            </a:r>
+            <a:endParaRPr lang="it-IT" dirty="0"/>
+          </a:p>
+        </p:txBody>
+      </p:sp>
+      <p:sp>
+        <p:nvSpPr>
+          <p:cNvPr id="20" name="CasellaDiTesto 19"/>
+          <p:cNvSpPr txBox="1"/>
+          <p:nvPr/>
+        </p:nvSpPr>
+        <p:spPr>
+          <a:xfrm>
+            <a:off x="7867834" y="4518208"/>
+            <a:ext cx="4256923" cy="1231106"/>
+          </a:xfrm>
+          <a:prstGeom prst="rect">
+            <a:avLst/>
+          </a:prstGeom>
+          <a:noFill/>
+        </p:spPr>
+        <p:txBody>
+          <a:bodyPr wrap="square" rtlCol="0">
+            <a:spAutoFit/>
+          </a:bodyPr>
+          <a:lstStyle/>
+          <a:p>
+            <a:pPr algn="just"/>
+            <a:r>
+              <a:rPr lang="it-IT" sz="1400" dirty="0" err="1"/>
+              <a:t>After</a:t>
+            </a:r>
+            <a:r>
+              <a:rPr lang="it-IT" sz="1400" dirty="0"/>
+              <a:t> </a:t>
+            </a:r>
+            <a:r>
+              <a:rPr lang="it-IT" sz="1400" dirty="0" err="1"/>
+              <a:t>several</a:t>
+            </a:r>
+            <a:r>
+              <a:rPr lang="it-IT" sz="1400" dirty="0"/>
+              <a:t> </a:t>
+            </a:r>
+            <a:r>
+              <a:rPr lang="it-IT" sz="1400" dirty="0" err="1"/>
+              <a:t>cycles</a:t>
+            </a:r>
+            <a:r>
+              <a:rPr lang="it-IT" sz="1400" dirty="0"/>
+              <a:t> training the network </a:t>
+            </a:r>
+            <a:r>
+              <a:rPr lang="it-IT" sz="1400" dirty="0" err="1"/>
+              <a:t>is</a:t>
+            </a:r>
+            <a:r>
+              <a:rPr lang="it-IT" sz="1400" dirty="0"/>
+              <a:t> </a:t>
+            </a:r>
+            <a:r>
+              <a:rPr lang="it-IT" sz="1400" dirty="0" err="1"/>
+              <a:t>providing</a:t>
+            </a:r>
+            <a:r>
+              <a:rPr lang="it-IT" sz="1400" dirty="0"/>
+              <a:t> Setosa and </a:t>
+            </a:r>
+            <a:r>
+              <a:rPr lang="it-IT" sz="1400" dirty="0" err="1"/>
+              <a:t>Versicolor</a:t>
+            </a:r>
+            <a:r>
+              <a:rPr lang="it-IT" sz="1400" dirty="0"/>
+              <a:t> </a:t>
+            </a:r>
+            <a:r>
+              <a:rPr lang="it-IT" sz="1400" dirty="0" err="1"/>
+              <a:t>results</a:t>
+            </a:r>
+            <a:r>
+              <a:rPr lang="it-IT" sz="1400" dirty="0"/>
+              <a:t>. The Setosa </a:t>
+            </a:r>
+            <a:r>
+              <a:rPr lang="it-IT" sz="1400" dirty="0" err="1"/>
+              <a:t>was</a:t>
+            </a:r>
+            <a:r>
+              <a:rPr lang="it-IT" sz="1400" dirty="0"/>
+              <a:t> </a:t>
+            </a:r>
+            <a:r>
+              <a:rPr lang="it-IT" sz="1400" dirty="0" err="1"/>
+              <a:t>correctly</a:t>
+            </a:r>
+            <a:r>
+              <a:rPr lang="it-IT" sz="1400" dirty="0"/>
+              <a:t> </a:t>
+            </a:r>
+            <a:r>
+              <a:rPr lang="it-IT" sz="1400" dirty="0" err="1"/>
+              <a:t>classified</a:t>
+            </a:r>
+            <a:r>
+              <a:rPr lang="it-IT" sz="1400" dirty="0"/>
+              <a:t>, </a:t>
+            </a:r>
+            <a:r>
+              <a:rPr lang="it-IT" sz="1400" dirty="0" err="1"/>
+              <a:t>While</a:t>
+            </a:r>
+            <a:r>
+              <a:rPr lang="it-IT" sz="1400" dirty="0"/>
+              <a:t> </a:t>
+            </a:r>
+            <a:r>
+              <a:rPr lang="it-IT" sz="1400" dirty="0" err="1"/>
+              <a:t>Versicolor</a:t>
+            </a:r>
+            <a:r>
+              <a:rPr lang="it-IT" sz="1400" dirty="0"/>
+              <a:t> </a:t>
+            </a:r>
+            <a:r>
+              <a:rPr lang="it-IT" sz="1400" dirty="0" err="1"/>
+              <a:t>was</a:t>
+            </a:r>
+            <a:r>
+              <a:rPr lang="it-IT" sz="1400" dirty="0"/>
+              <a:t> </a:t>
+            </a:r>
+            <a:r>
+              <a:rPr lang="it-IT" sz="1400" dirty="0" err="1"/>
+              <a:t>correctly</a:t>
+            </a:r>
+            <a:r>
+              <a:rPr lang="it-IT" sz="1400" dirty="0"/>
+              <a:t> </a:t>
+            </a:r>
+            <a:r>
+              <a:rPr lang="it-IT" sz="1400" dirty="0" err="1"/>
+              <a:t>classified</a:t>
+            </a:r>
+            <a:r>
+              <a:rPr lang="it-IT" sz="1400" dirty="0"/>
+              <a:t> 13 </a:t>
+            </a:r>
+            <a:r>
+              <a:rPr lang="it-IT" sz="1400" dirty="0" err="1"/>
+              <a:t>times</a:t>
+            </a:r>
+            <a:r>
+              <a:rPr lang="it-IT" sz="1400" dirty="0"/>
+              <a:t> and 23 </a:t>
+            </a:r>
+            <a:r>
+              <a:rPr lang="it-IT" sz="1400" dirty="0" err="1"/>
+              <a:t>times</a:t>
+            </a:r>
+            <a:r>
+              <a:rPr lang="it-IT" sz="1400" dirty="0"/>
+              <a:t> </a:t>
+            </a:r>
+            <a:r>
+              <a:rPr lang="it-IT" sz="1400" dirty="0" err="1"/>
+              <a:t>was</a:t>
+            </a:r>
+            <a:r>
+              <a:rPr lang="it-IT" sz="1400" dirty="0"/>
+              <a:t> </a:t>
+            </a:r>
+            <a:r>
+              <a:rPr lang="it-IT" sz="1400" dirty="0" err="1"/>
+              <a:t>wrong</a:t>
+            </a:r>
+            <a:r>
+              <a:rPr lang="it-IT" sz="1400" dirty="0"/>
+              <a:t>.</a:t>
+            </a:r>
+          </a:p>
+          <a:p>
+            <a:pPr algn="just"/>
+            <a:r>
+              <a:rPr lang="it-IT" b="1" dirty="0"/>
+              <a:t>The </a:t>
+            </a:r>
+            <a:r>
+              <a:rPr lang="it-IT" b="1" dirty="0" err="1"/>
+              <a:t>resulting</a:t>
+            </a:r>
+            <a:r>
+              <a:rPr lang="it-IT" b="1" dirty="0"/>
+              <a:t> </a:t>
+            </a:r>
+            <a:r>
+              <a:rPr lang="it-IT" b="1" dirty="0" err="1"/>
+              <a:t>accuracy</a:t>
+            </a:r>
+            <a:r>
+              <a:rPr lang="it-IT" b="1" dirty="0"/>
+              <a:t> </a:t>
+            </a:r>
+            <a:r>
+              <a:rPr lang="it-IT" b="1" dirty="0" err="1"/>
+              <a:t>is</a:t>
+            </a:r>
+            <a:r>
+              <a:rPr lang="it-IT" b="1" dirty="0"/>
+              <a:t> 54%</a:t>
+            </a:r>
+          </a:p>
+        </p:txBody>
+      </p:sp>
+    </p:spTree>
+    <p:extLst>
+      <p:ext uri="{BB962C8B-B14F-4D97-AF65-F5344CB8AC3E}">
+        <p14:creationId xmlns:p14="http://schemas.microsoft.com/office/powerpoint/2010/main" val="2432330189"/>
+      </p:ext>
+    </p:extLst>
+  </p:cSld>
+  <p:clrMapOvr>
+    <a:masterClrMapping/>
+  </p:clrMapOvr>
+</p:sld>
+</file>
+
+<file path=ppt/slides/slide8.xml><?xml version="1.0" encoding="utf-8"?>
+<p:sld xmlns:a="http://schemas.openxmlformats.org/drawingml/2006/main" xmlns:r="http://schemas.openxmlformats.org/officeDocument/2006/relationships" xmlns:p="http://schemas.openxmlformats.org/presentationml/2006/main">
+  <p:cSld>
+    <p:spTree>
+      <p:nvGrpSpPr>
+        <p:cNvPr id="1" name=""/>
+        <p:cNvGrpSpPr/>
+        <p:nvPr/>
+      </p:nvGrpSpPr>
+      <p:grpSpPr>
+        <a:xfrm>
+          <a:off x="0" y="0"/>
+          <a:ext cx="0" cy="0"/>
+          <a:chOff x="0" y="0"/>
+          <a:chExt cx="0" cy="0"/>
+        </a:xfrm>
+      </p:grpSpPr>
+      <p:pic>
+        <p:nvPicPr>
+          <p:cNvPr id="2" name="Immagine 1"/>
+          <p:cNvPicPr>
+            <a:picLocks noChangeAspect="1"/>
+          </p:cNvPicPr>
+          <p:nvPr/>
+        </p:nvPicPr>
+        <p:blipFill>
+          <a:blip r:embed="rId2"/>
+          <a:stretch>
+            <a:fillRect/>
+          </a:stretch>
+        </p:blipFill>
+        <p:spPr>
+          <a:xfrm>
+            <a:off x="1950226" y="1774469"/>
+            <a:ext cx="6785752" cy="3666236"/>
+          </a:xfrm>
+          <a:prstGeom prst="rect">
+            <a:avLst/>
+          </a:prstGeom>
+        </p:spPr>
+      </p:pic>
+      <p:sp>
+        <p:nvSpPr>
+          <p:cNvPr id="14" name="CasellaDiTesto 13"/>
+          <p:cNvSpPr txBox="1"/>
+          <p:nvPr/>
+        </p:nvSpPr>
+        <p:spPr>
+          <a:xfrm>
+            <a:off x="3205356" y="1393052"/>
+            <a:ext cx="5137368" cy="369332"/>
+          </a:xfrm>
+          <a:prstGeom prst="rect">
+            <a:avLst/>
+          </a:prstGeom>
+          <a:noFill/>
+        </p:spPr>
+        <p:txBody>
+          <a:bodyPr wrap="none" rtlCol="0">
+            <a:spAutoFit/>
+          </a:bodyPr>
+          <a:lstStyle/>
+          <a:p>
+            <a:r>
+              <a:rPr lang="it-IT" dirty="0" err="1"/>
+              <a:t>Neural</a:t>
+            </a:r>
+            <a:r>
+              <a:rPr lang="it-IT" dirty="0"/>
+              <a:t> Network with </a:t>
+            </a:r>
+            <a:r>
+              <a:rPr lang="it-IT" dirty="0" err="1"/>
+              <a:t>three</a:t>
+            </a:r>
+            <a:r>
+              <a:rPr lang="it-IT" dirty="0"/>
+              <a:t> </a:t>
+            </a:r>
+            <a:r>
+              <a:rPr lang="it-IT" dirty="0" err="1"/>
+              <a:t>nodes</a:t>
+            </a:r>
+            <a:r>
+              <a:rPr lang="it-IT" dirty="0"/>
+              <a:t> in the </a:t>
+            </a:r>
+            <a:r>
+              <a:rPr lang="it-IT" dirty="0" err="1"/>
+              <a:t>hidden</a:t>
+            </a:r>
+            <a:r>
+              <a:rPr lang="it-IT" dirty="0"/>
+              <a:t> </a:t>
+            </a:r>
+            <a:r>
+              <a:rPr lang="it-IT" dirty="0" err="1"/>
+              <a:t>layer</a:t>
+            </a:r>
+            <a:endParaRPr lang="it-IT" dirty="0"/>
+          </a:p>
+        </p:txBody>
+      </p:sp>
+      <p:sp>
+        <p:nvSpPr>
+          <p:cNvPr id="15" name="CasellaDiTesto 14"/>
+          <p:cNvSpPr txBox="1"/>
+          <p:nvPr/>
+        </p:nvSpPr>
+        <p:spPr>
+          <a:xfrm>
+            <a:off x="240265" y="3368710"/>
+            <a:ext cx="1328441" cy="646331"/>
+          </a:xfrm>
+          <a:prstGeom prst="rect">
+            <a:avLst/>
+          </a:prstGeom>
+          <a:noFill/>
+        </p:spPr>
+        <p:txBody>
+          <a:bodyPr wrap="none" rtlCol="0">
+            <a:spAutoFit/>
+          </a:bodyPr>
+          <a:lstStyle/>
+          <a:p>
+            <a:r>
+              <a:rPr lang="it-IT" dirty="0" err="1"/>
+              <a:t>Testing</a:t>
+            </a:r>
+            <a:r>
+              <a:rPr lang="it-IT" dirty="0"/>
+              <a:t> Data</a:t>
+            </a:r>
+          </a:p>
+          <a:p>
+            <a:r>
+              <a:rPr lang="it-IT" dirty="0"/>
+              <a:t>50 </a:t>
+            </a:r>
+            <a:r>
+              <a:rPr lang="it-IT" dirty="0" err="1"/>
+              <a:t>cases</a:t>
+            </a:r>
+            <a:endParaRPr lang="it-IT" dirty="0"/>
+          </a:p>
+        </p:txBody>
+      </p:sp>
+      <p:cxnSp>
+        <p:nvCxnSpPr>
+          <p:cNvPr id="17" name="Connettore 2 16"/>
+          <p:cNvCxnSpPr/>
+          <p:nvPr/>
+        </p:nvCxnSpPr>
+        <p:spPr>
+          <a:xfrm>
+            <a:off x="1660055" y="3587222"/>
+            <a:ext cx="377720" cy="0"/>
+          </a:xfrm>
+          <a:prstGeom prst="straightConnector1">
+            <a:avLst/>
+          </a:prstGeom>
+          <a:ln w="28575">
+            <a:solidFill>
+              <a:schemeClr val="tx1"/>
+            </a:solidFill>
+            <a:tailEnd type="triangle"/>
+          </a:ln>
+        </p:spPr>
+        <p:style>
+          <a:lnRef idx="1">
+            <a:schemeClr val="accent1"/>
+          </a:lnRef>
+          <a:fillRef idx="0">
+            <a:schemeClr val="accent1"/>
+          </a:fillRef>
+          <a:effectRef idx="0">
+            <a:schemeClr val="accent1"/>
+          </a:effectRef>
+          <a:fontRef idx="minor">
+            <a:schemeClr val="tx1"/>
+          </a:fontRef>
+        </p:style>
+      </p:cxnSp>
+      <p:graphicFrame>
+        <p:nvGraphicFramePr>
+          <p:cNvPr id="18" name="Tabella 17"/>
+          <p:cNvGraphicFramePr>
+            <a:graphicFrameLocks noGrp="1"/>
+          </p:cNvGraphicFramePr>
+          <p:nvPr>
+            <p:extLst>
+              <p:ext uri="{D42A27DB-BD31-4B8C-83A1-F6EECF244321}">
+                <p14:modId xmlns:p14="http://schemas.microsoft.com/office/powerpoint/2010/main" val="1645162991"/>
+              </p:ext>
+            </p:extLst>
+          </p:nvPr>
+        </p:nvGraphicFramePr>
+        <p:xfrm>
+          <a:off x="7946142" y="2114190"/>
+          <a:ext cx="4100308" cy="2330508"/>
+        </p:xfrm>
+        <a:graphic>
+          <a:graphicData uri="http://schemas.openxmlformats.org/drawingml/2006/table">
+            <a:tbl>
+              <a:tblPr firstRow="1" bandRow="1">
+                <a:tableStyleId>{5C22544A-7EE6-4342-B048-85BDC9FD1C3A}</a:tableStyleId>
+              </a:tblPr>
+              <a:tblGrid>
+                <a:gridCol w="1025077">
+                  <a:extLst>
+                    <a:ext uri="{9D8B030D-6E8A-4147-A177-3AD203B41FA5}">
+                      <a16:colId xmlns:a16="http://schemas.microsoft.com/office/drawing/2014/main" val="858362875"/>
+                    </a:ext>
+                  </a:extLst>
+                </a:gridCol>
+                <a:gridCol w="1025077">
+                  <a:extLst>
+                    <a:ext uri="{9D8B030D-6E8A-4147-A177-3AD203B41FA5}">
+                      <a16:colId xmlns:a16="http://schemas.microsoft.com/office/drawing/2014/main" val="2291237890"/>
+                    </a:ext>
+                  </a:extLst>
+                </a:gridCol>
+                <a:gridCol w="1025077">
+                  <a:extLst>
+                    <a:ext uri="{9D8B030D-6E8A-4147-A177-3AD203B41FA5}">
+                      <a16:colId xmlns:a16="http://schemas.microsoft.com/office/drawing/2014/main" val="2455533364"/>
+                    </a:ext>
+                  </a:extLst>
+                </a:gridCol>
+                <a:gridCol w="1025077">
+                  <a:extLst>
+                    <a:ext uri="{9D8B030D-6E8A-4147-A177-3AD203B41FA5}">
+                      <a16:colId xmlns:a16="http://schemas.microsoft.com/office/drawing/2014/main" val="922235418"/>
+                    </a:ext>
+                  </a:extLst>
+                </a:gridCol>
+              </a:tblGrid>
+              <a:tr h="582627">
+                <a:tc>
+                  <a:txBody>
+                    <a:bodyPr/>
+                    <a:lstStyle/>
+                    <a:p>
+                      <a:pPr algn="ctr"/>
+                      <a:endParaRPr lang="it-IT" sz="1600" dirty="0"/>
+                    </a:p>
+                  </a:txBody>
+                  <a:tcPr anchor="ctr"/>
+                </a:tc>
+                <a:tc>
+                  <a:txBody>
+                    <a:bodyPr/>
+                    <a:lstStyle/>
+                    <a:p>
+                      <a:pPr algn="ctr"/>
+                      <a:r>
+                        <a:rPr lang="it-IT" sz="1600" dirty="0"/>
+                        <a:t>Setosa</a:t>
+                      </a:r>
+                    </a:p>
+                  </a:txBody>
+                  <a:tcPr anchor="ctr"/>
+                </a:tc>
+                <a:tc>
+                  <a:txBody>
+                    <a:bodyPr/>
+                    <a:lstStyle/>
+                    <a:p>
+                      <a:pPr algn="ctr"/>
+                      <a:r>
+                        <a:rPr lang="it-IT" sz="1600" dirty="0" err="1"/>
+                        <a:t>Versicolor</a:t>
+                      </a:r>
+                      <a:endParaRPr lang="it-IT" sz="1600" dirty="0"/>
+                    </a:p>
+                  </a:txBody>
+                  <a:tcPr anchor="ctr"/>
+                </a:tc>
+                <a:tc>
+                  <a:txBody>
+                    <a:bodyPr/>
+                    <a:lstStyle/>
+                    <a:p>
+                      <a:pPr algn="ctr"/>
+                      <a:r>
+                        <a:rPr lang="it-IT" sz="1600" dirty="0" err="1"/>
+                        <a:t>Virginica</a:t>
+                      </a:r>
+                      <a:endParaRPr lang="it-IT" sz="1600" dirty="0"/>
+                    </a:p>
+                  </a:txBody>
+                  <a:tcPr anchor="ctr"/>
+                </a:tc>
+                <a:extLst>
+                  <a:ext uri="{0D108BD9-81ED-4DB2-BD59-A6C34878D82A}">
+                    <a16:rowId xmlns:a16="http://schemas.microsoft.com/office/drawing/2014/main" val="381119424"/>
+                  </a:ext>
+                </a:extLst>
+              </a:tr>
+              <a:tr h="582627">
+                <a:tc>
+                  <a:txBody>
+                    <a:bodyPr/>
+                    <a:lstStyle/>
+                    <a:p>
+                      <a:pPr algn="ctr"/>
+                      <a:r>
+                        <a:rPr lang="it-IT" sz="1400" dirty="0"/>
+                        <a:t>O1</a:t>
+                      </a:r>
+                    </a:p>
+                    <a:p>
+                      <a:pPr algn="ctr"/>
+                      <a:r>
+                        <a:rPr lang="it-IT" sz="1400" dirty="0"/>
+                        <a:t>Setosa</a:t>
+                      </a:r>
+                    </a:p>
+                  </a:txBody>
+                  <a:tcPr anchor="ctr"/>
+                </a:tc>
+                <a:tc>
+                  <a:txBody>
+                    <a:bodyPr/>
+                    <a:lstStyle/>
+                    <a:p>
+                      <a:pPr algn="ctr"/>
+                      <a:r>
+                        <a:rPr lang="it-IT" sz="1400" dirty="0"/>
+                        <a:t>14</a:t>
+                      </a:r>
+                    </a:p>
+                    <a:p>
+                      <a:pPr algn="ctr"/>
+                      <a:r>
+                        <a:rPr lang="it-IT" sz="1400" dirty="0" err="1">
+                          <a:highlight>
+                            <a:srgbClr val="00FF00"/>
+                          </a:highlight>
+                        </a:rPr>
+                        <a:t>Correct</a:t>
+                      </a:r>
+                      <a:endParaRPr lang="it-IT" sz="1400" dirty="0">
+                        <a:highlight>
+                          <a:srgbClr val="00FF00"/>
+                        </a:highlight>
+                      </a:endParaRPr>
+                    </a:p>
+                  </a:txBody>
+                  <a:tcPr anchor="ctr"/>
+                </a:tc>
+                <a:tc>
+                  <a:txBody>
+                    <a:bodyPr/>
+                    <a:lstStyle/>
+                    <a:p>
+                      <a:pPr algn="ctr"/>
+                      <a:endParaRPr lang="it-IT" sz="1400" dirty="0"/>
+                    </a:p>
+                  </a:txBody>
+                  <a:tcPr anchor="ctr"/>
+                </a:tc>
+                <a:tc>
+                  <a:txBody>
+                    <a:bodyPr/>
+                    <a:lstStyle/>
+                    <a:p>
+                      <a:pPr algn="ctr"/>
+                      <a:endParaRPr lang="it-IT" sz="1400" dirty="0"/>
+                    </a:p>
+                  </a:txBody>
+                  <a:tcPr anchor="ctr"/>
+                </a:tc>
+                <a:extLst>
+                  <a:ext uri="{0D108BD9-81ED-4DB2-BD59-A6C34878D82A}">
+                    <a16:rowId xmlns:a16="http://schemas.microsoft.com/office/drawing/2014/main" val="4043144427"/>
+                  </a:ext>
+                </a:extLst>
+              </a:tr>
+              <a:tr h="582627">
+                <a:tc>
+                  <a:txBody>
+                    <a:bodyPr/>
+                    <a:lstStyle/>
+                    <a:p>
+                      <a:pPr algn="ctr"/>
+                      <a:r>
+                        <a:rPr lang="it-IT" sz="1400" dirty="0"/>
+                        <a:t>O2 </a:t>
+                      </a:r>
+                      <a:r>
+                        <a:rPr lang="it-IT" sz="1400" dirty="0" err="1"/>
+                        <a:t>Versicolor</a:t>
+                      </a:r>
+                      <a:endParaRPr lang="it-IT" sz="1400" dirty="0"/>
+                    </a:p>
+                  </a:txBody>
+                  <a:tcPr anchor="ctr"/>
+                </a:tc>
+                <a:tc>
+                  <a:txBody>
+                    <a:bodyPr/>
+                    <a:lstStyle/>
+                    <a:p>
+                      <a:pPr algn="ctr"/>
+                      <a:endParaRPr lang="it-IT" sz="1400" dirty="0"/>
+                    </a:p>
+                  </a:txBody>
+                  <a:tcPr anchor="ctr"/>
+                </a:tc>
+                <a:tc>
+                  <a:txBody>
+                    <a:bodyPr/>
+                    <a:lstStyle/>
+                    <a:p>
+                      <a:pPr algn="ctr"/>
+                      <a:r>
+                        <a:rPr lang="it-IT" sz="1400" dirty="0"/>
+                        <a:t>11</a:t>
+                      </a:r>
+                    </a:p>
+                    <a:p>
+                      <a:pPr algn="ctr"/>
+                      <a:r>
+                        <a:rPr lang="it-IT" sz="1400" dirty="0" err="1">
+                          <a:highlight>
+                            <a:srgbClr val="00FF00"/>
+                          </a:highlight>
+                        </a:rPr>
+                        <a:t>Correct</a:t>
+                      </a:r>
+                      <a:endParaRPr lang="it-IT" sz="1400" dirty="0">
+                        <a:highlight>
+                          <a:srgbClr val="00FF00"/>
+                        </a:highlight>
+                      </a:endParaRPr>
+                    </a:p>
+                  </a:txBody>
+                  <a:tcPr anchor="ctr"/>
+                </a:tc>
+                <a:tc>
+                  <a:txBody>
+                    <a:bodyPr/>
+                    <a:lstStyle/>
+                    <a:p>
+                      <a:pPr algn="ctr"/>
+                      <a:endParaRPr lang="it-IT" sz="1400" dirty="0">
+                        <a:highlight>
+                          <a:srgbClr val="FF0000"/>
+                        </a:highlight>
+                      </a:endParaRPr>
+                    </a:p>
+                  </a:txBody>
+                  <a:tcPr anchor="ctr"/>
+                </a:tc>
+                <a:extLst>
+                  <a:ext uri="{0D108BD9-81ED-4DB2-BD59-A6C34878D82A}">
+                    <a16:rowId xmlns:a16="http://schemas.microsoft.com/office/drawing/2014/main" val="4201442042"/>
+                  </a:ext>
+                </a:extLst>
+              </a:tr>
+              <a:tr h="582627">
+                <a:tc>
+                  <a:txBody>
+                    <a:bodyPr/>
+                    <a:lstStyle/>
+                    <a:p>
+                      <a:pPr algn="ctr"/>
+                      <a:r>
+                        <a:rPr lang="it-IT" sz="1400" dirty="0"/>
+                        <a:t>O3  </a:t>
+                      </a:r>
+                      <a:r>
+                        <a:rPr lang="it-IT" sz="1400" dirty="0" err="1"/>
+                        <a:t>Virginica</a:t>
+                      </a:r>
+                      <a:endParaRPr lang="it-IT" sz="1400" dirty="0"/>
+                    </a:p>
+                  </a:txBody>
+                  <a:tcPr anchor="ctr"/>
+                </a:tc>
+                <a:tc>
+                  <a:txBody>
+                    <a:bodyPr/>
+                    <a:lstStyle/>
+                    <a:p>
+                      <a:pPr algn="ctr"/>
+                      <a:endParaRPr lang="it-IT" sz="1400" dirty="0"/>
+                    </a:p>
+                  </a:txBody>
+                  <a:tcPr anchor="ctr"/>
+                </a:tc>
+                <a:tc>
+                  <a:txBody>
+                    <a:bodyPr/>
+                    <a:lstStyle/>
+                    <a:p>
+                      <a:pPr algn="ctr"/>
+                      <a:r>
+                        <a:rPr lang="it-IT" sz="1400" dirty="0"/>
+                        <a:t>2</a:t>
+                      </a:r>
+                    </a:p>
+                    <a:p>
+                      <a:pPr algn="ctr"/>
+                      <a:r>
+                        <a:rPr lang="it-IT" sz="1400" dirty="0" err="1">
+                          <a:highlight>
+                            <a:srgbClr val="FF0000"/>
+                          </a:highlight>
+                        </a:rPr>
+                        <a:t>Wrong</a:t>
+                      </a:r>
+                      <a:endParaRPr lang="it-IT" sz="1400" dirty="0">
+                        <a:highlight>
+                          <a:srgbClr val="FF0000"/>
+                        </a:highlight>
+                      </a:endParaRPr>
+                    </a:p>
+                  </a:txBody>
+                  <a:tcPr anchor="ctr"/>
+                </a:tc>
+                <a:tc>
+                  <a:txBody>
+                    <a:bodyPr/>
+                    <a:lstStyle/>
+                    <a:p>
+                      <a:pPr algn="ctr"/>
+                      <a:r>
+                        <a:rPr lang="it-IT" sz="1400" dirty="0"/>
+                        <a:t>23</a:t>
+                      </a:r>
+                    </a:p>
+                    <a:p>
+                      <a:pPr algn="ctr"/>
+                      <a:r>
+                        <a:rPr lang="it-IT" sz="1400" dirty="0" err="1">
+                          <a:highlight>
+                            <a:srgbClr val="00FF00"/>
+                          </a:highlight>
+                        </a:rPr>
+                        <a:t>Correct</a:t>
+                      </a:r>
+                      <a:endParaRPr lang="it-IT" sz="1400" dirty="0">
+                        <a:highlight>
+                          <a:srgbClr val="00FF00"/>
+                        </a:highlight>
+                      </a:endParaRPr>
+                    </a:p>
+                  </a:txBody>
+                  <a:tcPr anchor="ctr"/>
+                </a:tc>
+                <a:extLst>
+                  <a:ext uri="{0D108BD9-81ED-4DB2-BD59-A6C34878D82A}">
+                    <a16:rowId xmlns:a16="http://schemas.microsoft.com/office/drawing/2014/main" val="3403647268"/>
+                  </a:ext>
+                </a:extLst>
+              </a:tr>
+            </a:tbl>
+          </a:graphicData>
+        </a:graphic>
+      </p:graphicFrame>
+      <p:sp>
+        <p:nvSpPr>
+          <p:cNvPr id="19" name="CasellaDiTesto 18"/>
+          <p:cNvSpPr txBox="1"/>
+          <p:nvPr/>
+        </p:nvSpPr>
+        <p:spPr>
+          <a:xfrm>
+            <a:off x="8901404" y="1388315"/>
+            <a:ext cx="2568267" cy="369332"/>
+          </a:xfrm>
+          <a:prstGeom prst="rect">
+            <a:avLst/>
+          </a:prstGeom>
+          <a:noFill/>
+        </p:spPr>
+        <p:txBody>
+          <a:bodyPr wrap="none" rtlCol="0">
+            <a:spAutoFit/>
+          </a:bodyPr>
+          <a:lstStyle/>
+          <a:p>
+            <a:r>
+              <a:rPr lang="it-IT" dirty="0"/>
+              <a:t>Output vs </a:t>
+            </a:r>
+            <a:r>
+              <a:rPr lang="it-IT" dirty="0" err="1"/>
+              <a:t>Correct</a:t>
+            </a:r>
+            <a:r>
+              <a:rPr lang="it-IT" dirty="0"/>
+              <a:t> </a:t>
+            </a:r>
+            <a:r>
+              <a:rPr lang="it-IT" dirty="0" err="1"/>
+              <a:t>Results</a:t>
+            </a:r>
+            <a:endParaRPr lang="it-IT" dirty="0"/>
+          </a:p>
+        </p:txBody>
+      </p:sp>
+      <p:sp>
+        <p:nvSpPr>
+          <p:cNvPr id="20" name="CasellaDiTesto 19"/>
+          <p:cNvSpPr txBox="1"/>
+          <p:nvPr/>
+        </p:nvSpPr>
+        <p:spPr>
+          <a:xfrm>
+            <a:off x="7867834" y="4518208"/>
+            <a:ext cx="4256923" cy="1015663"/>
+          </a:xfrm>
+          <a:prstGeom prst="rect">
+            <a:avLst/>
+          </a:prstGeom>
+          <a:noFill/>
+        </p:spPr>
+        <p:txBody>
+          <a:bodyPr wrap="square" rtlCol="0">
+            <a:spAutoFit/>
+          </a:bodyPr>
+          <a:lstStyle/>
+          <a:p>
+            <a:pPr algn="just"/>
+            <a:r>
+              <a:rPr lang="it-IT" sz="1400" dirty="0"/>
+              <a:t>The </a:t>
+            </a:r>
+            <a:r>
+              <a:rPr lang="it-IT" sz="1400" dirty="0" err="1"/>
+              <a:t>three</a:t>
+            </a:r>
+            <a:r>
+              <a:rPr lang="it-IT" sz="1400" dirty="0"/>
+              <a:t> </a:t>
+            </a:r>
+            <a:r>
+              <a:rPr lang="it-IT" sz="1400" dirty="0" err="1"/>
+              <a:t>hidden</a:t>
+            </a:r>
+            <a:r>
+              <a:rPr lang="it-IT" sz="1400" dirty="0"/>
+              <a:t> </a:t>
+            </a:r>
+            <a:r>
+              <a:rPr lang="it-IT" sz="1400" dirty="0" err="1"/>
+              <a:t>nodes</a:t>
+            </a:r>
+            <a:r>
+              <a:rPr lang="it-IT" sz="1400" dirty="0"/>
+              <a:t> Network </a:t>
+            </a:r>
+            <a:r>
+              <a:rPr lang="it-IT" sz="1400" dirty="0" err="1"/>
+              <a:t>is</a:t>
+            </a:r>
+            <a:r>
+              <a:rPr lang="it-IT" sz="1400" dirty="0"/>
+              <a:t> </a:t>
+            </a:r>
+            <a:r>
+              <a:rPr lang="it-IT" sz="1400" dirty="0" err="1"/>
+              <a:t>providing</a:t>
+            </a:r>
+            <a:r>
+              <a:rPr lang="it-IT" sz="1400" dirty="0"/>
+              <a:t> </a:t>
+            </a:r>
+            <a:r>
+              <a:rPr lang="it-IT" sz="1400" dirty="0" err="1"/>
+              <a:t>wrong</a:t>
+            </a:r>
+            <a:r>
+              <a:rPr lang="it-IT" sz="1400" dirty="0"/>
+              <a:t> </a:t>
+            </a:r>
+            <a:r>
+              <a:rPr lang="it-IT" sz="1400" dirty="0" err="1"/>
+              <a:t>result</a:t>
+            </a:r>
+            <a:r>
+              <a:rPr lang="it-IT" sz="1400" dirty="0"/>
+              <a:t> in </a:t>
+            </a:r>
+            <a:r>
+              <a:rPr lang="it-IT" sz="1400" dirty="0" err="1"/>
+              <a:t>two</a:t>
+            </a:r>
+            <a:r>
+              <a:rPr lang="it-IT" sz="1400" dirty="0"/>
+              <a:t> </a:t>
+            </a:r>
+            <a:r>
+              <a:rPr lang="it-IT" sz="1400" dirty="0" err="1"/>
+              <a:t>cases</a:t>
+            </a:r>
+            <a:r>
+              <a:rPr lang="it-IT" sz="1400" dirty="0"/>
+              <a:t> </a:t>
+            </a:r>
+            <a:r>
+              <a:rPr lang="it-IT" sz="1400" dirty="0" err="1"/>
+              <a:t>only</a:t>
+            </a:r>
+            <a:r>
+              <a:rPr lang="it-IT" sz="1400" dirty="0"/>
+              <a:t> </a:t>
+            </a:r>
+            <a:r>
+              <a:rPr lang="it-IT" sz="1400" dirty="0" err="1"/>
+              <a:t>where</a:t>
+            </a:r>
+            <a:r>
+              <a:rPr lang="it-IT" sz="1400" dirty="0"/>
+              <a:t> </a:t>
+            </a:r>
+            <a:r>
+              <a:rPr lang="it-IT" sz="1400" dirty="0" err="1"/>
+              <a:t>two</a:t>
+            </a:r>
+            <a:r>
+              <a:rPr lang="it-IT" sz="1400" dirty="0"/>
+              <a:t> </a:t>
+            </a:r>
+            <a:r>
+              <a:rPr lang="it-IT" sz="1400" dirty="0" err="1"/>
+              <a:t>Versicolor</a:t>
+            </a:r>
+            <a:r>
+              <a:rPr lang="it-IT" sz="1400" dirty="0"/>
+              <a:t> </a:t>
+            </a:r>
+            <a:r>
+              <a:rPr lang="it-IT" sz="1400" dirty="0" err="1"/>
+              <a:t>was</a:t>
+            </a:r>
+            <a:r>
+              <a:rPr lang="it-IT" sz="1400" dirty="0"/>
+              <a:t> </a:t>
+            </a:r>
+            <a:r>
+              <a:rPr lang="it-IT" sz="1400" dirty="0" err="1"/>
+              <a:t>classified</a:t>
+            </a:r>
+            <a:r>
+              <a:rPr lang="it-IT" sz="1400" dirty="0"/>
+              <a:t> </a:t>
+            </a:r>
+            <a:r>
+              <a:rPr lang="it-IT" sz="1400" dirty="0" err="1"/>
+              <a:t>Virginica</a:t>
+            </a:r>
+            <a:r>
+              <a:rPr lang="it-IT" sz="1400" dirty="0"/>
+              <a:t>. </a:t>
+            </a:r>
+          </a:p>
+          <a:p>
+            <a:pPr algn="just"/>
+            <a:r>
+              <a:rPr lang="it-IT" b="1" dirty="0"/>
+              <a:t>The </a:t>
+            </a:r>
+            <a:r>
+              <a:rPr lang="it-IT" b="1" dirty="0" err="1"/>
+              <a:t>resulting</a:t>
+            </a:r>
+            <a:r>
+              <a:rPr lang="it-IT" b="1" dirty="0"/>
+              <a:t> </a:t>
+            </a:r>
+            <a:r>
+              <a:rPr lang="it-IT" b="1" dirty="0" err="1"/>
+              <a:t>accuracy</a:t>
+            </a:r>
+            <a:r>
+              <a:rPr lang="it-IT" b="1" dirty="0"/>
+              <a:t> </a:t>
+            </a:r>
+            <a:r>
+              <a:rPr lang="it-IT" b="1" dirty="0" err="1"/>
+              <a:t>is</a:t>
+            </a:r>
+            <a:r>
+              <a:rPr lang="it-IT" b="1" dirty="0"/>
+              <a:t> 96%</a:t>
+            </a:r>
+          </a:p>
+        </p:txBody>
+      </p:sp>
+    </p:spTree>
+    <p:extLst>
+      <p:ext uri="{BB962C8B-B14F-4D97-AF65-F5344CB8AC3E}">
+        <p14:creationId xmlns:p14="http://schemas.microsoft.com/office/powerpoint/2010/main" val="2964524053"/>
+      </p:ext>
+    </p:extLst>
+  </p:cSld>
+  <p:clrMapOvr>
+    <a:masterClrMapping/>
+  </p:clrMapOvr>
+</p:sld>
+</file>
+
+<file path=ppt/slides/slide9.xml><?xml version="1.0" encoding="utf-8"?>
+<p:sld xmlns:a="http://schemas.openxmlformats.org/drawingml/2006/main" xmlns:r="http://schemas.openxmlformats.org/officeDocument/2006/relationships" xmlns:p="http://schemas.openxmlformats.org/presentationml/2006/main">
+  <p:cSld>
+    <p:spTree>
+      <p:nvGrpSpPr>
+        <p:cNvPr id="1" name=""/>
+        <p:cNvGrpSpPr/>
+        <p:nvPr/>
+      </p:nvGrpSpPr>
+      <p:grpSpPr>
+        <a:xfrm>
+          <a:off x="0" y="0"/>
+          <a:ext cx="0" cy="0"/>
+          <a:chOff x="0" y="0"/>
+          <a:chExt cx="0" cy="0"/>
+        </a:xfrm>
+      </p:grpSpPr>
+      <p:sp>
+        <p:nvSpPr>
+          <p:cNvPr id="2" name="Ovale 1"/>
+          <p:cNvSpPr/>
+          <p:nvPr/>
+        </p:nvSpPr>
+        <p:spPr>
+          <a:xfrm>
+            <a:off x="2490281" y="1566152"/>
+            <a:ext cx="379379" cy="379379"/>
+          </a:xfrm>
+          <a:prstGeom prst="ellipse">
+            <a:avLst/>
+          </a:prstGeom>
+          <a:solidFill>
+            <a:schemeClr val="accent1">
+              <a:lumMod val="20000"/>
+              <a:lumOff val="80000"/>
+            </a:schemeClr>
+          </a:solidFill>
+        </p:spPr>
+        <p:style>
+          <a:lnRef idx="2">
+            <a:schemeClr val="accent1">
+              <a:shade val="50000"/>
+            </a:schemeClr>
+          </a:lnRef>
+          <a:fillRef idx="1">
+            <a:schemeClr val="accent1"/>
+          </a:fillRef>
+          <a:effectRef idx="0">
+            <a:schemeClr val="accent1"/>
+          </a:effectRef>
+          <a:fontRef idx="minor">
+            <a:schemeClr val="lt1"/>
+          </a:fontRef>
+        </p:style>
+        <p:txBody>
+          <a:bodyPr rtlCol="0" anchor="ctr"/>
+          <a:lstStyle/>
+          <a:p>
+            <a:pPr algn="ctr"/>
+            <a:endParaRPr lang="it-IT" dirty="0"/>
+          </a:p>
+        </p:txBody>
+      </p:sp>
+      <p:sp>
+        <p:nvSpPr>
+          <p:cNvPr id="3" name="Ovale 2"/>
+          <p:cNvSpPr/>
+          <p:nvPr/>
+        </p:nvSpPr>
+        <p:spPr>
+          <a:xfrm>
+            <a:off x="2490280" y="2195207"/>
+            <a:ext cx="379379" cy="379379"/>
+          </a:xfrm>
+          <a:prstGeom prst="ellipse">
+            <a:avLst/>
+          </a:prstGeom>
+          <a:solidFill>
+            <a:schemeClr val="accent1">
+              <a:lumMod val="20000"/>
+              <a:lumOff val="80000"/>
+            </a:schemeClr>
+          </a:solidFill>
+        </p:spPr>
+        <p:style>
+          <a:lnRef idx="2">
+            <a:schemeClr val="accent1">
+              <a:shade val="50000"/>
+            </a:schemeClr>
+          </a:lnRef>
+          <a:fillRef idx="1">
+            <a:schemeClr val="accent1"/>
+          </a:fillRef>
+          <a:effectRef idx="0">
+            <a:schemeClr val="accent1"/>
+          </a:effectRef>
+          <a:fontRef idx="minor">
+            <a:schemeClr val="lt1"/>
+          </a:fontRef>
+        </p:style>
+        <p:txBody>
+          <a:bodyPr rtlCol="0" anchor="ctr"/>
+          <a:lstStyle/>
+          <a:p>
+            <a:pPr algn="ctr"/>
+            <a:endParaRPr lang="it-IT"/>
+          </a:p>
+        </p:txBody>
+      </p:sp>
+      <p:sp>
+        <p:nvSpPr>
+          <p:cNvPr id="4" name="Ovale 3"/>
+          <p:cNvSpPr/>
+          <p:nvPr/>
+        </p:nvSpPr>
+        <p:spPr>
+          <a:xfrm>
+            <a:off x="2490280" y="2850201"/>
+            <a:ext cx="379379" cy="379379"/>
+          </a:xfrm>
+          <a:prstGeom prst="ellipse">
+            <a:avLst/>
+          </a:prstGeom>
+          <a:solidFill>
+            <a:schemeClr val="accent1">
+              <a:lumMod val="20000"/>
+              <a:lumOff val="80000"/>
+            </a:schemeClr>
+          </a:solidFill>
+        </p:spPr>
+        <p:style>
+          <a:lnRef idx="2">
+            <a:schemeClr val="accent1">
+              <a:shade val="50000"/>
+            </a:schemeClr>
+          </a:lnRef>
+          <a:fillRef idx="1">
+            <a:schemeClr val="accent1"/>
+          </a:fillRef>
+          <a:effectRef idx="0">
+            <a:schemeClr val="accent1"/>
+          </a:effectRef>
+          <a:fontRef idx="minor">
+            <a:schemeClr val="lt1"/>
+          </a:fontRef>
+        </p:style>
+        <p:txBody>
+          <a:bodyPr rtlCol="0" anchor="ctr"/>
+          <a:lstStyle/>
+          <a:p>
+            <a:pPr algn="ctr"/>
+            <a:endParaRPr lang="it-IT"/>
+          </a:p>
+        </p:txBody>
+      </p:sp>
+      <p:sp>
+        <p:nvSpPr>
+          <p:cNvPr id="5" name="Ovale 4"/>
+          <p:cNvSpPr/>
+          <p:nvPr/>
+        </p:nvSpPr>
+        <p:spPr>
+          <a:xfrm>
+            <a:off x="2490280" y="3524647"/>
+            <a:ext cx="379379" cy="379379"/>
+          </a:xfrm>
+          <a:prstGeom prst="ellipse">
+            <a:avLst/>
+          </a:prstGeom>
+          <a:solidFill>
+            <a:schemeClr val="accent1">
+              <a:lumMod val="20000"/>
+              <a:lumOff val="80000"/>
+            </a:schemeClr>
+          </a:solidFill>
+        </p:spPr>
+        <p:style>
+          <a:lnRef idx="2">
+            <a:schemeClr val="accent1">
+              <a:shade val="50000"/>
+            </a:schemeClr>
+          </a:lnRef>
+          <a:fillRef idx="1">
+            <a:schemeClr val="accent1"/>
+          </a:fillRef>
+          <a:effectRef idx="0">
+            <a:schemeClr val="accent1"/>
+          </a:effectRef>
+          <a:fontRef idx="minor">
+            <a:schemeClr val="lt1"/>
+          </a:fontRef>
+        </p:style>
+        <p:txBody>
+          <a:bodyPr rtlCol="0" anchor="ctr"/>
+          <a:lstStyle/>
+          <a:p>
+            <a:pPr algn="ctr"/>
+            <a:endParaRPr lang="it-IT"/>
+          </a:p>
+        </p:txBody>
+      </p:sp>
+      <p:sp>
+        <p:nvSpPr>
+          <p:cNvPr id="6" name="Ovale 5"/>
+          <p:cNvSpPr/>
+          <p:nvPr/>
+        </p:nvSpPr>
+        <p:spPr>
+          <a:xfrm>
+            <a:off x="4452025" y="2470822"/>
+            <a:ext cx="379379" cy="379379"/>
+          </a:xfrm>
+          <a:prstGeom prst="ellipse">
+            <a:avLst/>
+          </a:prstGeom>
+          <a:solidFill>
+            <a:schemeClr val="accent1">
+              <a:lumMod val="60000"/>
+              <a:lumOff val="40000"/>
+            </a:schemeClr>
+          </a:solidFill>
+        </p:spPr>
+        <p:style>
+          <a:lnRef idx="2">
+            <a:schemeClr val="accent1">
+              <a:shade val="50000"/>
+            </a:schemeClr>
+          </a:lnRef>
+          <a:fillRef idx="1">
+            <a:schemeClr val="accent1"/>
+          </a:fillRef>
+          <a:effectRef idx="0">
+            <a:schemeClr val="accent1"/>
+          </a:effectRef>
+          <a:fontRef idx="minor">
+            <a:schemeClr val="lt1"/>
+          </a:fontRef>
+        </p:style>
+        <p:txBody>
+          <a:bodyPr rtlCol="0" anchor="ctr"/>
+          <a:lstStyle/>
+          <a:p>
+            <a:pPr algn="ctr"/>
+            <a:endParaRPr lang="it-IT"/>
+          </a:p>
+        </p:txBody>
+      </p:sp>
+      <p:sp>
+        <p:nvSpPr>
+          <p:cNvPr id="7" name="Ovale 6"/>
+          <p:cNvSpPr/>
+          <p:nvPr/>
+        </p:nvSpPr>
+        <p:spPr>
+          <a:xfrm>
+            <a:off x="6317677" y="1339828"/>
+            <a:ext cx="379379" cy="379379"/>
+          </a:xfrm>
+          <a:prstGeom prst="ellipse">
+            <a:avLst/>
+          </a:prstGeom>
+          <a:solidFill>
+            <a:schemeClr val="accent1">
+              <a:lumMod val="75000"/>
+            </a:schemeClr>
+          </a:solidFill>
+        </p:spPr>
+        <p:style>
+          <a:lnRef idx="2">
+            <a:schemeClr val="accent1">
+              <a:shade val="50000"/>
+            </a:schemeClr>
+          </a:lnRef>
+          <a:fillRef idx="1">
+            <a:schemeClr val="accent1"/>
+          </a:fillRef>
+          <a:effectRef idx="0">
+            <a:schemeClr val="accent1"/>
+          </a:effectRef>
+          <a:fontRef idx="minor">
+            <a:schemeClr val="lt1"/>
+          </a:fontRef>
+        </p:style>
+        <p:txBody>
+          <a:bodyPr rtlCol="0" anchor="ctr"/>
+          <a:lstStyle/>
+          <a:p>
+            <a:pPr algn="ctr"/>
+            <a:endParaRPr lang="it-IT"/>
+          </a:p>
+        </p:txBody>
+      </p:sp>
+      <p:sp>
+        <p:nvSpPr>
+          <p:cNvPr id="8" name="Ovale 7"/>
+          <p:cNvSpPr/>
+          <p:nvPr/>
+        </p:nvSpPr>
+        <p:spPr>
+          <a:xfrm>
+            <a:off x="6277582" y="2470821"/>
+            <a:ext cx="379379" cy="379379"/>
+          </a:xfrm>
+          <a:prstGeom prst="ellipse">
+            <a:avLst/>
+          </a:prstGeom>
+          <a:solidFill>
+            <a:schemeClr val="accent1">
+              <a:lumMod val="75000"/>
+            </a:schemeClr>
+          </a:solidFill>
+        </p:spPr>
+        <p:style>
+          <a:lnRef idx="2">
+            <a:schemeClr val="accent1">
+              <a:shade val="50000"/>
+            </a:schemeClr>
+          </a:lnRef>
+          <a:fillRef idx="1">
+            <a:schemeClr val="accent1"/>
+          </a:fillRef>
+          <a:effectRef idx="0">
+            <a:schemeClr val="accent1"/>
+          </a:effectRef>
+          <a:fontRef idx="minor">
+            <a:schemeClr val="lt1"/>
+          </a:fontRef>
+        </p:style>
+        <p:txBody>
+          <a:bodyPr rtlCol="0" anchor="ctr"/>
+          <a:lstStyle/>
+          <a:p>
+            <a:pPr algn="ctr"/>
+            <a:endParaRPr lang="it-IT"/>
+          </a:p>
+        </p:txBody>
+      </p:sp>
+      <p:sp>
+        <p:nvSpPr>
+          <p:cNvPr id="9" name="Ovale 8"/>
+          <p:cNvSpPr/>
+          <p:nvPr/>
+        </p:nvSpPr>
+        <p:spPr>
+          <a:xfrm>
+            <a:off x="6280824" y="3721684"/>
+            <a:ext cx="379379" cy="379379"/>
+          </a:xfrm>
+          <a:prstGeom prst="ellipse">
+            <a:avLst/>
+          </a:prstGeom>
+          <a:solidFill>
+            <a:schemeClr val="accent1">
+              <a:lumMod val="75000"/>
+            </a:schemeClr>
+          </a:solidFill>
+        </p:spPr>
+        <p:style>
+          <a:lnRef idx="2">
+            <a:schemeClr val="accent1">
+              <a:shade val="50000"/>
+            </a:schemeClr>
+          </a:lnRef>
+          <a:fillRef idx="1">
+            <a:schemeClr val="accent1"/>
+          </a:fillRef>
+          <a:effectRef idx="0">
+            <a:schemeClr val="accent1"/>
+          </a:effectRef>
+          <a:fontRef idx="minor">
+            <a:schemeClr val="lt1"/>
+          </a:fontRef>
+        </p:style>
+        <p:txBody>
+          <a:bodyPr rtlCol="0" anchor="ctr"/>
+          <a:lstStyle/>
+          <a:p>
+            <a:pPr algn="ctr"/>
+            <a:endParaRPr lang="it-IT"/>
+          </a:p>
+        </p:txBody>
+      </p:sp>
+      <p:cxnSp>
+        <p:nvCxnSpPr>
+          <p:cNvPr id="11" name="Connettore 2 10"/>
+          <p:cNvCxnSpPr>
+            <a:cxnSpLocks/>
+            <a:stCxn id="2" idx="6"/>
+          </p:cNvCxnSpPr>
+          <p:nvPr/>
+        </p:nvCxnSpPr>
+        <p:spPr>
+          <a:xfrm>
+            <a:off x="2869660" y="1755842"/>
+            <a:ext cx="1582365" cy="904669"/>
+          </a:xfrm>
+          <a:prstGeom prst="straightConnector1">
+            <a:avLst/>
+          </a:prstGeom>
+          <a:ln>
+            <a:tailEnd type="triangle"/>
+          </a:ln>
+        </p:spPr>
+        <p:style>
+          <a:lnRef idx="1">
+            <a:schemeClr val="accent1"/>
+          </a:lnRef>
+          <a:fillRef idx="0">
+            <a:schemeClr val="accent1"/>
+          </a:fillRef>
+          <a:effectRef idx="0">
+            <a:schemeClr val="accent1"/>
+          </a:effectRef>
+          <a:fontRef idx="minor">
+            <a:schemeClr val="tx1"/>
+          </a:fontRef>
+        </p:style>
+      </p:cxnSp>
+      <p:cxnSp>
+        <p:nvCxnSpPr>
+          <p:cNvPr id="12" name="Connettore 2 11"/>
+          <p:cNvCxnSpPr>
+            <a:cxnSpLocks/>
+            <a:stCxn id="3" idx="6"/>
+            <a:endCxn id="6" idx="2"/>
+          </p:cNvCxnSpPr>
+          <p:nvPr/>
+        </p:nvCxnSpPr>
+        <p:spPr>
+          <a:xfrm>
+            <a:off x="2869659" y="2384897"/>
+            <a:ext cx="1582366" cy="275615"/>
+          </a:xfrm>
+          <a:prstGeom prst="straightConnector1">
+            <a:avLst/>
+          </a:prstGeom>
+          <a:ln>
+            <a:tailEnd type="triangle"/>
+          </a:ln>
+        </p:spPr>
+        <p:style>
+          <a:lnRef idx="1">
+            <a:schemeClr val="accent1"/>
+          </a:lnRef>
+          <a:fillRef idx="0">
+            <a:schemeClr val="accent1"/>
+          </a:fillRef>
+          <a:effectRef idx="0">
+            <a:schemeClr val="accent1"/>
+          </a:effectRef>
+          <a:fontRef idx="minor">
+            <a:schemeClr val="tx1"/>
+          </a:fontRef>
+        </p:style>
+      </p:cxnSp>
+      <p:cxnSp>
+        <p:nvCxnSpPr>
+          <p:cNvPr id="15" name="Connettore 2 14"/>
+          <p:cNvCxnSpPr>
+            <a:cxnSpLocks/>
+            <a:stCxn id="4" idx="6"/>
+            <a:endCxn id="6" idx="2"/>
+          </p:cNvCxnSpPr>
+          <p:nvPr/>
+        </p:nvCxnSpPr>
+        <p:spPr>
+          <a:xfrm flipV="1">
+            <a:off x="2869659" y="2660512"/>
+            <a:ext cx="1582366" cy="379379"/>
+          </a:xfrm>
+          <a:prstGeom prst="straightConnector1">
+            <a:avLst/>
+          </a:prstGeom>
+          <a:ln>
+            <a:tailEnd type="triangle"/>
+          </a:ln>
+        </p:spPr>
+        <p:style>
+          <a:lnRef idx="1">
+            <a:schemeClr val="accent1"/>
+          </a:lnRef>
+          <a:fillRef idx="0">
+            <a:schemeClr val="accent1"/>
+          </a:fillRef>
+          <a:effectRef idx="0">
+            <a:schemeClr val="accent1"/>
+          </a:effectRef>
+          <a:fontRef idx="minor">
+            <a:schemeClr val="tx1"/>
+          </a:fontRef>
+        </p:style>
+      </p:cxnSp>
+      <p:cxnSp>
+        <p:nvCxnSpPr>
+          <p:cNvPr id="18" name="Connettore 2 17"/>
+          <p:cNvCxnSpPr>
+            <a:cxnSpLocks/>
+            <a:stCxn id="5" idx="7"/>
+            <a:endCxn id="6" idx="2"/>
+          </p:cNvCxnSpPr>
+          <p:nvPr/>
+        </p:nvCxnSpPr>
+        <p:spPr>
+          <a:xfrm flipV="1">
+            <a:off x="2814100" y="2660512"/>
+            <a:ext cx="1637925" cy="919694"/>
+          </a:xfrm>
+          <a:prstGeom prst="straightConnector1">
+            <a:avLst/>
+          </a:prstGeom>
+          <a:ln>
+            <a:tailEnd type="triangle"/>
+          </a:ln>
+        </p:spPr>
+        <p:style>
+          <a:lnRef idx="1">
+            <a:schemeClr val="accent1"/>
+          </a:lnRef>
+          <a:fillRef idx="0">
+            <a:schemeClr val="accent1"/>
+          </a:fillRef>
+          <a:effectRef idx="0">
+            <a:schemeClr val="accent1"/>
+          </a:effectRef>
+          <a:fontRef idx="minor">
+            <a:schemeClr val="tx1"/>
+          </a:fontRef>
+        </p:style>
+      </p:cxnSp>
+      <p:sp>
+        <p:nvSpPr>
+          <p:cNvPr id="24" name="Ovale 23"/>
+          <p:cNvSpPr/>
+          <p:nvPr/>
+        </p:nvSpPr>
+        <p:spPr>
+          <a:xfrm>
+            <a:off x="3780817" y="1156780"/>
+            <a:ext cx="379379" cy="379379"/>
+          </a:xfrm>
+          <a:prstGeom prst="ellipse">
+            <a:avLst/>
+          </a:prstGeom>
+          <a:solidFill>
+            <a:schemeClr val="accent1">
+              <a:lumMod val="20000"/>
+              <a:lumOff val="80000"/>
+            </a:schemeClr>
+          </a:solidFill>
+        </p:spPr>
+        <p:style>
+          <a:lnRef idx="2">
+            <a:schemeClr val="accent1">
+              <a:shade val="50000"/>
+            </a:schemeClr>
+          </a:lnRef>
+          <a:fillRef idx="1">
+            <a:schemeClr val="accent1"/>
+          </a:fillRef>
+          <a:effectRef idx="0">
+            <a:schemeClr val="accent1"/>
+          </a:effectRef>
+          <a:fontRef idx="minor">
+            <a:schemeClr val="lt1"/>
+          </a:fontRef>
+        </p:style>
+        <p:txBody>
+          <a:bodyPr rtlCol="0" anchor="ctr"/>
+          <a:lstStyle/>
+          <a:p>
+            <a:pPr algn="ctr"/>
+            <a:r>
+              <a:rPr lang="it-IT" dirty="0">
+                <a:solidFill>
+                  <a:schemeClr val="tx1"/>
+                </a:solidFill>
+              </a:rPr>
+              <a:t>1</a:t>
+            </a:r>
+          </a:p>
+        </p:txBody>
+      </p:sp>
+      <p:cxnSp>
+        <p:nvCxnSpPr>
+          <p:cNvPr id="25" name="Connettore 2 24"/>
+          <p:cNvCxnSpPr>
+            <a:cxnSpLocks/>
+            <a:stCxn id="24" idx="5"/>
+            <a:endCxn id="6" idx="2"/>
+          </p:cNvCxnSpPr>
+          <p:nvPr/>
+        </p:nvCxnSpPr>
+        <p:spPr>
+          <a:xfrm>
+            <a:off x="4104637" y="1480600"/>
+            <a:ext cx="347388" cy="1179912"/>
+          </a:xfrm>
+          <a:prstGeom prst="straightConnector1">
+            <a:avLst/>
+          </a:prstGeom>
+          <a:ln>
+            <a:tailEnd type="triangle"/>
+          </a:ln>
+        </p:spPr>
+        <p:style>
+          <a:lnRef idx="1">
+            <a:schemeClr val="accent1"/>
+          </a:lnRef>
+          <a:fillRef idx="0">
+            <a:schemeClr val="accent1"/>
+          </a:fillRef>
+          <a:effectRef idx="0">
+            <a:schemeClr val="accent1"/>
+          </a:effectRef>
+          <a:fontRef idx="minor">
+            <a:schemeClr val="tx1"/>
+          </a:fontRef>
+        </p:style>
+      </p:cxnSp>
+      <p:cxnSp>
+        <p:nvCxnSpPr>
+          <p:cNvPr id="29" name="Connettore 2 28"/>
+          <p:cNvCxnSpPr>
+            <a:cxnSpLocks/>
+            <a:stCxn id="6" idx="7"/>
+            <a:endCxn id="7" idx="2"/>
+          </p:cNvCxnSpPr>
+          <p:nvPr/>
+        </p:nvCxnSpPr>
+        <p:spPr>
+          <a:xfrm flipV="1">
+            <a:off x="4775845" y="1529518"/>
+            <a:ext cx="1541832" cy="996863"/>
+          </a:xfrm>
+          <a:prstGeom prst="straightConnector1">
+            <a:avLst/>
+          </a:prstGeom>
+          <a:ln>
+            <a:tailEnd type="triangle"/>
+          </a:ln>
+        </p:spPr>
+        <p:style>
+          <a:lnRef idx="1">
+            <a:schemeClr val="accent1"/>
+          </a:lnRef>
+          <a:fillRef idx="0">
+            <a:schemeClr val="accent1"/>
+          </a:fillRef>
+          <a:effectRef idx="0">
+            <a:schemeClr val="accent1"/>
+          </a:effectRef>
+          <a:fontRef idx="minor">
+            <a:schemeClr val="tx1"/>
+          </a:fontRef>
+        </p:style>
+      </p:cxnSp>
+      <p:cxnSp>
+        <p:nvCxnSpPr>
+          <p:cNvPr id="33" name="Connettore 2 32"/>
+          <p:cNvCxnSpPr>
+            <a:cxnSpLocks/>
+            <a:stCxn id="6" idx="6"/>
+            <a:endCxn id="8" idx="2"/>
+          </p:cNvCxnSpPr>
+          <p:nvPr/>
+        </p:nvCxnSpPr>
+        <p:spPr>
+          <a:xfrm flipV="1">
+            <a:off x="4831404" y="2660511"/>
+            <a:ext cx="1446178" cy="1"/>
+          </a:xfrm>
+          <a:prstGeom prst="straightConnector1">
+            <a:avLst/>
+          </a:prstGeom>
+          <a:ln>
+            <a:tailEnd type="triangle"/>
+          </a:ln>
+        </p:spPr>
+        <p:style>
+          <a:lnRef idx="1">
+            <a:schemeClr val="accent1"/>
+          </a:lnRef>
+          <a:fillRef idx="0">
+            <a:schemeClr val="accent1"/>
+          </a:fillRef>
+          <a:effectRef idx="0">
+            <a:schemeClr val="accent1"/>
+          </a:effectRef>
+          <a:fontRef idx="minor">
+            <a:schemeClr val="tx1"/>
+          </a:fontRef>
+        </p:style>
+      </p:cxnSp>
+      <p:cxnSp>
+        <p:nvCxnSpPr>
+          <p:cNvPr id="36" name="Connettore 2 35"/>
+          <p:cNvCxnSpPr>
+            <a:cxnSpLocks/>
+            <a:stCxn id="6" idx="5"/>
+            <a:endCxn id="9" idx="2"/>
+          </p:cNvCxnSpPr>
+          <p:nvPr/>
+        </p:nvCxnSpPr>
+        <p:spPr>
+          <a:xfrm>
+            <a:off x="4775845" y="2794642"/>
+            <a:ext cx="1504979" cy="1116732"/>
+          </a:xfrm>
+          <a:prstGeom prst="straightConnector1">
+            <a:avLst/>
+          </a:prstGeom>
+          <a:ln>
+            <a:tailEnd type="triangle"/>
+          </a:ln>
+        </p:spPr>
+        <p:style>
+          <a:lnRef idx="1">
+            <a:schemeClr val="accent1"/>
+          </a:lnRef>
+          <a:fillRef idx="0">
+            <a:schemeClr val="accent1"/>
+          </a:fillRef>
+          <a:effectRef idx="0">
+            <a:schemeClr val="accent1"/>
+          </a:effectRef>
+          <a:fontRef idx="minor">
+            <a:schemeClr val="tx1"/>
+          </a:fontRef>
+        </p:style>
+      </p:cxnSp>
+      <p:sp>
+        <p:nvSpPr>
+          <p:cNvPr id="39" name="Ovale 38"/>
+          <p:cNvSpPr/>
+          <p:nvPr/>
+        </p:nvSpPr>
+        <p:spPr>
+          <a:xfrm>
+            <a:off x="5144092" y="1156779"/>
+            <a:ext cx="379379" cy="379379"/>
+          </a:xfrm>
+          <a:prstGeom prst="ellipse">
+            <a:avLst/>
+          </a:prstGeom>
+          <a:solidFill>
+            <a:schemeClr val="accent1">
+              <a:lumMod val="20000"/>
+              <a:lumOff val="80000"/>
+            </a:schemeClr>
+          </a:solidFill>
+        </p:spPr>
+        <p:style>
+          <a:lnRef idx="2">
+            <a:schemeClr val="accent1">
+              <a:shade val="50000"/>
+            </a:schemeClr>
+          </a:lnRef>
+          <a:fillRef idx="1">
+            <a:schemeClr val="accent1"/>
+          </a:fillRef>
+          <a:effectRef idx="0">
+            <a:schemeClr val="accent1"/>
+          </a:effectRef>
+          <a:fontRef idx="minor">
+            <a:schemeClr val="lt1"/>
+          </a:fontRef>
+        </p:style>
+        <p:txBody>
+          <a:bodyPr rtlCol="0" anchor="ctr"/>
+          <a:lstStyle/>
+          <a:p>
+            <a:pPr algn="ctr"/>
+            <a:r>
+              <a:rPr lang="it-IT" dirty="0">
+                <a:solidFill>
+                  <a:schemeClr val="tx1"/>
+                </a:solidFill>
+              </a:rPr>
+              <a:t>1</a:t>
+            </a:r>
+          </a:p>
+        </p:txBody>
+      </p:sp>
+      <p:cxnSp>
+        <p:nvCxnSpPr>
+          <p:cNvPr id="40" name="Connettore 2 39"/>
+          <p:cNvCxnSpPr>
+            <a:cxnSpLocks/>
+            <a:stCxn id="39" idx="6"/>
+            <a:endCxn id="7" idx="2"/>
+          </p:cNvCxnSpPr>
+          <p:nvPr/>
+        </p:nvCxnSpPr>
+        <p:spPr>
+          <a:xfrm>
+            <a:off x="5523471" y="1346469"/>
+            <a:ext cx="794206" cy="183049"/>
+          </a:xfrm>
+          <a:prstGeom prst="straightConnector1">
+            <a:avLst/>
+          </a:prstGeom>
+          <a:ln>
+            <a:tailEnd type="triangle"/>
+          </a:ln>
+        </p:spPr>
+        <p:style>
+          <a:lnRef idx="1">
+            <a:schemeClr val="accent1"/>
+          </a:lnRef>
+          <a:fillRef idx="0">
+            <a:schemeClr val="accent1"/>
+          </a:fillRef>
+          <a:effectRef idx="0">
+            <a:schemeClr val="accent1"/>
+          </a:effectRef>
+          <a:fontRef idx="minor">
+            <a:schemeClr val="tx1"/>
+          </a:fontRef>
+        </p:style>
+      </p:cxnSp>
+      <p:cxnSp>
+        <p:nvCxnSpPr>
+          <p:cNvPr id="44" name="Connettore 2 43"/>
+          <p:cNvCxnSpPr>
+            <a:cxnSpLocks/>
+            <a:stCxn id="39" idx="5"/>
+            <a:endCxn id="8" idx="2"/>
+          </p:cNvCxnSpPr>
+          <p:nvPr/>
+        </p:nvCxnSpPr>
+        <p:spPr>
+          <a:xfrm>
+            <a:off x="5467912" y="1480599"/>
+            <a:ext cx="809670" cy="1179912"/>
+          </a:xfrm>
+          <a:prstGeom prst="straightConnector1">
+            <a:avLst/>
+          </a:prstGeom>
+          <a:ln>
+            <a:tailEnd type="triangle"/>
+          </a:ln>
+        </p:spPr>
+        <p:style>
+          <a:lnRef idx="1">
+            <a:schemeClr val="accent1"/>
+          </a:lnRef>
+          <a:fillRef idx="0">
+            <a:schemeClr val="accent1"/>
+          </a:fillRef>
+          <a:effectRef idx="0">
+            <a:schemeClr val="accent1"/>
+          </a:effectRef>
+          <a:fontRef idx="minor">
+            <a:schemeClr val="tx1"/>
+          </a:fontRef>
+        </p:style>
+      </p:cxnSp>
+      <p:cxnSp>
+        <p:nvCxnSpPr>
+          <p:cNvPr id="47" name="Connettore 2 46"/>
+          <p:cNvCxnSpPr>
+            <a:cxnSpLocks/>
+            <a:stCxn id="39" idx="4"/>
+            <a:endCxn id="9" idx="2"/>
+          </p:cNvCxnSpPr>
+          <p:nvPr/>
+        </p:nvCxnSpPr>
+        <p:spPr>
+          <a:xfrm>
+            <a:off x="5333782" y="1536158"/>
+            <a:ext cx="947042" cy="2375216"/>
+          </a:xfrm>
+          <a:prstGeom prst="straightConnector1">
+            <a:avLst/>
+          </a:prstGeom>
+          <a:ln>
+            <a:tailEnd type="triangle"/>
+          </a:ln>
+        </p:spPr>
+        <p:style>
+          <a:lnRef idx="1">
+            <a:schemeClr val="accent1"/>
+          </a:lnRef>
+          <a:fillRef idx="0">
+            <a:schemeClr val="accent1"/>
+          </a:fillRef>
+          <a:effectRef idx="0">
+            <a:schemeClr val="accent1"/>
+          </a:effectRef>
+          <a:fontRef idx="minor">
+            <a:schemeClr val="tx1"/>
+          </a:fontRef>
+        </p:style>
+      </p:cxnSp>
+      <p:sp>
+        <p:nvSpPr>
+          <p:cNvPr id="50" name="CasellaDiTesto 49"/>
+          <p:cNvSpPr txBox="1"/>
+          <p:nvPr/>
+        </p:nvSpPr>
+        <p:spPr>
+          <a:xfrm>
+            <a:off x="1050927" y="1534541"/>
+            <a:ext cx="1383456" cy="369332"/>
+          </a:xfrm>
+          <a:prstGeom prst="rect">
+            <a:avLst/>
+          </a:prstGeom>
+          <a:noFill/>
+        </p:spPr>
+        <p:txBody>
+          <a:bodyPr wrap="none" rtlCol="0">
+            <a:spAutoFit/>
+          </a:bodyPr>
+          <a:lstStyle/>
+          <a:p>
+            <a:r>
+              <a:rPr lang="it-IT" dirty="0" err="1"/>
+              <a:t>Sepal</a:t>
+            </a:r>
+            <a:r>
+              <a:rPr lang="it-IT" dirty="0"/>
+              <a:t> </a:t>
+            </a:r>
+            <a:r>
+              <a:rPr lang="it-IT" dirty="0" err="1"/>
+              <a:t>Length</a:t>
+            </a:r>
+            <a:endParaRPr lang="it-IT" dirty="0"/>
+          </a:p>
+        </p:txBody>
+      </p:sp>
+      <p:sp>
+        <p:nvSpPr>
+          <p:cNvPr id="51" name="CasellaDiTesto 50"/>
+          <p:cNvSpPr txBox="1"/>
+          <p:nvPr/>
+        </p:nvSpPr>
+        <p:spPr>
+          <a:xfrm>
+            <a:off x="1050927" y="2181118"/>
+            <a:ext cx="1322798" cy="369332"/>
+          </a:xfrm>
+          <a:prstGeom prst="rect">
+            <a:avLst/>
+          </a:prstGeom>
+          <a:noFill/>
+        </p:spPr>
+        <p:txBody>
+          <a:bodyPr wrap="none" rtlCol="0">
+            <a:spAutoFit/>
+          </a:bodyPr>
+          <a:lstStyle/>
+          <a:p>
+            <a:r>
+              <a:rPr lang="it-IT" dirty="0" err="1"/>
+              <a:t>Sepal</a:t>
+            </a:r>
+            <a:r>
+              <a:rPr lang="it-IT" dirty="0"/>
+              <a:t> </a:t>
+            </a:r>
+            <a:r>
+              <a:rPr lang="it-IT" dirty="0" err="1"/>
+              <a:t>Width</a:t>
+            </a:r>
+            <a:endParaRPr lang="it-IT" dirty="0"/>
+          </a:p>
+        </p:txBody>
+      </p:sp>
+      <p:sp>
+        <p:nvSpPr>
+          <p:cNvPr id="52" name="CasellaDiTesto 51"/>
+          <p:cNvSpPr txBox="1"/>
+          <p:nvPr/>
+        </p:nvSpPr>
+        <p:spPr>
+          <a:xfrm>
+            <a:off x="1075037" y="2861738"/>
+            <a:ext cx="1342740" cy="369332"/>
+          </a:xfrm>
+          <a:prstGeom prst="rect">
+            <a:avLst/>
+          </a:prstGeom>
+          <a:noFill/>
+        </p:spPr>
+        <p:txBody>
+          <a:bodyPr wrap="none" rtlCol="0">
+            <a:spAutoFit/>
+          </a:bodyPr>
+          <a:lstStyle/>
+          <a:p>
+            <a:r>
+              <a:rPr lang="it-IT" dirty="0" err="1"/>
+              <a:t>Petal</a:t>
+            </a:r>
+            <a:r>
+              <a:rPr lang="it-IT" dirty="0"/>
+              <a:t> </a:t>
+            </a:r>
+            <a:r>
+              <a:rPr lang="it-IT" dirty="0" err="1"/>
+              <a:t>Length</a:t>
+            </a:r>
+            <a:endParaRPr lang="it-IT" dirty="0"/>
+          </a:p>
+        </p:txBody>
+      </p:sp>
+      <p:sp>
+        <p:nvSpPr>
+          <p:cNvPr id="53" name="CasellaDiTesto 52"/>
+          <p:cNvSpPr txBox="1"/>
+          <p:nvPr/>
+        </p:nvSpPr>
+        <p:spPr>
+          <a:xfrm>
+            <a:off x="1101554" y="3505193"/>
+            <a:ext cx="1282082" cy="369332"/>
+          </a:xfrm>
+          <a:prstGeom prst="rect">
+            <a:avLst/>
+          </a:prstGeom>
+          <a:noFill/>
+        </p:spPr>
+        <p:txBody>
+          <a:bodyPr wrap="none" rtlCol="0">
+            <a:spAutoFit/>
+          </a:bodyPr>
+          <a:lstStyle/>
+          <a:p>
+            <a:r>
+              <a:rPr lang="it-IT" dirty="0" err="1"/>
+              <a:t>Petal</a:t>
+            </a:r>
+            <a:r>
+              <a:rPr lang="it-IT" dirty="0"/>
+              <a:t> </a:t>
+            </a:r>
+            <a:r>
+              <a:rPr lang="it-IT" dirty="0" err="1"/>
+              <a:t>Width</a:t>
+            </a:r>
+            <a:endParaRPr lang="it-IT" dirty="0"/>
+          </a:p>
+        </p:txBody>
+      </p:sp>
+      <p:sp>
+        <p:nvSpPr>
+          <p:cNvPr id="54" name="CasellaDiTesto 53"/>
+          <p:cNvSpPr txBox="1"/>
+          <p:nvPr/>
+        </p:nvSpPr>
+        <p:spPr>
+          <a:xfrm>
+            <a:off x="6711100" y="1316547"/>
+            <a:ext cx="801566" cy="369332"/>
+          </a:xfrm>
+          <a:prstGeom prst="rect">
+            <a:avLst/>
+          </a:prstGeom>
+          <a:noFill/>
+        </p:spPr>
+        <p:txBody>
+          <a:bodyPr wrap="none" rtlCol="0">
+            <a:spAutoFit/>
+          </a:bodyPr>
+          <a:lstStyle/>
+          <a:p>
+            <a:r>
+              <a:rPr lang="it-IT" dirty="0"/>
+              <a:t>Setosa</a:t>
+            </a:r>
+          </a:p>
+        </p:txBody>
+      </p:sp>
+      <p:sp>
+        <p:nvSpPr>
+          <p:cNvPr id="55" name="CasellaDiTesto 54"/>
+          <p:cNvSpPr txBox="1"/>
+          <p:nvPr/>
+        </p:nvSpPr>
+        <p:spPr>
+          <a:xfrm>
+            <a:off x="6697056" y="2470821"/>
+            <a:ext cx="1111458" cy="369332"/>
+          </a:xfrm>
+          <a:prstGeom prst="rect">
+            <a:avLst/>
+          </a:prstGeom>
+          <a:noFill/>
+        </p:spPr>
+        <p:txBody>
+          <a:bodyPr wrap="none" rtlCol="0">
+            <a:spAutoFit/>
+          </a:bodyPr>
+          <a:lstStyle/>
+          <a:p>
+            <a:r>
+              <a:rPr lang="it-IT" dirty="0" err="1"/>
+              <a:t>Versicolor</a:t>
+            </a:r>
+            <a:endParaRPr lang="it-IT" dirty="0"/>
+          </a:p>
+        </p:txBody>
+      </p:sp>
+      <p:sp>
+        <p:nvSpPr>
+          <p:cNvPr id="56" name="CasellaDiTesto 55"/>
+          <p:cNvSpPr txBox="1"/>
+          <p:nvPr/>
+        </p:nvSpPr>
+        <p:spPr>
+          <a:xfrm>
+            <a:off x="6697056" y="3731731"/>
+            <a:ext cx="989117" cy="369332"/>
+          </a:xfrm>
+          <a:prstGeom prst="rect">
+            <a:avLst/>
+          </a:prstGeom>
+          <a:noFill/>
+        </p:spPr>
+        <p:txBody>
+          <a:bodyPr wrap="none" rtlCol="0">
+            <a:spAutoFit/>
+          </a:bodyPr>
+          <a:lstStyle/>
+          <a:p>
+            <a:r>
+              <a:rPr lang="it-IT" dirty="0" err="1"/>
+              <a:t>Virginica</a:t>
+            </a:r>
+            <a:endParaRPr lang="it-IT" dirty="0"/>
+          </a:p>
+        </p:txBody>
+      </p:sp>
+      <p:sp>
+        <p:nvSpPr>
+          <p:cNvPr id="57" name="CasellaDiTesto 56"/>
+          <p:cNvSpPr txBox="1"/>
+          <p:nvPr/>
+        </p:nvSpPr>
+        <p:spPr>
+          <a:xfrm>
+            <a:off x="3148267" y="1818664"/>
+            <a:ext cx="466794" cy="369332"/>
+          </a:xfrm>
+          <a:prstGeom prst="rect">
+            <a:avLst/>
+          </a:prstGeom>
+          <a:noFill/>
+        </p:spPr>
+        <p:txBody>
+          <a:bodyPr wrap="none" rtlCol="0">
+            <a:spAutoFit/>
+          </a:bodyPr>
+          <a:lstStyle/>
+          <a:p>
+            <a:r>
+              <a:rPr lang="it-IT" dirty="0">
+                <a:solidFill>
+                  <a:srgbClr val="FF0000"/>
+                </a:solidFill>
+              </a:rPr>
+              <a:t>w1</a:t>
+            </a:r>
+          </a:p>
+        </p:txBody>
+      </p:sp>
+      <p:sp>
+        <p:nvSpPr>
+          <p:cNvPr id="58" name="CasellaDiTesto 57"/>
+          <p:cNvSpPr txBox="1"/>
+          <p:nvPr/>
+        </p:nvSpPr>
+        <p:spPr>
+          <a:xfrm>
+            <a:off x="3093816" y="2243974"/>
+            <a:ext cx="466794" cy="369332"/>
+          </a:xfrm>
+          <a:prstGeom prst="rect">
+            <a:avLst/>
+          </a:prstGeom>
+          <a:noFill/>
+        </p:spPr>
+        <p:txBody>
+          <a:bodyPr wrap="none" rtlCol="0">
+            <a:spAutoFit/>
+          </a:bodyPr>
+          <a:lstStyle/>
+          <a:p>
+            <a:r>
+              <a:rPr lang="it-IT" dirty="0">
+                <a:solidFill>
+                  <a:srgbClr val="FF0000"/>
+                </a:solidFill>
+              </a:rPr>
+              <a:t>w2</a:t>
+            </a:r>
+          </a:p>
+        </p:txBody>
+      </p:sp>
+      <p:sp>
+        <p:nvSpPr>
+          <p:cNvPr id="59" name="CasellaDiTesto 58"/>
+          <p:cNvSpPr txBox="1"/>
+          <p:nvPr/>
+        </p:nvSpPr>
+        <p:spPr>
+          <a:xfrm>
+            <a:off x="3161255" y="2728271"/>
+            <a:ext cx="466794" cy="369332"/>
+          </a:xfrm>
+          <a:prstGeom prst="rect">
+            <a:avLst/>
+          </a:prstGeom>
+          <a:noFill/>
+        </p:spPr>
+        <p:txBody>
+          <a:bodyPr wrap="none" rtlCol="0">
+            <a:spAutoFit/>
+          </a:bodyPr>
+          <a:lstStyle/>
+          <a:p>
+            <a:r>
+              <a:rPr lang="it-IT" dirty="0">
+                <a:solidFill>
+                  <a:srgbClr val="FF0000"/>
+                </a:solidFill>
+              </a:rPr>
+              <a:t>w3</a:t>
+            </a:r>
+          </a:p>
+        </p:txBody>
+      </p:sp>
+      <p:sp>
+        <p:nvSpPr>
+          <p:cNvPr id="60" name="CasellaDiTesto 59"/>
+          <p:cNvSpPr txBox="1"/>
+          <p:nvPr/>
+        </p:nvSpPr>
+        <p:spPr>
+          <a:xfrm>
+            <a:off x="3161255" y="3058123"/>
+            <a:ext cx="466794" cy="369332"/>
+          </a:xfrm>
+          <a:prstGeom prst="rect">
+            <a:avLst/>
+          </a:prstGeom>
+          <a:noFill/>
+        </p:spPr>
+        <p:txBody>
+          <a:bodyPr wrap="none" rtlCol="0">
+            <a:spAutoFit/>
+          </a:bodyPr>
+          <a:lstStyle/>
+          <a:p>
+            <a:r>
+              <a:rPr lang="it-IT" dirty="0">
+                <a:solidFill>
+                  <a:srgbClr val="FF0000"/>
+                </a:solidFill>
+              </a:rPr>
+              <a:t>w4</a:t>
+            </a:r>
+          </a:p>
+        </p:txBody>
+      </p:sp>
+      <p:sp>
+        <p:nvSpPr>
+          <p:cNvPr id="61" name="CasellaDiTesto 60"/>
+          <p:cNvSpPr txBox="1"/>
+          <p:nvPr/>
+        </p:nvSpPr>
+        <p:spPr>
+          <a:xfrm>
+            <a:off x="4080076" y="1784097"/>
+            <a:ext cx="466794" cy="369332"/>
+          </a:xfrm>
+          <a:prstGeom prst="rect">
+            <a:avLst/>
+          </a:prstGeom>
+          <a:noFill/>
+        </p:spPr>
+        <p:txBody>
+          <a:bodyPr wrap="none" rtlCol="0">
+            <a:spAutoFit/>
+          </a:bodyPr>
+          <a:lstStyle/>
+          <a:p>
+            <a:r>
+              <a:rPr lang="it-IT" dirty="0">
+                <a:solidFill>
+                  <a:srgbClr val="FF0000"/>
+                </a:solidFill>
+              </a:rPr>
+              <a:t>w5</a:t>
+            </a:r>
+          </a:p>
+        </p:txBody>
+      </p:sp>
+      <p:sp>
+        <p:nvSpPr>
+          <p:cNvPr id="62" name="CasellaDiTesto 61"/>
+          <p:cNvSpPr txBox="1"/>
+          <p:nvPr/>
+        </p:nvSpPr>
+        <p:spPr>
+          <a:xfrm>
+            <a:off x="4909578" y="2123007"/>
+            <a:ext cx="466794" cy="369332"/>
+          </a:xfrm>
+          <a:prstGeom prst="rect">
+            <a:avLst/>
+          </a:prstGeom>
+          <a:noFill/>
+        </p:spPr>
+        <p:txBody>
+          <a:bodyPr wrap="none" rtlCol="0">
+            <a:spAutoFit/>
+          </a:bodyPr>
+          <a:lstStyle/>
+          <a:p>
+            <a:r>
+              <a:rPr lang="it-IT" dirty="0">
+                <a:solidFill>
+                  <a:srgbClr val="FF0000"/>
+                </a:solidFill>
+              </a:rPr>
+              <a:t>w9</a:t>
+            </a:r>
+          </a:p>
+        </p:txBody>
+      </p:sp>
+      <p:sp>
+        <p:nvSpPr>
+          <p:cNvPr id="63" name="CasellaDiTesto 62"/>
+          <p:cNvSpPr txBox="1"/>
+          <p:nvPr/>
+        </p:nvSpPr>
+        <p:spPr>
+          <a:xfrm>
+            <a:off x="5619107" y="1239256"/>
+            <a:ext cx="466794" cy="369332"/>
+          </a:xfrm>
+          <a:prstGeom prst="rect">
+            <a:avLst/>
+          </a:prstGeom>
+          <a:noFill/>
+        </p:spPr>
+        <p:txBody>
+          <a:bodyPr wrap="none" rtlCol="0">
+            <a:spAutoFit/>
+          </a:bodyPr>
+          <a:lstStyle/>
+          <a:p>
+            <a:r>
+              <a:rPr lang="it-IT" dirty="0">
+                <a:solidFill>
+                  <a:srgbClr val="FF0000"/>
+                </a:solidFill>
+              </a:rPr>
+              <a:t>w6</a:t>
+            </a:r>
+          </a:p>
+        </p:txBody>
+      </p:sp>
+      <p:sp>
+        <p:nvSpPr>
+          <p:cNvPr id="64" name="CasellaDiTesto 63"/>
+          <p:cNvSpPr txBox="1"/>
+          <p:nvPr/>
+        </p:nvSpPr>
+        <p:spPr>
+          <a:xfrm>
+            <a:off x="5084465" y="3046080"/>
+            <a:ext cx="583814" cy="369332"/>
+          </a:xfrm>
+          <a:prstGeom prst="rect">
+            <a:avLst/>
+          </a:prstGeom>
+          <a:noFill/>
+        </p:spPr>
+        <p:txBody>
+          <a:bodyPr wrap="none" rtlCol="0">
+            <a:spAutoFit/>
+          </a:bodyPr>
+          <a:lstStyle/>
+          <a:p>
+            <a:r>
+              <a:rPr lang="it-IT" dirty="0">
+                <a:solidFill>
+                  <a:srgbClr val="FF0000"/>
+                </a:solidFill>
+              </a:rPr>
+              <a:t>w11</a:t>
+            </a:r>
+          </a:p>
+        </p:txBody>
+      </p:sp>
+      <p:sp>
+        <p:nvSpPr>
+          <p:cNvPr id="65" name="CasellaDiTesto 64"/>
+          <p:cNvSpPr txBox="1"/>
+          <p:nvPr/>
+        </p:nvSpPr>
+        <p:spPr>
+          <a:xfrm>
+            <a:off x="5172763" y="2454802"/>
+            <a:ext cx="583814" cy="369332"/>
+          </a:xfrm>
+          <a:prstGeom prst="rect">
+            <a:avLst/>
+          </a:prstGeom>
+          <a:noFill/>
+        </p:spPr>
+        <p:txBody>
+          <a:bodyPr wrap="none" rtlCol="0">
+            <a:spAutoFit/>
+          </a:bodyPr>
+          <a:lstStyle/>
+          <a:p>
+            <a:r>
+              <a:rPr lang="it-IT" dirty="0">
+                <a:solidFill>
+                  <a:srgbClr val="FF0000"/>
+                </a:solidFill>
+              </a:rPr>
+              <a:t>w10</a:t>
+            </a:r>
+          </a:p>
+        </p:txBody>
+      </p:sp>
+      <p:sp>
+        <p:nvSpPr>
+          <p:cNvPr id="66" name="CasellaDiTesto 65"/>
+          <p:cNvSpPr txBox="1"/>
+          <p:nvPr/>
+        </p:nvSpPr>
+        <p:spPr>
+          <a:xfrm>
+            <a:off x="5734413" y="2010043"/>
+            <a:ext cx="466794" cy="369332"/>
+          </a:xfrm>
+          <a:prstGeom prst="rect">
+            <a:avLst/>
+          </a:prstGeom>
+          <a:noFill/>
+        </p:spPr>
+        <p:txBody>
+          <a:bodyPr wrap="none" rtlCol="0">
+            <a:spAutoFit/>
+          </a:bodyPr>
+          <a:lstStyle/>
+          <a:p>
+            <a:r>
+              <a:rPr lang="it-IT" dirty="0">
+                <a:solidFill>
+                  <a:srgbClr val="FF0000"/>
+                </a:solidFill>
+              </a:rPr>
+              <a:t>w7</a:t>
+            </a:r>
+          </a:p>
+        </p:txBody>
+      </p:sp>
+      <p:sp>
+        <p:nvSpPr>
+          <p:cNvPr id="67" name="CasellaDiTesto 66"/>
+          <p:cNvSpPr txBox="1"/>
+          <p:nvPr/>
+        </p:nvSpPr>
+        <p:spPr>
+          <a:xfrm>
+            <a:off x="5179369" y="1650776"/>
+            <a:ext cx="466794" cy="369332"/>
+          </a:xfrm>
+          <a:prstGeom prst="rect">
+            <a:avLst/>
+          </a:prstGeom>
+          <a:noFill/>
+        </p:spPr>
+        <p:txBody>
+          <a:bodyPr wrap="none" rtlCol="0">
+            <a:spAutoFit/>
+          </a:bodyPr>
+          <a:lstStyle/>
+          <a:p>
+            <a:r>
+              <a:rPr lang="it-IT" dirty="0">
+                <a:solidFill>
+                  <a:srgbClr val="FF0000"/>
+                </a:solidFill>
+              </a:rPr>
+              <a:t>w8</a:t>
+            </a:r>
+          </a:p>
+        </p:txBody>
+      </p:sp>
+    </p:spTree>
+    <p:extLst>
+      <p:ext uri="{BB962C8B-B14F-4D97-AF65-F5344CB8AC3E}">
+        <p14:creationId xmlns:p14="http://schemas.microsoft.com/office/powerpoint/2010/main" val="1318422599"/>
       </p:ext>
     </p:extLst>
   </p:cSld>

--- a/Nuovo Presentazione di Microsoft PowerPoint.pptx
+++ b/Nuovo Presentazione di Microsoft PowerPoint.pptx
@@ -14,6 +14,7 @@
     <p:sldId id="262" r:id="rId8"/>
     <p:sldId id="264" r:id="rId9"/>
     <p:sldId id="263" r:id="rId10"/>
+    <p:sldId id="265" r:id="rId11"/>
   </p:sldIdLst>
   <p:sldSz cx="12192000" cy="6858000"/>
   <p:notesSz cx="6858000" cy="9144000"/>
@@ -249,7 +250,7 @@
           <a:p>
             <a:fld id="{6BD15808-8B7D-4DE2-9E62-06EEBAEB5E54}" type="datetimeFigureOut">
               <a:rPr lang="it-IT" smtClean="0"/>
-              <a:t>05/04/2017</a:t>
+              <a:t>07/04/2017</a:t>
             </a:fld>
             <a:endParaRPr lang="it-IT"/>
           </a:p>
@@ -417,7 +418,7 @@
           <a:p>
             <a:fld id="{6BD15808-8B7D-4DE2-9E62-06EEBAEB5E54}" type="datetimeFigureOut">
               <a:rPr lang="it-IT" smtClean="0"/>
-              <a:t>05/04/2017</a:t>
+              <a:t>07/04/2017</a:t>
             </a:fld>
             <a:endParaRPr lang="it-IT"/>
           </a:p>
@@ -595,7 +596,7 @@
           <a:p>
             <a:fld id="{6BD15808-8B7D-4DE2-9E62-06EEBAEB5E54}" type="datetimeFigureOut">
               <a:rPr lang="it-IT" smtClean="0"/>
-              <a:t>05/04/2017</a:t>
+              <a:t>07/04/2017</a:t>
             </a:fld>
             <a:endParaRPr lang="it-IT"/>
           </a:p>
@@ -763,7 +764,7 @@
           <a:p>
             <a:fld id="{6BD15808-8B7D-4DE2-9E62-06EEBAEB5E54}" type="datetimeFigureOut">
               <a:rPr lang="it-IT" smtClean="0"/>
-              <a:t>05/04/2017</a:t>
+              <a:t>07/04/2017</a:t>
             </a:fld>
             <a:endParaRPr lang="it-IT"/>
           </a:p>
@@ -1008,7 +1009,7 @@
           <a:p>
             <a:fld id="{6BD15808-8B7D-4DE2-9E62-06EEBAEB5E54}" type="datetimeFigureOut">
               <a:rPr lang="it-IT" smtClean="0"/>
-              <a:t>05/04/2017</a:t>
+              <a:t>07/04/2017</a:t>
             </a:fld>
             <a:endParaRPr lang="it-IT"/>
           </a:p>
@@ -1237,7 +1238,7 @@
           <a:p>
             <a:fld id="{6BD15808-8B7D-4DE2-9E62-06EEBAEB5E54}" type="datetimeFigureOut">
               <a:rPr lang="it-IT" smtClean="0"/>
-              <a:t>05/04/2017</a:t>
+              <a:t>07/04/2017</a:t>
             </a:fld>
             <a:endParaRPr lang="it-IT"/>
           </a:p>
@@ -1601,7 +1602,7 @@
           <a:p>
             <a:fld id="{6BD15808-8B7D-4DE2-9E62-06EEBAEB5E54}" type="datetimeFigureOut">
               <a:rPr lang="it-IT" smtClean="0"/>
-              <a:t>05/04/2017</a:t>
+              <a:t>07/04/2017</a:t>
             </a:fld>
             <a:endParaRPr lang="it-IT"/>
           </a:p>
@@ -1718,7 +1719,7 @@
           <a:p>
             <a:fld id="{6BD15808-8B7D-4DE2-9E62-06EEBAEB5E54}" type="datetimeFigureOut">
               <a:rPr lang="it-IT" smtClean="0"/>
-              <a:t>05/04/2017</a:t>
+              <a:t>07/04/2017</a:t>
             </a:fld>
             <a:endParaRPr lang="it-IT"/>
           </a:p>
@@ -1813,7 +1814,7 @@
           <a:p>
             <a:fld id="{6BD15808-8B7D-4DE2-9E62-06EEBAEB5E54}" type="datetimeFigureOut">
               <a:rPr lang="it-IT" smtClean="0"/>
-              <a:t>05/04/2017</a:t>
+              <a:t>07/04/2017</a:t>
             </a:fld>
             <a:endParaRPr lang="it-IT"/>
           </a:p>
@@ -2088,7 +2089,7 @@
           <a:p>
             <a:fld id="{6BD15808-8B7D-4DE2-9E62-06EEBAEB5E54}" type="datetimeFigureOut">
               <a:rPr lang="it-IT" smtClean="0"/>
-              <a:t>05/04/2017</a:t>
+              <a:t>07/04/2017</a:t>
             </a:fld>
             <a:endParaRPr lang="it-IT"/>
           </a:p>
@@ -2340,7 +2341,7 @@
           <a:p>
             <a:fld id="{6BD15808-8B7D-4DE2-9E62-06EEBAEB5E54}" type="datetimeFigureOut">
               <a:rPr lang="it-IT" smtClean="0"/>
-              <a:t>05/04/2017</a:t>
+              <a:t>07/04/2017</a:t>
             </a:fld>
             <a:endParaRPr lang="it-IT"/>
           </a:p>
@@ -2551,7 +2552,7 @@
           <a:p>
             <a:fld id="{6BD15808-8B7D-4DE2-9E62-06EEBAEB5E54}" type="datetimeFigureOut">
               <a:rPr lang="it-IT" smtClean="0"/>
-              <a:t>05/04/2017</a:t>
+              <a:t>07/04/2017</a:t>
             </a:fld>
             <a:endParaRPr lang="it-IT"/>
           </a:p>
@@ -2998,6 +2999,94 @@
     <p:extLst>
       <p:ext uri="{BB962C8B-B14F-4D97-AF65-F5344CB8AC3E}">
         <p14:creationId xmlns:p14="http://schemas.microsoft.com/office/powerpoint/2010/main" val="1640797270"/>
+      </p:ext>
+    </p:extLst>
+  </p:cSld>
+  <p:clrMapOvr>
+    <a:masterClrMapping/>
+  </p:clrMapOvr>
+</p:sld>
+</file>
+
+<file path=ppt/slides/slide10.xml><?xml version="1.0" encoding="utf-8"?>
+<p:sld xmlns:a="http://schemas.openxmlformats.org/drawingml/2006/main" xmlns:r="http://schemas.openxmlformats.org/officeDocument/2006/relationships" xmlns:p="http://schemas.openxmlformats.org/presentationml/2006/main">
+  <p:cSld>
+    <p:spTree>
+      <p:nvGrpSpPr>
+        <p:cNvPr id="1" name=""/>
+        <p:cNvGrpSpPr/>
+        <p:nvPr/>
+      </p:nvGrpSpPr>
+      <p:grpSpPr>
+        <a:xfrm>
+          <a:off x="0" y="0"/>
+          <a:ext cx="0" cy="0"/>
+          <a:chOff x="0" y="0"/>
+          <a:chExt cx="0" cy="0"/>
+        </a:xfrm>
+      </p:grpSpPr>
+      <p:pic>
+        <p:nvPicPr>
+          <p:cNvPr id="5" name="Immagine 4"/>
+          <p:cNvPicPr>
+            <a:picLocks noChangeAspect="1"/>
+          </p:cNvPicPr>
+          <p:nvPr/>
+        </p:nvPicPr>
+        <p:blipFill rotWithShape="1">
+          <a:blip r:embed="rId2">
+            <a:extLst>
+              <a:ext uri="{28A0092B-C50C-407E-A947-70E740481C1C}">
+                <a14:useLocalDpi xmlns:a14="http://schemas.microsoft.com/office/drawing/2010/main" val="0"/>
+              </a:ext>
+            </a:extLst>
+          </a:blip>
+          <a:srcRect l="8150" t="783" r="-89" b="783"/>
+          <a:stretch/>
+        </p:blipFill>
+        <p:spPr>
+          <a:xfrm>
+            <a:off x="6157608" y="622570"/>
+            <a:ext cx="5700408" cy="2880000"/>
+          </a:xfrm>
+          <a:prstGeom prst="rect">
+            <a:avLst/>
+          </a:prstGeom>
+        </p:spPr>
+      </p:pic>
+      <p:pic>
+        <p:nvPicPr>
+          <p:cNvPr id="3" name="Immagine 2"/>
+          <p:cNvPicPr>
+            <a:picLocks noChangeAspect="1"/>
+          </p:cNvPicPr>
+          <p:nvPr/>
+        </p:nvPicPr>
+        <p:blipFill rotWithShape="1">
+          <a:blip r:embed="rId3">
+            <a:extLst>
+              <a:ext uri="{28A0092B-C50C-407E-A947-70E740481C1C}">
+                <a14:useLocalDpi xmlns:a14="http://schemas.microsoft.com/office/drawing/2010/main" val="0"/>
+              </a:ext>
+            </a:extLst>
+          </a:blip>
+          <a:srcRect l="-122" t="19022" r="14565" b="545"/>
+          <a:stretch/>
+        </p:blipFill>
+        <p:spPr>
+          <a:xfrm>
+            <a:off x="1117107" y="1332995"/>
+            <a:ext cx="5917291" cy="2664000"/>
+          </a:xfrm>
+          <a:prstGeom prst="rect">
+            <a:avLst/>
+          </a:prstGeom>
+        </p:spPr>
+      </p:pic>
+    </p:spTree>
+    <p:extLst>
+      <p:ext uri="{BB962C8B-B14F-4D97-AF65-F5344CB8AC3E}">
+        <p14:creationId xmlns:p14="http://schemas.microsoft.com/office/powerpoint/2010/main" val="3579241660"/>
       </p:ext>
     </p:extLst>
   </p:cSld>
